--- a/docs/diagrams/ImportSequenceDiagram.pptx
+++ b/docs/diagrams/ImportSequenceDiagram.pptx
@@ -208,7 +208,7 @@
           <a:p>
             <a:fld id="{F5CC4B3F-88C1-4FFA-B1B6-F41C21DC6924}" type="datetimeFigureOut">
               <a:rPr lang="en-US" smtClean="0"/>
-              <a:t>10/16/2018</a:t>
+              <a:t>10/30/2018</a:t>
             </a:fld>
             <a:endParaRPr lang="en-US"/>
           </a:p>
@@ -654,7 +654,7 @@
           <a:p>
             <a:fld id="{78C97017-6FC3-485B-9764-EAC9E56C1D49}" type="datetimeFigureOut">
               <a:rPr lang="en-US" smtClean="0"/>
-              <a:t>10/16/2018</a:t>
+              <a:t>10/30/2018</a:t>
             </a:fld>
             <a:endParaRPr lang="en-US"/>
           </a:p>
@@ -822,7 +822,7 @@
           <a:p>
             <a:fld id="{78C97017-6FC3-485B-9764-EAC9E56C1D49}" type="datetimeFigureOut">
               <a:rPr lang="en-US" smtClean="0"/>
-              <a:t>10/16/2018</a:t>
+              <a:t>10/30/2018</a:t>
             </a:fld>
             <a:endParaRPr lang="en-US"/>
           </a:p>
@@ -1000,7 +1000,7 @@
           <a:p>
             <a:fld id="{78C97017-6FC3-485B-9764-EAC9E56C1D49}" type="datetimeFigureOut">
               <a:rPr lang="en-US" smtClean="0"/>
-              <a:t>10/16/2018</a:t>
+              <a:t>10/30/2018</a:t>
             </a:fld>
             <a:endParaRPr lang="en-US"/>
           </a:p>
@@ -1168,7 +1168,7 @@
           <a:p>
             <a:fld id="{78C97017-6FC3-485B-9764-EAC9E56C1D49}" type="datetimeFigureOut">
               <a:rPr lang="en-US" smtClean="0"/>
-              <a:t>10/16/2018</a:t>
+              <a:t>10/30/2018</a:t>
             </a:fld>
             <a:endParaRPr lang="en-US"/>
           </a:p>
@@ -1413,7 +1413,7 @@
           <a:p>
             <a:fld id="{78C97017-6FC3-485B-9764-EAC9E56C1D49}" type="datetimeFigureOut">
               <a:rPr lang="en-US" smtClean="0"/>
-              <a:t>10/16/2018</a:t>
+              <a:t>10/30/2018</a:t>
             </a:fld>
             <a:endParaRPr lang="en-US"/>
           </a:p>
@@ -1698,7 +1698,7 @@
           <a:p>
             <a:fld id="{78C97017-6FC3-485B-9764-EAC9E56C1D49}" type="datetimeFigureOut">
               <a:rPr lang="en-US" smtClean="0"/>
-              <a:t>10/16/2018</a:t>
+              <a:t>10/30/2018</a:t>
             </a:fld>
             <a:endParaRPr lang="en-US"/>
           </a:p>
@@ -2117,7 +2117,7 @@
           <a:p>
             <a:fld id="{78C97017-6FC3-485B-9764-EAC9E56C1D49}" type="datetimeFigureOut">
               <a:rPr lang="en-US" smtClean="0"/>
-              <a:t>10/16/2018</a:t>
+              <a:t>10/30/2018</a:t>
             </a:fld>
             <a:endParaRPr lang="en-US"/>
           </a:p>
@@ -2234,7 +2234,7 @@
           <a:p>
             <a:fld id="{78C97017-6FC3-485B-9764-EAC9E56C1D49}" type="datetimeFigureOut">
               <a:rPr lang="en-US" smtClean="0"/>
-              <a:t>10/16/2018</a:t>
+              <a:t>10/30/2018</a:t>
             </a:fld>
             <a:endParaRPr lang="en-US"/>
           </a:p>
@@ -2329,7 +2329,7 @@
           <a:p>
             <a:fld id="{78C97017-6FC3-485B-9764-EAC9E56C1D49}" type="datetimeFigureOut">
               <a:rPr lang="en-US" smtClean="0"/>
-              <a:t>10/16/2018</a:t>
+              <a:t>10/30/2018</a:t>
             </a:fld>
             <a:endParaRPr lang="en-US"/>
           </a:p>
@@ -2604,7 +2604,7 @@
           <a:p>
             <a:fld id="{78C97017-6FC3-485B-9764-EAC9E56C1D49}" type="datetimeFigureOut">
               <a:rPr lang="en-US" smtClean="0"/>
-              <a:t>10/16/2018</a:t>
+              <a:t>10/30/2018</a:t>
             </a:fld>
             <a:endParaRPr lang="en-US"/>
           </a:p>
@@ -2856,7 +2856,7 @@
           <a:p>
             <a:fld id="{78C97017-6FC3-485B-9764-EAC9E56C1D49}" type="datetimeFigureOut">
               <a:rPr lang="en-US" smtClean="0"/>
-              <a:t>10/16/2018</a:t>
+              <a:t>10/30/2018</a:t>
             </a:fld>
             <a:endParaRPr lang="en-US"/>
           </a:p>
@@ -3067,7 +3067,7 @@
           <a:p>
             <a:fld id="{78C97017-6FC3-485B-9764-EAC9E56C1D49}" type="datetimeFigureOut">
               <a:rPr lang="en-US" smtClean="0"/>
-              <a:t>10/16/2018</a:t>
+              <a:t>10/30/2018</a:t>
             </a:fld>
             <a:endParaRPr lang="en-US"/>
           </a:p>
@@ -3444,14 +3444,96 @@
       </p:grpSpPr>
       <p:sp>
         <p:nvSpPr>
+          <p:cNvPr id="52" name="Rectangle 65">
+            <a:extLst>
+              <a:ext uri="{FF2B5EF4-FFF2-40B4-BE49-F238E27FC236}">
+                <a16:creationId xmlns:a16="http://schemas.microsoft.com/office/drawing/2014/main" id="{2F435328-7A1C-413F-938B-9EBF85C73FD9}"/>
+              </a:ext>
+            </a:extLst>
+          </p:cNvPr>
+          <p:cNvSpPr/>
+          <p:nvPr/>
+        </p:nvSpPr>
+        <p:spPr>
+          <a:xfrm>
+            <a:off x="7998924" y="152400"/>
+            <a:ext cx="1453807" cy="4400926"/>
+          </a:xfrm>
+          <a:prstGeom prst="roundRect">
+            <a:avLst>
+              <a:gd name="adj" fmla="val 3484"/>
+            </a:avLst>
+          </a:prstGeom>
+          <a:solidFill>
+            <a:schemeClr val="accent3">
+              <a:lumMod val="20000"/>
+              <a:lumOff val="80000"/>
+            </a:schemeClr>
+          </a:solidFill>
+          <a:ln>
+            <a:noFill/>
+          </a:ln>
+        </p:spPr>
+        <p:style>
+          <a:lnRef idx="2">
+            <a:schemeClr val="accent3"/>
+          </a:lnRef>
+          <a:fillRef idx="1">
+            <a:schemeClr val="lt1"/>
+          </a:fillRef>
+          <a:effectRef idx="0">
+            <a:schemeClr val="accent3"/>
+          </a:effectRef>
+          <a:fontRef idx="minor">
+            <a:schemeClr val="dk1"/>
+          </a:fontRef>
+        </p:style>
+        <p:txBody>
+          <a:bodyPr rtlCol="0" anchor="t"/>
+          <a:lstStyle/>
+          <a:p>
+            <a:r>
+              <a:rPr lang="en-US" sz="1200" b="1" dirty="0">
+                <a:solidFill>
+                  <a:schemeClr val="accent3">
+                    <a:lumMod val="75000"/>
+                  </a:schemeClr>
+                </a:solidFill>
+              </a:rPr>
+              <a:t>Biweekly</a:t>
+            </a:r>
+          </a:p>
+          <a:p>
+            <a:r>
+              <a:rPr lang="en-US" sz="1200" b="1" dirty="0">
+                <a:solidFill>
+                  <a:schemeClr val="accent3">
+                    <a:lumMod val="75000"/>
+                  </a:schemeClr>
+                </a:solidFill>
+              </a:rPr>
+              <a:t>(external library)</a:t>
+            </a:r>
+            <a:endParaRPr lang="en-SG" sz="1200" b="1" dirty="0">
+              <a:solidFill>
+                <a:schemeClr val="accent3">
+                  <a:lumMod val="75000"/>
+                </a:schemeClr>
+              </a:solidFill>
+            </a:endParaRPr>
+          </a:p>
+        </p:txBody>
+      </p:sp>
+      <p:sp>
+        <p:nvSpPr>
           <p:cNvPr id="56" name="Rectangle 65"/>
           <p:cNvSpPr/>
           <p:nvPr/>
         </p:nvSpPr>
         <p:spPr>
           <a:xfrm>
-            <a:off x="6459374" y="118895"/>
-            <a:ext cx="3903825" cy="4400926"/>
+            <a:off x="6399503" y="152400"/>
+            <a:ext cx="1453807" cy="4400926"/>
           </a:xfrm>
           <a:prstGeom prst="roundRect">
             <a:avLst>
@@ -3511,7 +3593,7 @@
         </p:nvSpPr>
         <p:spPr>
           <a:xfrm>
-            <a:off x="467813" y="163018"/>
+            <a:off x="407942" y="196523"/>
             <a:ext cx="5863964" cy="4343400"/>
           </a:xfrm>
           <a:prstGeom prst="roundRect">
@@ -3572,7 +3654,7 @@
         </p:nvSpPr>
         <p:spPr>
           <a:xfrm>
-            <a:off x="883145" y="543946"/>
+            <a:off x="823274" y="577451"/>
             <a:ext cx="1455629" cy="346760"/>
           </a:xfrm>
           <a:prstGeom prst="rect">
@@ -3641,7 +3723,7 @@
         </p:nvCxnSpPr>
         <p:spPr>
           <a:xfrm>
-            <a:off x="1610959" y="907617"/>
+            <a:off x="1551088" y="941122"/>
             <a:ext cx="0" cy="3481399"/>
           </a:xfrm>
           <a:prstGeom prst="line">
@@ -3678,7 +3760,7 @@
         </p:nvSpPr>
         <p:spPr>
           <a:xfrm>
-            <a:off x="1538951" y="1258311"/>
+            <a:off x="1479080" y="1291816"/>
             <a:ext cx="152400" cy="2932689"/>
           </a:xfrm>
           <a:prstGeom prst="rect">
@@ -3725,7 +3807,7 @@
         </p:nvSpPr>
         <p:spPr>
           <a:xfrm>
-            <a:off x="3437188" y="423022"/>
+            <a:off x="3377317" y="456527"/>
             <a:ext cx="1219200" cy="467684"/>
           </a:xfrm>
           <a:prstGeom prst="rect">
@@ -3797,7 +3879,7 @@
         </p:nvCxnSpPr>
         <p:spPr>
           <a:xfrm>
-            <a:off x="4050587" y="907617"/>
+            <a:off x="3990716" y="941122"/>
             <a:ext cx="0" cy="1482984"/>
           </a:xfrm>
           <a:prstGeom prst="line">
@@ -3834,7 +3916,7 @@
         </p:nvSpPr>
         <p:spPr>
           <a:xfrm>
-            <a:off x="3978580" y="1365810"/>
+            <a:off x="3918709" y="1399315"/>
             <a:ext cx="154408" cy="767790"/>
           </a:xfrm>
           <a:prstGeom prst="rect">
@@ -3889,8 +3971,8 @@
         </p:nvCxnSpPr>
         <p:spPr>
           <a:xfrm>
-            <a:off x="5602082" y="1613633"/>
-            <a:ext cx="0" cy="2644578"/>
+            <a:off x="5296608" y="1658024"/>
+            <a:ext cx="0" cy="2610716"/>
           </a:xfrm>
           <a:prstGeom prst="line">
             <a:avLst/>
@@ -3926,7 +4008,7 @@
         </p:nvSpPr>
         <p:spPr>
           <a:xfrm>
-            <a:off x="5525882" y="1613633"/>
+            <a:off x="5220408" y="1658024"/>
             <a:ext cx="152400" cy="276003"/>
           </a:xfrm>
           <a:prstGeom prst="rect">
@@ -3973,7 +4055,7 @@
         </p:nvCxnSpPr>
         <p:spPr>
           <a:xfrm>
-            <a:off x="419100" y="1261999"/>
+            <a:off x="359229" y="1295504"/>
             <a:ext cx="1119851" cy="0"/>
           </a:xfrm>
           <a:prstGeom prst="straightConnector1">
@@ -4009,7 +4091,7 @@
         </p:nvSpPr>
         <p:spPr>
           <a:xfrm>
-            <a:off x="38100" y="990600"/>
+            <a:off x="-21771" y="1024105"/>
             <a:ext cx="1424846" cy="215444"/>
           </a:xfrm>
           <a:prstGeom prst="rect">
@@ -4038,13 +4120,15 @@
       <p:cxnSp>
         <p:nvCxnSpPr>
           <p:cNvPr id="28" name="Straight Arrow Connector 27"/>
-          <p:cNvCxnSpPr/>
+          <p:cNvCxnSpPr>
+            <a:cxnSpLocks/>
+          </p:cNvCxnSpPr>
           <p:nvPr/>
         </p:nvCxnSpPr>
         <p:spPr>
           <a:xfrm flipV="1">
-            <a:off x="4135972" y="1512340"/>
-            <a:ext cx="922392" cy="1"/>
+            <a:off x="4076101" y="1545846"/>
+            <a:ext cx="654401" cy="1"/>
           </a:xfrm>
           <a:prstGeom prst="straightConnector1">
             <a:avLst/>
@@ -4079,7 +4163,7 @@
         </p:nvSpPr>
         <p:spPr>
           <a:xfrm>
-            <a:off x="3243421" y="2484071"/>
+            <a:off x="3183550" y="2517576"/>
             <a:ext cx="855809" cy="215444"/>
           </a:xfrm>
           <a:prstGeom prst="rect">
@@ -4114,13 +4198,16 @@
       <p:cxnSp>
         <p:nvCxnSpPr>
           <p:cNvPr id="34" name="Straight Arrow Connector 33"/>
-          <p:cNvCxnSpPr/>
+          <p:cNvCxnSpPr>
+            <a:cxnSpLocks/>
+            <a:endCxn id="21" idx="2"/>
+          </p:cNvCxnSpPr>
           <p:nvPr/>
         </p:nvCxnSpPr>
         <p:spPr>
           <a:xfrm>
-            <a:off x="4109108" y="1878232"/>
-            <a:ext cx="1492974" cy="0"/>
+            <a:off x="4049237" y="1911737"/>
+            <a:ext cx="1247371" cy="22290"/>
           </a:xfrm>
           <a:prstGeom prst="straightConnector1">
             <a:avLst/>
@@ -4159,7 +4246,7 @@
         </p:nvCxnSpPr>
         <p:spPr>
           <a:xfrm>
-            <a:off x="1691351" y="2133600"/>
+            <a:off x="1631480" y="2167105"/>
             <a:ext cx="2348067" cy="0"/>
           </a:xfrm>
           <a:prstGeom prst="straightConnector1">
@@ -4197,7 +4284,7 @@
         </p:nvCxnSpPr>
         <p:spPr>
           <a:xfrm>
-            <a:off x="380999" y="4191000"/>
+            <a:off x="321128" y="4224505"/>
             <a:ext cx="1196051" cy="0"/>
           </a:xfrm>
           <a:prstGeom prst="straightConnector1">
@@ -4235,7 +4322,7 @@
         </p:nvSpPr>
         <p:spPr>
           <a:xfrm>
-            <a:off x="5526488" y="2731313"/>
+            <a:off x="5221014" y="2775704"/>
             <a:ext cx="161322" cy="1307285"/>
           </a:xfrm>
           <a:prstGeom prst="rect">
@@ -4282,8 +4369,8 @@
         </p:nvSpPr>
         <p:spPr>
           <a:xfrm>
-            <a:off x="5646425" y="2748246"/>
-            <a:ext cx="1886615" cy="184666"/>
+            <a:off x="5340951" y="2792637"/>
+            <a:ext cx="1986720" cy="184666"/>
           </a:xfrm>
           <a:prstGeom prst="rect">
             <a:avLst/>
@@ -4310,24 +4397,19 @@
             <a:r>
               <a:rPr lang="en-US" sz="1200" dirty="0" err="1">
                 <a:solidFill>
-                  <a:schemeClr val="accent4">
-                    <a:lumMod val="75000"/>
-                  </a:schemeClr>
+                  <a:srgbClr val="7030A0"/>
                 </a:solidFill>
               </a:rPr>
-              <a:t>getTimeTableFromFile</a:t>
+              <a:t>readTimeTableFromFile</a:t>
             </a:r>
             <a:r>
               <a:rPr lang="en-US" sz="1200" dirty="0">
                 <a:solidFill>
-                  <a:schemeClr val="accent4">
-                    <a:lumMod val="75000"/>
-                  </a:schemeClr>
+                  <a:srgbClr val="7030A0"/>
                 </a:solidFill>
               </a:rPr>
-              <a:t>(path)</a:t>
-            </a:r>
-            <a:endParaRPr lang="en-US" sz="1200" dirty="0"/>
+              <a:t>(“path”)</a:t>
+            </a:r>
           </a:p>
         </p:txBody>
       </p:sp>
@@ -4339,7 +4421,7 @@
         </p:nvSpPr>
         <p:spPr>
           <a:xfrm>
-            <a:off x="1885189" y="1106150"/>
+            <a:off x="1825318" y="1139655"/>
             <a:ext cx="1899551" cy="215444"/>
           </a:xfrm>
           <a:prstGeom prst="rect">
@@ -4383,7 +4465,7 @@
         </p:nvSpPr>
         <p:spPr>
           <a:xfrm>
-            <a:off x="3272755" y="3791076"/>
+            <a:off x="3212884" y="3824581"/>
             <a:ext cx="621216" cy="215444"/>
           </a:xfrm>
           <a:prstGeom prst="rect">
@@ -4423,7 +4505,7 @@
         </p:nvSpPr>
         <p:spPr>
           <a:xfrm>
-            <a:off x="645270" y="3945901"/>
+            <a:off x="585399" y="3979406"/>
             <a:ext cx="762000" cy="215444"/>
           </a:xfrm>
           <a:prstGeom prst="rect">
@@ -4463,7 +4545,7 @@
         </p:nvSpPr>
         <p:spPr>
           <a:xfrm>
-            <a:off x="2724792" y="1905793"/>
+            <a:off x="2664921" y="1939298"/>
             <a:ext cx="220343" cy="215444"/>
           </a:xfrm>
           <a:prstGeom prst="rect">
@@ -4503,7 +4585,7 @@
         </p:nvSpPr>
         <p:spPr>
           <a:xfrm>
-            <a:off x="7200378" y="2336246"/>
+            <a:off x="6894904" y="2380637"/>
             <a:ext cx="841636" cy="300180"/>
           </a:xfrm>
           <a:prstGeom prst="rect">
@@ -4572,7 +4654,7 @@
         </p:nvCxnSpPr>
         <p:spPr>
           <a:xfrm flipH="1">
-            <a:off x="7637104" y="2627352"/>
+            <a:off x="7288783" y="2705652"/>
             <a:ext cx="3959" cy="1735710"/>
           </a:xfrm>
           <a:prstGeom prst="line">
@@ -4609,8 +4691,8 @@
         </p:nvSpPr>
         <p:spPr>
           <a:xfrm>
-            <a:off x="7538140" y="2932152"/>
-            <a:ext cx="168896" cy="775693"/>
+            <a:off x="7232666" y="2976543"/>
+            <a:ext cx="126211" cy="893541"/>
           </a:xfrm>
           <a:prstGeom prst="rect">
             <a:avLst/>
@@ -4658,7 +4740,7 @@
         </p:nvCxnSpPr>
         <p:spPr>
           <a:xfrm>
-            <a:off x="5685755" y="2975344"/>
+            <a:off x="5380281" y="3019735"/>
             <a:ext cx="1847285" cy="0"/>
           </a:xfrm>
           <a:prstGeom prst="straightConnector1">
@@ -4694,7 +4776,7 @@
         </p:nvSpPr>
         <p:spPr>
           <a:xfrm>
-            <a:off x="5472880" y="4258211"/>
+            <a:off x="5167406" y="4268740"/>
             <a:ext cx="258404" cy="261610"/>
           </a:xfrm>
           <a:prstGeom prst="rect">
@@ -4727,7 +4809,7 @@
         </p:nvSpPr>
         <p:spPr>
           <a:xfrm>
-            <a:off x="5035976" y="1260268"/>
+            <a:off x="4730502" y="1304659"/>
             <a:ext cx="1093635" cy="461538"/>
           </a:xfrm>
           <a:prstGeom prst="rect">
@@ -4809,7 +4891,7 @@
         </p:nvCxnSpPr>
         <p:spPr>
           <a:xfrm>
-            <a:off x="1691351" y="2731314"/>
+            <a:off x="1631480" y="2764819"/>
             <a:ext cx="3832164" cy="1"/>
           </a:xfrm>
           <a:prstGeom prst="straightConnector1">
@@ -4853,7 +4935,7 @@
         </p:nvCxnSpPr>
         <p:spPr>
           <a:xfrm>
-            <a:off x="1708245" y="1363918"/>
+            <a:off x="1648374" y="1397423"/>
             <a:ext cx="2256705" cy="1"/>
           </a:xfrm>
           <a:prstGeom prst="straightConnector1">
@@ -4897,7 +4979,7 @@
         </p:nvCxnSpPr>
         <p:spPr>
           <a:xfrm>
-            <a:off x="1691998" y="4036462"/>
+            <a:off x="1632127" y="4069967"/>
             <a:ext cx="3831517" cy="0"/>
           </a:xfrm>
           <a:prstGeom prst="straightConnector1">
@@ -4938,13 +5020,12 @@
           </p:cNvPr>
           <p:cNvCxnSpPr>
             <a:cxnSpLocks/>
-            <a:endCxn id="49" idx="2"/>
           </p:cNvCxnSpPr>
           <p:nvPr/>
         </p:nvCxnSpPr>
         <p:spPr>
           <a:xfrm>
-            <a:off x="5731284" y="3707845"/>
+            <a:off x="5425810" y="3884215"/>
             <a:ext cx="1891304" cy="0"/>
           </a:xfrm>
           <a:prstGeom prst="straightConnector1">
@@ -4988,8 +5069,8 @@
         </p:nvSpPr>
         <p:spPr>
           <a:xfrm>
-            <a:off x="6124536" y="3459885"/>
-            <a:ext cx="1299734" cy="184666"/>
+            <a:off x="5601126" y="3614924"/>
+            <a:ext cx="1461481" cy="184666"/>
           </a:xfrm>
           <a:prstGeom prst="rect">
             <a:avLst/>
@@ -5014,6 +5095,16 @@
           </a:lstStyle>
           <a:p>
             <a:r>
+              <a:rPr lang="en-US" sz="1200" dirty="0">
+                <a:solidFill>
+                  <a:schemeClr val="accent4">
+                    <a:lumMod val="75000"/>
+                  </a:schemeClr>
+                </a:solidFill>
+              </a:rPr>
+              <a:t>Optional&lt;</a:t>
+            </a:r>
+            <a:r>
               <a:rPr lang="en-US" sz="1200" dirty="0" err="1">
                 <a:solidFill>
                   <a:schemeClr val="accent4">
@@ -5021,7 +5112,17 @@
                   </a:schemeClr>
                 </a:solidFill>
               </a:rPr>
-              <a:t>OptionalTimeTable</a:t>
+              <a:t>TimeTable</a:t>
+            </a:r>
+            <a:r>
+              <a:rPr lang="en-US" sz="1200" dirty="0">
+                <a:solidFill>
+                  <a:schemeClr val="accent4">
+                    <a:lumMod val="75000"/>
+                  </a:schemeClr>
+                </a:solidFill>
+              </a:rPr>
+              <a:t>&gt;</a:t>
             </a:r>
             <a:endParaRPr lang="en-US" sz="1200" dirty="0"/>
           </a:p>
@@ -5041,34 +5142,28 @@
         </p:nvSpPr>
         <p:spPr>
           <a:xfrm>
-            <a:off x="8411286" y="2342948"/>
-            <a:ext cx="841636" cy="300180"/>
+            <a:off x="8097489" y="2387339"/>
+            <a:ext cx="986640" cy="300180"/>
           </a:xfrm>
           <a:prstGeom prst="rect">
             <a:avLst/>
           </a:prstGeom>
-          <a:solidFill>
-            <a:srgbClr val="7030A0"/>
-          </a:solidFill>
-          <a:ln w="19050">
-            <a:solidFill>
-              <a:srgbClr val="7030A0"/>
-            </a:solidFill>
-          </a:ln>
-          <a:effectLst/>
+          <a:ln/>
         </p:spPr>
         <p:style>
-          <a:lnRef idx="1">
-            <a:schemeClr val="accent2"/>
+          <a:lnRef idx="2">
+            <a:schemeClr val="accent3">
+              <a:shade val="50000"/>
+            </a:schemeClr>
           </a:lnRef>
-          <a:fillRef idx="2">
-            <a:schemeClr val="accent2"/>
+          <a:fillRef idx="1">
+            <a:schemeClr val="accent3"/>
           </a:fillRef>
-          <a:effectRef idx="1">
-            <a:schemeClr val="accent2"/>
+          <a:effectRef idx="0">
+            <a:schemeClr val="accent3"/>
           </a:effectRef>
           <a:fontRef idx="minor">
-            <a:schemeClr val="dk1"/>
+            <a:schemeClr val="lt1"/>
           </a:fontRef>
         </p:style>
         <p:txBody>
@@ -5082,15 +5177,7 @@
                   <a:schemeClr val="bg1"/>
                 </a:solidFill>
               </a:rPr>
-              <a:t>:</a:t>
-            </a:r>
-            <a:r>
-              <a:rPr lang="en-US" sz="1600" dirty="0" err="1">
-                <a:solidFill>
-                  <a:schemeClr val="bg1"/>
-                </a:solidFill>
-              </a:rPr>
-              <a:t>FileUtil</a:t>
+              <a:t>:Biweekly</a:t>
             </a:r>
             <a:endParaRPr lang="en-SG" sz="1600" dirty="0">
               <a:solidFill>
@@ -5114,34 +5201,28 @@
         </p:nvSpPr>
         <p:spPr>
           <a:xfrm>
-            <a:off x="8789834" y="3053546"/>
-            <a:ext cx="168896" cy="508204"/>
+            <a:off x="8564584" y="3097937"/>
+            <a:ext cx="121889" cy="331063"/>
           </a:xfrm>
           <a:prstGeom prst="rect">
             <a:avLst/>
           </a:prstGeom>
-          <a:solidFill>
-            <a:srgbClr val="7030A0"/>
-          </a:solidFill>
-          <a:ln>
-            <a:solidFill>
-              <a:srgbClr val="7030A0"/>
-            </a:solidFill>
-          </a:ln>
-          <a:effectLst/>
+          <a:ln/>
         </p:spPr>
         <p:style>
-          <a:lnRef idx="1">
-            <a:schemeClr val="accent3"/>
+          <a:lnRef idx="2">
+            <a:schemeClr val="accent3">
+              <a:shade val="50000"/>
+            </a:schemeClr>
           </a:lnRef>
-          <a:fillRef idx="2">
+          <a:fillRef idx="1">
             <a:schemeClr val="accent3"/>
           </a:fillRef>
-          <a:effectRef idx="1">
+          <a:effectRef idx="0">
             <a:schemeClr val="accent3"/>
           </a:effectRef>
           <a:fontRef idx="minor">
-            <a:schemeClr val="dk1"/>
+            <a:schemeClr val="lt1"/>
           </a:fontRef>
         </p:style>
         <p:txBody>
@@ -5169,30 +5250,26 @@
         </p:nvCxnSpPr>
         <p:spPr>
           <a:xfrm>
-            <a:off x="7707036" y="3561750"/>
+            <a:off x="7384045" y="3433699"/>
             <a:ext cx="1207348" cy="0"/>
           </a:xfrm>
           <a:prstGeom prst="straightConnector1">
             <a:avLst/>
           </a:prstGeom>
-          <a:ln w="19050">
-            <a:solidFill>
-              <a:srgbClr val="7030A0"/>
-            </a:solidFill>
-            <a:prstDash val="sysDash"/>
+          <a:ln>
             <a:headEnd type="arrow" w="med" len="med"/>
             <a:tailEnd type="none" w="med" len="med"/>
           </a:ln>
         </p:spPr>
         <p:style>
           <a:lnRef idx="1">
-            <a:schemeClr val="accent1"/>
+            <a:schemeClr val="accent3"/>
           </a:lnRef>
           <a:fillRef idx="0">
-            <a:schemeClr val="accent1"/>
+            <a:schemeClr val="accent3"/>
           </a:fillRef>
           <a:effectRef idx="0">
-            <a:schemeClr val="accent1"/>
+            <a:schemeClr val="accent3"/>
           </a:effectRef>
           <a:fontRef idx="minor">
             <a:schemeClr val="tx1"/>
@@ -5215,7 +5292,7 @@
         </p:nvCxnSpPr>
         <p:spPr>
           <a:xfrm>
-            <a:off x="7707036" y="3053546"/>
+            <a:off x="7401562" y="3097937"/>
             <a:ext cx="1082798" cy="0"/>
           </a:xfrm>
           <a:prstGeom prst="straightConnector1">
@@ -5240,12 +5317,289 @@
           </a:fontRef>
         </p:style>
       </p:cxnSp>
+      <p:sp>
+        <p:nvSpPr>
+          <p:cNvPr id="58" name="TextBox 57">
+            <a:extLst>
+              <a:ext uri="{FF2B5EF4-FFF2-40B4-BE49-F238E27FC236}">
+                <a16:creationId xmlns:a16="http://schemas.microsoft.com/office/drawing/2014/main" id="{F366A85C-F670-4A59-B0D6-CDD556EA2E0F}"/>
+              </a:ext>
+            </a:extLst>
+          </p:cNvPr>
+          <p:cNvSpPr txBox="1"/>
+          <p:nvPr/>
+        </p:nvSpPr>
+        <p:spPr>
+          <a:xfrm>
+            <a:off x="7333839" y="2821318"/>
+            <a:ext cx="1268419" cy="184666"/>
+          </a:xfrm>
+          <a:prstGeom prst="rect">
+            <a:avLst/>
+          </a:prstGeom>
+          <a:noFill/>
+        </p:spPr>
+        <p:txBody>
+          <a:bodyPr wrap="square" lIns="0" tIns="0" rIns="0" bIns="0" rtlCol="0">
+            <a:spAutoFit/>
+          </a:bodyPr>
+          <a:lstStyle>
+            <a:defPPr>
+              <a:defRPr lang="en-US"/>
+            </a:defPPr>
+            <a:lvl1pPr algn="r">
+              <a:defRPr sz="1400">
+                <a:solidFill>
+                  <a:srgbClr val="0070C0"/>
+                </a:solidFill>
+              </a:defRPr>
+            </a:lvl1pPr>
+          </a:lstStyle>
+          <a:p>
+            <a:r>
+              <a:rPr lang="en-US" sz="1200" dirty="0">
+                <a:solidFill>
+                  <a:srgbClr val="92D050"/>
+                </a:solidFill>
+              </a:rPr>
+              <a:t>Parse(“path”).first()</a:t>
+            </a:r>
+          </a:p>
+        </p:txBody>
+      </p:sp>
+      <p:sp>
+        <p:nvSpPr>
+          <p:cNvPr id="64" name="TextBox 63">
+            <a:extLst>
+              <a:ext uri="{FF2B5EF4-FFF2-40B4-BE49-F238E27FC236}">
+                <a16:creationId xmlns:a16="http://schemas.microsoft.com/office/drawing/2014/main" id="{161E14E9-15D9-4F17-9C2E-9D30A1E1F00F}"/>
+              </a:ext>
+            </a:extLst>
+          </p:cNvPr>
+          <p:cNvSpPr txBox="1"/>
+          <p:nvPr/>
+        </p:nvSpPr>
+        <p:spPr>
+          <a:xfrm>
+            <a:off x="7709570" y="3218966"/>
+            <a:ext cx="706186" cy="183870"/>
+          </a:xfrm>
+          <a:prstGeom prst="rect">
+            <a:avLst/>
+          </a:prstGeom>
+          <a:noFill/>
+        </p:spPr>
+        <p:txBody>
+          <a:bodyPr wrap="square" lIns="0" tIns="0" rIns="0" bIns="0" rtlCol="0">
+            <a:spAutoFit/>
+          </a:bodyPr>
+          <a:lstStyle>
+            <a:defPPr>
+              <a:defRPr lang="en-US"/>
+            </a:defPPr>
+            <a:lvl1pPr algn="r">
+              <a:defRPr sz="1400">
+                <a:solidFill>
+                  <a:srgbClr val="0070C0"/>
+                </a:solidFill>
+              </a:defRPr>
+            </a:lvl1pPr>
+          </a:lstStyle>
+          <a:p>
+            <a:r>
+              <a:rPr lang="en-US" sz="1200" dirty="0">
+                <a:solidFill>
+                  <a:srgbClr val="92D050"/>
+                </a:solidFill>
+              </a:rPr>
+              <a:t>iCalendar</a:t>
+            </a:r>
+          </a:p>
+        </p:txBody>
+      </p:sp>
+      <p:grpSp>
+        <p:nvGrpSpPr>
+          <p:cNvPr id="55" name="Group 54">
+            <a:extLst>
+              <a:ext uri="{FF2B5EF4-FFF2-40B4-BE49-F238E27FC236}">
+                <a16:creationId xmlns:a16="http://schemas.microsoft.com/office/drawing/2014/main" id="{E3B1FD48-6933-4D6F-BB9E-8C06525FD9A4}"/>
+              </a:ext>
+            </a:extLst>
+          </p:cNvPr>
+          <p:cNvGrpSpPr/>
+          <p:nvPr/>
+        </p:nvGrpSpPr>
+        <p:grpSpPr>
+          <a:xfrm flipH="1">
+            <a:off x="7338309" y="3565395"/>
+            <a:ext cx="217349" cy="270072"/>
+            <a:chOff x="1028134" y="5612032"/>
+            <a:chExt cx="217349" cy="270072"/>
+          </a:xfrm>
+          <a:noFill/>
+        </p:grpSpPr>
+        <p:sp>
+          <p:nvSpPr>
+            <p:cNvPr id="59" name="Freeform 58">
+              <a:extLst>
+                <a:ext uri="{FF2B5EF4-FFF2-40B4-BE49-F238E27FC236}">
+                  <a16:creationId xmlns:a16="http://schemas.microsoft.com/office/drawing/2014/main" id="{B2DEACA9-D19B-4B86-977B-E187110D8C96}"/>
+                </a:ext>
+              </a:extLst>
+            </p:cNvPr>
+            <p:cNvSpPr/>
+            <p:nvPr/>
+          </p:nvSpPr>
+          <p:spPr>
+            <a:xfrm rot="2600998" flipH="1" flipV="1">
+              <a:off x="1028134" y="5612032"/>
+              <a:ext cx="167452" cy="116880"/>
+            </a:xfrm>
+            <a:custGeom>
+              <a:avLst/>
+              <a:gdLst>
+                <a:gd name="connsiteX0" fmla="*/ 0 w 226400"/>
+                <a:gd name="connsiteY0" fmla="*/ 32920 h 171466"/>
+                <a:gd name="connsiteX1" fmla="*/ 157018 w 226400"/>
+                <a:gd name="connsiteY1" fmla="*/ 5211 h 171466"/>
+                <a:gd name="connsiteX2" fmla="*/ 221673 w 226400"/>
+                <a:gd name="connsiteY2" fmla="*/ 125284 h 171466"/>
+                <a:gd name="connsiteX3" fmla="*/ 36945 w 226400"/>
+                <a:gd name="connsiteY3" fmla="*/ 171466 h 171466"/>
+              </a:gdLst>
+              <a:ahLst/>
+              <a:cxnLst>
+                <a:cxn ang="0">
+                  <a:pos x="connsiteX0" y="connsiteY0"/>
+                </a:cxn>
+                <a:cxn ang="0">
+                  <a:pos x="connsiteX1" y="connsiteY1"/>
+                </a:cxn>
+                <a:cxn ang="0">
+                  <a:pos x="connsiteX2" y="connsiteY2"/>
+                </a:cxn>
+                <a:cxn ang="0">
+                  <a:pos x="connsiteX3" y="connsiteY3"/>
+                </a:cxn>
+              </a:cxnLst>
+              <a:rect l="l" t="t" r="r" b="b"/>
+              <a:pathLst>
+                <a:path w="226400" h="171466">
+                  <a:moveTo>
+                    <a:pt x="0" y="32920"/>
+                  </a:moveTo>
+                  <a:cubicBezTo>
+                    <a:pt x="60036" y="11368"/>
+                    <a:pt x="120073" y="-10183"/>
+                    <a:pt x="157018" y="5211"/>
+                  </a:cubicBezTo>
+                  <a:cubicBezTo>
+                    <a:pt x="193963" y="20605"/>
+                    <a:pt x="241685" y="97575"/>
+                    <a:pt x="221673" y="125284"/>
+                  </a:cubicBezTo>
+                  <a:cubicBezTo>
+                    <a:pt x="201661" y="152993"/>
+                    <a:pt x="119303" y="162229"/>
+                    <a:pt x="36945" y="171466"/>
+                  </a:cubicBezTo>
+                </a:path>
+              </a:pathLst>
+            </a:custGeom>
+            <a:grpFill/>
+            <a:ln w="19050">
+              <a:solidFill>
+                <a:srgbClr val="7030A0"/>
+              </a:solidFill>
+              <a:headEnd type="arrow" w="med" len="med"/>
+              <a:tailEnd type="none" w="med" len="med"/>
+            </a:ln>
+          </p:spPr>
+          <p:style>
+            <a:lnRef idx="1">
+              <a:schemeClr val="accent1"/>
+            </a:lnRef>
+            <a:fillRef idx="0">
+              <a:schemeClr val="accent1"/>
+            </a:fillRef>
+            <a:effectRef idx="0">
+              <a:schemeClr val="accent1"/>
+            </a:effectRef>
+            <a:fontRef idx="minor">
+              <a:schemeClr val="tx1"/>
+            </a:fontRef>
+          </p:style>
+          <p:txBody>
+            <a:bodyPr rtlCol="0" anchor="ctr"/>
+            <a:lstStyle/>
+            <a:p>
+              <a:pPr algn="ctr"/>
+              <a:endParaRPr lang="en-SG"/>
+            </a:p>
+          </p:txBody>
+        </p:sp>
+        <p:sp>
+          <p:nvSpPr>
+            <p:cNvPr id="60" name="Rectangle 59">
+              <a:extLst>
+                <a:ext uri="{FF2B5EF4-FFF2-40B4-BE49-F238E27FC236}">
+                  <a16:creationId xmlns:a16="http://schemas.microsoft.com/office/drawing/2014/main" id="{3D03DE10-D30E-4D35-9DBE-D0E949843D21}"/>
+                </a:ext>
+              </a:extLst>
+            </p:cNvPr>
+            <p:cNvSpPr/>
+            <p:nvPr/>
+          </p:nvSpPr>
+          <p:spPr>
+            <a:xfrm>
+              <a:off x="1147403" y="5712513"/>
+              <a:ext cx="98080" cy="169591"/>
+            </a:xfrm>
+            <a:prstGeom prst="rect">
+              <a:avLst/>
+            </a:prstGeom>
+            <a:grpFill/>
+            <a:ln>
+              <a:solidFill>
+                <a:srgbClr val="7030A0"/>
+              </a:solidFill>
+            </a:ln>
+            <a:effectLst/>
+          </p:spPr>
+          <p:style>
+            <a:lnRef idx="1">
+              <a:schemeClr val="accent3"/>
+            </a:lnRef>
+            <a:fillRef idx="2">
+              <a:schemeClr val="accent3"/>
+            </a:fillRef>
+            <a:effectRef idx="1">
+              <a:schemeClr val="accent3"/>
+            </a:effectRef>
+            <a:fontRef idx="minor">
+              <a:schemeClr val="dk1"/>
+            </a:fontRef>
+          </p:style>
+          <p:txBody>
+            <a:bodyPr rtlCol="0" anchor="ctr"/>
+            <a:lstStyle/>
+            <a:p>
+              <a:pPr algn="ctr"/>
+              <a:endParaRPr lang="en-SG" sz="1400">
+                <a:solidFill>
+                  <a:schemeClr val="dk1"/>
+                </a:solidFill>
+              </a:endParaRPr>
+            </a:p>
+          </p:txBody>
+        </p:sp>
+      </p:grpSp>
       <p:cxnSp>
         <p:nvCxnSpPr>
-          <p:cNvPr id="57" name="Straight Connector 56">
+          <p:cNvPr id="61" name="Straight Connector 60">
             <a:extLst>
               <a:ext uri="{FF2B5EF4-FFF2-40B4-BE49-F238E27FC236}">
-                <a16:creationId xmlns:a16="http://schemas.microsoft.com/office/drawing/2014/main" id="{22615F7E-BFA9-4BBF-8114-9DF585C08D8A}"/>
+                <a16:creationId xmlns:a16="http://schemas.microsoft.com/office/drawing/2014/main" id="{665F269D-4FCA-41D3-9372-202CCFC9DA83}"/>
               </a:ext>
             </a:extLst>
           </p:cNvPr>
@@ -5256,7 +5610,7 @@
         </p:nvCxnSpPr>
         <p:spPr>
           <a:xfrm flipH="1">
-            <a:off x="8870058" y="2693895"/>
+            <a:off x="8616561" y="2733868"/>
             <a:ext cx="3959" cy="1735710"/>
           </a:xfrm>
           <a:prstGeom prst="line">
@@ -5264,7 +5618,7 @@
           </a:prstGeom>
           <a:ln w="19050">
             <a:solidFill>
-              <a:srgbClr val="7030A0"/>
+              <a:srgbClr val="92D050"/>
             </a:solidFill>
             <a:prstDash val="sysDash"/>
           </a:ln>
@@ -5287,10 +5641,10 @@
       </p:cxnSp>
       <p:sp>
         <p:nvSpPr>
-          <p:cNvPr id="58" name="TextBox 57">
+          <p:cNvPr id="62" name="TextBox 61">
             <a:extLst>
               <a:ext uri="{FF2B5EF4-FFF2-40B4-BE49-F238E27FC236}">
-                <a16:creationId xmlns:a16="http://schemas.microsoft.com/office/drawing/2014/main" id="{F366A85C-F670-4A59-B0D6-CDD556EA2E0F}"/>
+                <a16:creationId xmlns:a16="http://schemas.microsoft.com/office/drawing/2014/main" id="{C6FD2FB6-5135-4CC6-9ED0-96831A3E7ED0}"/>
               </a:ext>
             </a:extLst>
           </p:cNvPr>
@@ -5299,8 +5653,8 @@
         </p:nvSpPr>
         <p:spPr>
           <a:xfrm>
-            <a:off x="7601639" y="2753710"/>
-            <a:ext cx="1268419" cy="184666"/>
+            <a:off x="7622649" y="3516070"/>
+            <a:ext cx="844340" cy="738664"/>
           </a:xfrm>
           <a:prstGeom prst="rect">
             <a:avLst/>
@@ -5324,6 +5678,43 @@
             </a:lvl1pPr>
           </a:lstStyle>
           <a:p>
+            <a:pPr algn="l"/>
+            <a:r>
+              <a:rPr lang="en-US" sz="1200" dirty="0">
+                <a:solidFill>
+                  <a:schemeClr val="accent4">
+                    <a:lumMod val="75000"/>
+                  </a:schemeClr>
+                </a:solidFill>
+              </a:rPr>
+              <a:t>Convert </a:t>
+            </a:r>
+          </a:p>
+          <a:p>
+            <a:pPr algn="l"/>
+            <a:r>
+              <a:rPr lang="en-US" sz="1200" dirty="0">
+                <a:solidFill>
+                  <a:schemeClr val="accent4">
+                    <a:lumMod val="75000"/>
+                  </a:schemeClr>
+                </a:solidFill>
+              </a:rPr>
+              <a:t>iCalendar to</a:t>
+            </a:r>
+          </a:p>
+          <a:p>
+            <a:pPr algn="l"/>
+            <a:r>
+              <a:rPr lang="en-US" sz="1200" dirty="0">
+                <a:solidFill>
+                  <a:schemeClr val="accent4">
+                    <a:lumMod val="75000"/>
+                  </a:schemeClr>
+                </a:solidFill>
+              </a:rPr>
+              <a:t>Optional &lt;</a:t>
+            </a:r>
             <a:r>
               <a:rPr lang="en-US" sz="1200" dirty="0" err="1">
                 <a:solidFill>
@@ -5332,7 +5723,7 @@
                   </a:schemeClr>
                 </a:solidFill>
               </a:rPr>
-              <a:t>readFromFile</a:t>
+              <a:t>TimeTable</a:t>
             </a:r>
             <a:r>
               <a:rPr lang="en-US" sz="1200" dirty="0">
@@ -5342,64 +5733,9 @@
                   </a:schemeClr>
                 </a:solidFill>
               </a:rPr>
-              <a:t>(path)</a:t>
+              <a:t>&gt;</a:t>
             </a:r>
             <a:endParaRPr lang="en-US" sz="1200" dirty="0"/>
-          </a:p>
-        </p:txBody>
-      </p:sp>
-      <p:sp>
-        <p:nvSpPr>
-          <p:cNvPr id="64" name="TextBox 63">
-            <a:extLst>
-              <a:ext uri="{FF2B5EF4-FFF2-40B4-BE49-F238E27FC236}">
-                <a16:creationId xmlns:a16="http://schemas.microsoft.com/office/drawing/2014/main" id="{161E14E9-15D9-4F17-9C2E-9D30A1E1F00F}"/>
-              </a:ext>
-            </a:extLst>
-          </p:cNvPr>
-          <p:cNvSpPr txBox="1"/>
-          <p:nvPr/>
-        </p:nvSpPr>
-        <p:spPr>
-          <a:xfrm>
-            <a:off x="8032561" y="3347017"/>
-            <a:ext cx="706186" cy="183870"/>
-          </a:xfrm>
-          <a:prstGeom prst="rect">
-            <a:avLst/>
-          </a:prstGeom>
-          <a:noFill/>
-        </p:spPr>
-        <p:txBody>
-          <a:bodyPr wrap="square" lIns="0" tIns="0" rIns="0" bIns="0" rtlCol="0">
-            <a:spAutoFit/>
-          </a:bodyPr>
-          <a:lstStyle>
-            <a:defPPr>
-              <a:defRPr lang="en-US"/>
-            </a:defPPr>
-            <a:lvl1pPr algn="r">
-              <a:defRPr sz="1400">
-                <a:solidFill>
-                  <a:srgbClr val="0070C0"/>
-                </a:solidFill>
-              </a:defRPr>
-            </a:lvl1pPr>
-          </a:lstStyle>
-          <a:p>
-            <a:r>
-              <a:rPr lang="en-US" sz="1200" dirty="0" err="1">
-                <a:solidFill>
-                  <a:srgbClr val="7030A0"/>
-                </a:solidFill>
-              </a:rPr>
-              <a:t>readString</a:t>
-            </a:r>
-            <a:endParaRPr lang="en-US" sz="1200" dirty="0">
-              <a:solidFill>
-                <a:srgbClr val="7030A0"/>
-              </a:solidFill>
-            </a:endParaRPr>
           </a:p>
         </p:txBody>
       </p:sp>

--- a/docs/diagrams/ImportSequenceDiagram.pptx
+++ b/docs/diagrams/ImportSequenceDiagram.pptx
@@ -5,10 +5,11 @@
     <p:sldMasterId id="2147483648" r:id="rId1"/>
   </p:sldMasterIdLst>
   <p:notesMasterIdLst>
-    <p:notesMasterId r:id="rId3"/>
+    <p:notesMasterId r:id="rId4"/>
   </p:notesMasterIdLst>
   <p:sldIdLst>
     <p:sldId id="267" r:id="rId2"/>
+    <p:sldId id="268" r:id="rId3"/>
   </p:sldIdLst>
   <p:sldSz cx="9144000" cy="6858000" type="screen4x3"/>
   <p:notesSz cx="6858000" cy="9144000"/>
@@ -208,7 +209,7 @@
           <a:p>
             <a:fld id="{F5CC4B3F-88C1-4FFA-B1B6-F41C21DC6924}" type="datetimeFigureOut">
               <a:rPr lang="en-US" smtClean="0"/>
-              <a:t>10/30/2018</a:t>
+              <a:t>11/12/2018</a:t>
             </a:fld>
             <a:endParaRPr lang="en-US"/>
           </a:p>
@@ -475,6 +476,96 @@
 </p:notesMaster>
 </file>
 
+<file path=ppt/notesSlides/notesSlide1.xml><?xml version="1.0" encoding="utf-8"?>
+<p:notes xmlns:a="http://schemas.openxmlformats.org/drawingml/2006/main" xmlns:r="http://schemas.openxmlformats.org/officeDocument/2006/relationships" xmlns:p="http://schemas.openxmlformats.org/presentationml/2006/main">
+  <p:cSld>
+    <p:spTree>
+      <p:nvGrpSpPr>
+        <p:cNvPr id="1" name=""/>
+        <p:cNvGrpSpPr/>
+        <p:nvPr/>
+      </p:nvGrpSpPr>
+      <p:grpSpPr>
+        <a:xfrm>
+          <a:off x="0" y="0"/>
+          <a:ext cx="0" cy="0"/>
+          <a:chOff x="0" y="0"/>
+          <a:chExt cx="0" cy="0"/>
+        </a:xfrm>
+      </p:grpSpPr>
+      <p:sp>
+        <p:nvSpPr>
+          <p:cNvPr id="2" name="Slide Image Placeholder 1"/>
+          <p:cNvSpPr>
+            <a:spLocks noGrp="1" noRot="1" noChangeAspect="1"/>
+          </p:cNvSpPr>
+          <p:nvPr>
+            <p:ph type="sldImg"/>
+          </p:nvPr>
+        </p:nvSpPr>
+        <p:spPr/>
+      </p:sp>
+      <p:sp>
+        <p:nvSpPr>
+          <p:cNvPr id="3" name="Notes Placeholder 2"/>
+          <p:cNvSpPr>
+            <a:spLocks noGrp="1"/>
+          </p:cNvSpPr>
+          <p:nvPr>
+            <p:ph type="body" idx="1"/>
+          </p:nvPr>
+        </p:nvSpPr>
+        <p:spPr/>
+        <p:txBody>
+          <a:bodyPr/>
+          <a:lstStyle/>
+          <a:p>
+            <a:r>
+              <a:rPr lang="en-US" dirty="0"/>
+              <a:t>High level!</a:t>
+            </a:r>
+          </a:p>
+          <a:p>
+            <a:endParaRPr lang="en-SG" dirty="0"/>
+          </a:p>
+        </p:txBody>
+      </p:sp>
+      <p:sp>
+        <p:nvSpPr>
+          <p:cNvPr id="4" name="Slide Number Placeholder 3"/>
+          <p:cNvSpPr>
+            <a:spLocks noGrp="1"/>
+          </p:cNvSpPr>
+          <p:nvPr>
+            <p:ph type="sldNum" sz="quarter" idx="5"/>
+          </p:nvPr>
+        </p:nvSpPr>
+        <p:spPr/>
+        <p:txBody>
+          <a:bodyPr/>
+          <a:lstStyle/>
+          <a:p>
+            <a:fld id="{5A7AB025-77E3-4BD1-A2FD-B3183DBA47A3}" type="slidenum">
+              <a:rPr lang="en-US" smtClean="0"/>
+              <a:t>1</a:t>
+            </a:fld>
+            <a:endParaRPr lang="en-US"/>
+          </a:p>
+        </p:txBody>
+      </p:sp>
+    </p:spTree>
+    <p:extLst>
+      <p:ext uri="{BB962C8B-B14F-4D97-AF65-F5344CB8AC3E}">
+        <p14:creationId xmlns:p14="http://schemas.microsoft.com/office/powerpoint/2010/main" val="3118641893"/>
+      </p:ext>
+    </p:extLst>
+  </p:cSld>
+  <p:clrMapOvr>
+    <a:masterClrMapping/>
+  </p:clrMapOvr>
+</p:notes>
+</file>
+
 <file path=ppt/slideLayouts/slideLayout1.xml><?xml version="1.0" encoding="utf-8"?>
 <p:sldLayout xmlns:a="http://schemas.openxmlformats.org/drawingml/2006/main" xmlns:r="http://schemas.openxmlformats.org/officeDocument/2006/relationships" xmlns:p="http://schemas.openxmlformats.org/presentationml/2006/main" type="title" preserve="1">
   <p:cSld name="Title Slide">
@@ -654,7 +745,7 @@
           <a:p>
             <a:fld id="{78C97017-6FC3-485B-9764-EAC9E56C1D49}" type="datetimeFigureOut">
               <a:rPr lang="en-US" smtClean="0"/>
-              <a:t>10/30/2018</a:t>
+              <a:t>11/12/2018</a:t>
             </a:fld>
             <a:endParaRPr lang="en-US"/>
           </a:p>
@@ -822,7 +913,7 @@
           <a:p>
             <a:fld id="{78C97017-6FC3-485B-9764-EAC9E56C1D49}" type="datetimeFigureOut">
               <a:rPr lang="en-US" smtClean="0"/>
-              <a:t>10/30/2018</a:t>
+              <a:t>11/12/2018</a:t>
             </a:fld>
             <a:endParaRPr lang="en-US"/>
           </a:p>
@@ -1000,7 +1091,7 @@
           <a:p>
             <a:fld id="{78C97017-6FC3-485B-9764-EAC9E56C1D49}" type="datetimeFigureOut">
               <a:rPr lang="en-US" smtClean="0"/>
-              <a:t>10/30/2018</a:t>
+              <a:t>11/12/2018</a:t>
             </a:fld>
             <a:endParaRPr lang="en-US"/>
           </a:p>
@@ -1168,7 +1259,7 @@
           <a:p>
             <a:fld id="{78C97017-6FC3-485B-9764-EAC9E56C1D49}" type="datetimeFigureOut">
               <a:rPr lang="en-US" smtClean="0"/>
-              <a:t>10/30/2018</a:t>
+              <a:t>11/12/2018</a:t>
             </a:fld>
             <a:endParaRPr lang="en-US"/>
           </a:p>
@@ -1413,7 +1504,7 @@
           <a:p>
             <a:fld id="{78C97017-6FC3-485B-9764-EAC9E56C1D49}" type="datetimeFigureOut">
               <a:rPr lang="en-US" smtClean="0"/>
-              <a:t>10/30/2018</a:t>
+              <a:t>11/12/2018</a:t>
             </a:fld>
             <a:endParaRPr lang="en-US"/>
           </a:p>
@@ -1698,7 +1789,7 @@
           <a:p>
             <a:fld id="{78C97017-6FC3-485B-9764-EAC9E56C1D49}" type="datetimeFigureOut">
               <a:rPr lang="en-US" smtClean="0"/>
-              <a:t>10/30/2018</a:t>
+              <a:t>11/12/2018</a:t>
             </a:fld>
             <a:endParaRPr lang="en-US"/>
           </a:p>
@@ -2117,7 +2208,7 @@
           <a:p>
             <a:fld id="{78C97017-6FC3-485B-9764-EAC9E56C1D49}" type="datetimeFigureOut">
               <a:rPr lang="en-US" smtClean="0"/>
-              <a:t>10/30/2018</a:t>
+              <a:t>11/12/2018</a:t>
             </a:fld>
             <a:endParaRPr lang="en-US"/>
           </a:p>
@@ -2234,7 +2325,7 @@
           <a:p>
             <a:fld id="{78C97017-6FC3-485B-9764-EAC9E56C1D49}" type="datetimeFigureOut">
               <a:rPr lang="en-US" smtClean="0"/>
-              <a:t>10/30/2018</a:t>
+              <a:t>11/12/2018</a:t>
             </a:fld>
             <a:endParaRPr lang="en-US"/>
           </a:p>
@@ -2329,7 +2420,7 @@
           <a:p>
             <a:fld id="{78C97017-6FC3-485B-9764-EAC9E56C1D49}" type="datetimeFigureOut">
               <a:rPr lang="en-US" smtClean="0"/>
-              <a:t>10/30/2018</a:t>
+              <a:t>11/12/2018</a:t>
             </a:fld>
             <a:endParaRPr lang="en-US"/>
           </a:p>
@@ -2604,7 +2695,7 @@
           <a:p>
             <a:fld id="{78C97017-6FC3-485B-9764-EAC9E56C1D49}" type="datetimeFigureOut">
               <a:rPr lang="en-US" smtClean="0"/>
-              <a:t>10/30/2018</a:t>
+              <a:t>11/12/2018</a:t>
             </a:fld>
             <a:endParaRPr lang="en-US"/>
           </a:p>
@@ -2856,7 +2947,7 @@
           <a:p>
             <a:fld id="{78C97017-6FC3-485B-9764-EAC9E56C1D49}" type="datetimeFigureOut">
               <a:rPr lang="en-US" smtClean="0"/>
-              <a:t>10/30/2018</a:t>
+              <a:t>11/12/2018</a:t>
             </a:fld>
             <a:endParaRPr lang="en-US"/>
           </a:p>
@@ -3067,7 +3158,7 @@
           <a:p>
             <a:fld id="{78C97017-6FC3-485B-9764-EAC9E56C1D49}" type="datetimeFigureOut">
               <a:rPr lang="en-US" smtClean="0"/>
-              <a:t>10/30/2018</a:t>
+              <a:t>11/12/2018</a:t>
             </a:fld>
             <a:endParaRPr lang="en-US"/>
           </a:p>
@@ -3456,8 +3547,8 @@
         </p:nvSpPr>
         <p:spPr>
           <a:xfrm>
-            <a:off x="7998924" y="152400"/>
-            <a:ext cx="1453807" cy="4400926"/>
+            <a:off x="6069206" y="184478"/>
+            <a:ext cx="1453807" cy="6553198"/>
           </a:xfrm>
           <a:prstGeom prst="roundRect">
             <a:avLst>
@@ -3493,7 +3584,7 @@
           <a:lstStyle/>
           <a:p>
             <a:r>
-              <a:rPr lang="en-US" sz="1200" b="1" dirty="0">
+              <a:rPr lang="en-US" sz="1000" b="1" dirty="0">
                 <a:solidFill>
                   <a:schemeClr val="accent3">
                     <a:lumMod val="75000"/>
@@ -3505,7 +3596,7 @@
           </a:p>
           <a:p>
             <a:r>
-              <a:rPr lang="en-US" sz="1200" b="1" dirty="0">
+              <a:rPr lang="en-US" sz="1000" b="1" dirty="0">
                 <a:solidFill>
                   <a:schemeClr val="accent3">
                     <a:lumMod val="75000"/>
@@ -3514,7 +3605,7 @@
               </a:rPr>
               <a:t>(external library)</a:t>
             </a:r>
-            <a:endParaRPr lang="en-SG" sz="1200" b="1" dirty="0">
+            <a:endParaRPr lang="en-SG" sz="1000" b="1" dirty="0">
               <a:solidFill>
                 <a:schemeClr val="accent3">
                   <a:lumMod val="75000"/>
@@ -3532,8 +3623,8 @@
         </p:nvSpPr>
         <p:spPr>
           <a:xfrm>
-            <a:off x="6399503" y="152400"/>
-            <a:ext cx="1453807" cy="4400926"/>
+            <a:off x="4802512" y="184477"/>
+            <a:ext cx="1204338" cy="6553199"/>
           </a:xfrm>
           <a:prstGeom prst="roundRect">
             <a:avLst>
@@ -3570,14 +3661,14 @@
           <a:lstStyle/>
           <a:p>
             <a:r>
-              <a:rPr lang="en-US" sz="1200" b="1" dirty="0" err="1">
+              <a:rPr lang="en-US" sz="1000" b="1" dirty="0" err="1">
                 <a:solidFill>
                   <a:srgbClr val="7030A0"/>
                 </a:solidFill>
               </a:rPr>
               <a:t>Util</a:t>
             </a:r>
-            <a:endParaRPr lang="en-SG" sz="1200" b="1" dirty="0">
+            <a:endParaRPr lang="en-SG" sz="1000" b="1" dirty="0">
               <a:solidFill>
                 <a:srgbClr val="7030A0"/>
               </a:solidFill>
@@ -3593,8 +3684,8 @@
         </p:nvSpPr>
         <p:spPr>
           <a:xfrm>
-            <a:off x="407942" y="196523"/>
-            <a:ext cx="5863964" cy="4343400"/>
+            <a:off x="152400" y="228600"/>
+            <a:ext cx="4441126" cy="6553199"/>
           </a:xfrm>
           <a:prstGeom prst="roundRect">
             <a:avLst>
@@ -3631,14 +3722,14 @@
           <a:lstStyle/>
           <a:p>
             <a:r>
-              <a:rPr lang="en-US" sz="1200" b="1" dirty="0">
+              <a:rPr lang="en-US" sz="1000" b="1" dirty="0">
                 <a:solidFill>
                   <a:srgbClr val="0070C0"/>
                 </a:solidFill>
               </a:rPr>
               <a:t>Logic</a:t>
             </a:r>
-            <a:endParaRPr lang="en-SG" sz="1200" b="1" dirty="0">
+            <a:endParaRPr lang="en-SG" sz="1000" b="1" dirty="0">
               <a:solidFill>
                 <a:srgbClr val="0070C0"/>
               </a:solidFill>
@@ -3654,8 +3745,8 @@
         </p:nvSpPr>
         <p:spPr>
           <a:xfrm>
-            <a:off x="823274" y="577451"/>
-            <a:ext cx="1455629" cy="346760"/>
+            <a:off x="613937" y="638897"/>
+            <a:ext cx="1219201" cy="260751"/>
           </a:xfrm>
           <a:prstGeom prst="rect">
             <a:avLst/>
@@ -3690,7 +3781,7 @@
           <a:p>
             <a:pPr algn="ctr"/>
             <a:r>
-              <a:rPr lang="en-US" sz="1600" dirty="0">
+              <a:rPr lang="en-US" sz="1000" dirty="0">
                 <a:solidFill>
                   <a:schemeClr val="bg1"/>
                 </a:solidFill>
@@ -3698,14 +3789,14 @@
               <a:t>:</a:t>
             </a:r>
             <a:r>
-              <a:rPr lang="en-US" sz="1600" dirty="0" err="1">
+              <a:rPr lang="en-US" sz="1000" dirty="0" err="1">
                 <a:solidFill>
                   <a:schemeClr val="bg1"/>
                 </a:solidFill>
               </a:rPr>
               <a:t>LogicManager</a:t>
             </a:r>
-            <a:endParaRPr lang="en-SG" sz="1600" dirty="0">
+            <a:endParaRPr lang="en-SG" sz="1000" dirty="0">
               <a:solidFill>
                 <a:schemeClr val="bg1"/>
               </a:solidFill>
@@ -3722,9 +3813,9 @@
           <p:nvPr/>
         </p:nvCxnSpPr>
         <p:spPr>
-          <a:xfrm>
-            <a:off x="1551088" y="941122"/>
-            <a:ext cx="0" cy="3481399"/>
+          <a:xfrm flipH="1">
+            <a:off x="1284279" y="973200"/>
+            <a:ext cx="11268" cy="5764476"/>
           </a:xfrm>
           <a:prstGeom prst="line">
             <a:avLst/>
@@ -3760,8 +3851,8 @@
         </p:nvSpPr>
         <p:spPr>
           <a:xfrm>
-            <a:off x="1479080" y="1291816"/>
-            <a:ext cx="152400" cy="2932689"/>
+            <a:off x="1223538" y="1323893"/>
+            <a:ext cx="142960" cy="5000699"/>
           </a:xfrm>
           <a:prstGeom prst="rect">
             <a:avLst/>
@@ -3795,7 +3886,7 @@
           <a:lstStyle/>
           <a:p>
             <a:pPr algn="ctr"/>
-            <a:endParaRPr lang="en-SG" sz="1400"/>
+            <a:endParaRPr lang="en-SG" sz="1000"/>
           </a:p>
         </p:txBody>
       </p:sp>
@@ -3807,7 +3898,7 @@
         </p:nvSpPr>
         <p:spPr>
           <a:xfrm>
-            <a:off x="3377317" y="456527"/>
+            <a:off x="2432873" y="488605"/>
             <a:ext cx="1219200" cy="467684"/>
           </a:xfrm>
           <a:prstGeom prst="rect">
@@ -3843,7 +3934,7 @@
           <a:p>
             <a:pPr algn="ctr"/>
             <a:r>
-              <a:rPr lang="en-US" sz="1600" dirty="0">
+              <a:rPr lang="en-US" sz="1000" dirty="0">
                 <a:solidFill>
                   <a:schemeClr val="bg1"/>
                 </a:solidFill>
@@ -3854,14 +3945,14 @@
           <a:p>
             <a:pPr algn="ctr"/>
             <a:r>
-              <a:rPr lang="en-US" sz="1600" dirty="0" err="1">
+              <a:rPr lang="en-US" sz="1000" dirty="0" err="1">
                 <a:solidFill>
                   <a:schemeClr val="bg1"/>
                 </a:solidFill>
               </a:rPr>
               <a:t>BookParser</a:t>
             </a:r>
-            <a:endParaRPr lang="en-SG" sz="1600" dirty="0">
+            <a:endParaRPr lang="en-SG" sz="1000" dirty="0">
               <a:solidFill>
                 <a:schemeClr val="bg1"/>
               </a:solidFill>
@@ -3879,8 +3970,8 @@
         </p:nvCxnSpPr>
         <p:spPr>
           <a:xfrm>
-            <a:off x="3990716" y="941122"/>
-            <a:ext cx="0" cy="1482984"/>
+            <a:off x="3046272" y="973200"/>
+            <a:ext cx="0" cy="1390342"/>
           </a:xfrm>
           <a:prstGeom prst="line">
             <a:avLst/>
@@ -3916,7 +4007,7 @@
         </p:nvSpPr>
         <p:spPr>
           <a:xfrm>
-            <a:off x="3918709" y="1399315"/>
+            <a:off x="2974265" y="1431393"/>
             <a:ext cx="154408" cy="767790"/>
           </a:xfrm>
           <a:prstGeom prst="rect">
@@ -3951,7 +4042,7 @@
           <a:lstStyle/>
           <a:p>
             <a:pPr algn="ctr"/>
-            <a:endParaRPr lang="en-SG" sz="1400">
+            <a:endParaRPr lang="en-SG" sz="1000">
               <a:solidFill>
                 <a:schemeClr val="dk1"/>
               </a:solidFill>
@@ -3965,14 +4056,13 @@
           <p:cNvCxnSpPr>
             <a:cxnSpLocks/>
             <a:stCxn id="21" idx="0"/>
-            <a:endCxn id="4" idx="0"/>
           </p:cNvCxnSpPr>
           <p:nvPr/>
         </p:nvCxnSpPr>
         <p:spPr>
-          <a:xfrm>
-            <a:off x="5296608" y="1658024"/>
-            <a:ext cx="0" cy="2610716"/>
+          <a:xfrm flipH="1">
+            <a:off x="3917849" y="1690102"/>
+            <a:ext cx="5160" cy="4634260"/>
           </a:xfrm>
           <a:prstGeom prst="line">
             <a:avLst/>
@@ -4008,7 +4098,7 @@
         </p:nvSpPr>
         <p:spPr>
           <a:xfrm>
-            <a:off x="5220408" y="1658024"/>
+            <a:off x="3846809" y="1690102"/>
             <a:ext cx="152400" cy="276003"/>
           </a:xfrm>
           <a:prstGeom prst="rect">
@@ -4043,27 +4133,98 @@
           <a:lstStyle/>
           <a:p>
             <a:pPr algn="ctr"/>
-            <a:endParaRPr lang="en-SG" sz="1400"/>
+            <a:endParaRPr lang="en-SG" sz="1000"/>
           </a:p>
         </p:txBody>
       </p:sp>
       <p:cxnSp>
         <p:nvCxnSpPr>
           <p:cNvPr id="23" name="Straight Arrow Connector 22"/>
-          <p:cNvCxnSpPr/>
+          <p:cNvCxnSpPr>
+            <a:cxnSpLocks/>
+          </p:cNvCxnSpPr>
           <p:nvPr/>
         </p:nvCxnSpPr>
         <p:spPr>
           <a:xfrm>
-            <a:off x="359229" y="1295504"/>
+            <a:off x="103687" y="1327582"/>
             <a:ext cx="1119851" cy="0"/>
+          </a:xfrm>
+          <a:prstGeom prst="straightConnector1">
+            <a:avLst/>
+          </a:prstGeom>
+          <a:ln>
+            <a:tailEnd type="arrow"/>
+          </a:ln>
+        </p:spPr>
+        <p:style>
+          <a:lnRef idx="2">
+            <a:schemeClr val="accent1"/>
+          </a:lnRef>
+          <a:fillRef idx="0">
+            <a:schemeClr val="accent1"/>
+          </a:fillRef>
+          <a:effectRef idx="1">
+            <a:schemeClr val="accent1"/>
+          </a:effectRef>
+          <a:fontRef idx="minor">
+            <a:schemeClr val="tx1"/>
+          </a:fontRef>
+        </p:style>
+      </p:cxnSp>
+      <p:sp>
+        <p:nvSpPr>
+          <p:cNvPr id="26" name="TextBox 25"/>
+          <p:cNvSpPr txBox="1"/>
+          <p:nvPr/>
+        </p:nvSpPr>
+        <p:spPr>
+          <a:xfrm>
+            <a:off x="152399" y="1056182"/>
+            <a:ext cx="995133" cy="153888"/>
+          </a:xfrm>
+          <a:prstGeom prst="rect">
+            <a:avLst/>
+          </a:prstGeom>
+          <a:noFill/>
+        </p:spPr>
+        <p:txBody>
+          <a:bodyPr wrap="square" lIns="0" tIns="0" rIns="0" bIns="0" rtlCol="0">
+            <a:spAutoFit/>
+          </a:bodyPr>
+          <a:lstStyle/>
+          <a:p>
+            <a:pPr algn="r"/>
+            <a:r>
+              <a:rPr lang="en-US" sz="1000" dirty="0">
+                <a:solidFill>
+                  <a:srgbClr val="0070C0"/>
+                </a:solidFill>
+              </a:rPr>
+              <a:t>execute(“import”)</a:t>
+            </a:r>
+          </a:p>
+        </p:txBody>
+      </p:sp>
+      <p:cxnSp>
+        <p:nvCxnSpPr>
+          <p:cNvPr id="28" name="Straight Arrow Connector 27"/>
+          <p:cNvCxnSpPr>
+            <a:cxnSpLocks/>
+          </p:cNvCxnSpPr>
+          <p:nvPr/>
+        </p:nvCxnSpPr>
+        <p:spPr>
+          <a:xfrm flipV="1">
+            <a:off x="3007473" y="1577926"/>
+            <a:ext cx="344329" cy="1"/>
           </a:xfrm>
           <a:prstGeom prst="straightConnector1">
             <a:avLst/>
           </a:prstGeom>
           <a:ln w="19050">
             <a:solidFill>
-              <a:srgbClr val="00B050"/>
+              <a:srgbClr val="0070C0"/>
             </a:solidFill>
             <a:tailEnd type="arrow"/>
           </a:ln>
@@ -4085,86 +4246,14 @@
       </p:cxnSp>
       <p:sp>
         <p:nvSpPr>
-          <p:cNvPr id="26" name="TextBox 25"/>
-          <p:cNvSpPr txBox="1"/>
-          <p:nvPr/>
-        </p:nvSpPr>
-        <p:spPr>
-          <a:xfrm>
-            <a:off x="-21771" y="1024105"/>
-            <a:ext cx="1424846" cy="215444"/>
-          </a:xfrm>
-          <a:prstGeom prst="rect">
-            <a:avLst/>
-          </a:prstGeom>
-          <a:noFill/>
-        </p:spPr>
-        <p:txBody>
-          <a:bodyPr wrap="square" lIns="0" tIns="0" rIns="0" bIns="0" rtlCol="0">
-            <a:spAutoFit/>
-          </a:bodyPr>
-          <a:lstStyle/>
-          <a:p>
-            <a:pPr algn="r"/>
-            <a:r>
-              <a:rPr lang="en-US" sz="1400" dirty="0">
-                <a:solidFill>
-                  <a:srgbClr val="0070C0"/>
-                </a:solidFill>
-              </a:rPr>
-              <a:t>execute(“import”)</a:t>
-            </a:r>
-          </a:p>
-        </p:txBody>
-      </p:sp>
-      <p:cxnSp>
-        <p:nvCxnSpPr>
-          <p:cNvPr id="28" name="Straight Arrow Connector 27"/>
-          <p:cNvCxnSpPr>
-            <a:cxnSpLocks/>
-          </p:cNvCxnSpPr>
-          <p:nvPr/>
-        </p:nvCxnSpPr>
-        <p:spPr>
-          <a:xfrm flipV="1">
-            <a:off x="4076101" y="1545846"/>
-            <a:ext cx="654401" cy="1"/>
-          </a:xfrm>
-          <a:prstGeom prst="straightConnector1">
-            <a:avLst/>
-          </a:prstGeom>
-          <a:ln w="19050">
-            <a:solidFill>
-              <a:srgbClr val="0070C0"/>
-            </a:solidFill>
-            <a:tailEnd type="arrow"/>
-          </a:ln>
-        </p:spPr>
-        <p:style>
-          <a:lnRef idx="1">
-            <a:schemeClr val="accent1"/>
-          </a:lnRef>
-          <a:fillRef idx="0">
-            <a:schemeClr val="accent1"/>
-          </a:fillRef>
-          <a:effectRef idx="0">
-            <a:schemeClr val="accent1"/>
-          </a:effectRef>
-          <a:fontRef idx="minor">
-            <a:schemeClr val="tx1"/>
-          </a:fontRef>
-        </p:style>
-      </p:cxnSp>
-      <p:sp>
-        <p:nvSpPr>
           <p:cNvPr id="29" name="TextBox 28"/>
           <p:cNvSpPr txBox="1"/>
           <p:nvPr/>
         </p:nvSpPr>
         <p:spPr>
           <a:xfrm>
-            <a:off x="3183550" y="2517576"/>
-            <a:ext cx="855809" cy="215444"/>
+            <a:off x="3251790" y="2256470"/>
+            <a:ext cx="495995" cy="155619"/>
           </a:xfrm>
           <a:prstGeom prst="rect">
             <a:avLst/>
@@ -4189,7 +4278,7 @@
           </a:lstStyle>
           <a:p>
             <a:r>
-              <a:rPr lang="en-US" dirty="0"/>
+              <a:rPr lang="en-US" sz="1000" dirty="0"/>
               <a:t>execute()</a:t>
             </a:r>
           </a:p>
@@ -4206,8 +4295,8 @@
         </p:nvCxnSpPr>
         <p:spPr>
           <a:xfrm>
-            <a:off x="4049237" y="1911737"/>
-            <a:ext cx="1247371" cy="22290"/>
+            <a:off x="3128673" y="1966105"/>
+            <a:ext cx="794336" cy="0"/>
           </a:xfrm>
           <a:prstGeom prst="straightConnector1">
             <a:avLst/>
@@ -4246,8 +4335,8 @@
         </p:nvCxnSpPr>
         <p:spPr>
           <a:xfrm>
-            <a:off x="1631480" y="2167105"/>
-            <a:ext cx="2348067" cy="0"/>
+            <a:off x="1375938" y="2199183"/>
+            <a:ext cx="1552070" cy="0"/>
           </a:xfrm>
           <a:prstGeom prst="straightConnector1">
             <a:avLst/>
@@ -4279,12 +4368,14 @@
       <p:cxnSp>
         <p:nvCxnSpPr>
           <p:cNvPr id="37" name="Straight Arrow Connector 36"/>
-          <p:cNvCxnSpPr/>
+          <p:cNvCxnSpPr>
+            <a:cxnSpLocks/>
+          </p:cNvCxnSpPr>
           <p:nvPr/>
         </p:nvCxnSpPr>
         <p:spPr>
           <a:xfrm>
-            <a:off x="321128" y="4224505"/>
+            <a:off x="42698" y="6324362"/>
             <a:ext cx="1196051" cy="0"/>
           </a:xfrm>
           <a:prstGeom prst="straightConnector1">
@@ -4322,8 +4413,8 @@
         </p:nvSpPr>
         <p:spPr>
           <a:xfrm>
-            <a:off x="5221014" y="2775704"/>
-            <a:ext cx="161322" cy="1307285"/>
+            <a:off x="3848230" y="2458428"/>
+            <a:ext cx="139238" cy="3707167"/>
           </a:xfrm>
           <a:prstGeom prst="rect">
             <a:avLst/>
@@ -4357,7 +4448,7 @@
           <a:lstStyle/>
           <a:p>
             <a:pPr algn="ctr"/>
-            <a:endParaRPr lang="en-SG" sz="1400"/>
+            <a:endParaRPr lang="en-SG" sz="1000"/>
           </a:p>
         </p:txBody>
       </p:sp>
@@ -4369,8 +4460,8 @@
         </p:nvSpPr>
         <p:spPr>
           <a:xfrm>
-            <a:off x="5340951" y="2792637"/>
-            <a:ext cx="1986720" cy="184666"/>
+            <a:off x="3365164" y="2501682"/>
+            <a:ext cx="1986720" cy="153888"/>
           </a:xfrm>
           <a:prstGeom prst="rect">
             <a:avLst/>
@@ -4395,7 +4486,7 @@
           </a:lstStyle>
           <a:p>
             <a:r>
-              <a:rPr lang="en-US" sz="1200" dirty="0" err="1">
+              <a:rPr lang="en-US" sz="1000" dirty="0" err="1">
                 <a:solidFill>
                   <a:srgbClr val="7030A0"/>
                 </a:solidFill>
@@ -4403,12 +4494,12 @@
               <a:t>readTimeTableFromFile</a:t>
             </a:r>
             <a:r>
-              <a:rPr lang="en-US" sz="1200" dirty="0">
+              <a:rPr lang="en-US" sz="1000" dirty="0">
                 <a:solidFill>
                   <a:srgbClr val="7030A0"/>
                 </a:solidFill>
               </a:rPr>
-              <a:t>(“path”)</a:t>
+              <a:t>()</a:t>
             </a:r>
           </a:p>
         </p:txBody>
@@ -4421,8 +4512,8 @@
         </p:nvSpPr>
         <p:spPr>
           <a:xfrm>
-            <a:off x="1825318" y="1139655"/>
-            <a:ext cx="1899551" cy="215444"/>
+            <a:off x="1369049" y="1198671"/>
+            <a:ext cx="1488124" cy="153888"/>
           </a:xfrm>
           <a:prstGeom prst="rect">
             <a:avLst/>
@@ -4447,11 +4538,11 @@
           </a:lstStyle>
           <a:p>
             <a:r>
-              <a:rPr lang="en-US" dirty="0" err="1"/>
+              <a:rPr lang="en-US" sz="1000" dirty="0" err="1"/>
               <a:t>parseCommand</a:t>
             </a:r>
             <a:r>
-              <a:rPr lang="en-US" dirty="0"/>
+              <a:rPr lang="en-US" sz="1000" dirty="0"/>
               <a:t>(“import”)</a:t>
             </a:r>
           </a:p>
@@ -4465,8 +4556,8 @@
         </p:nvSpPr>
         <p:spPr>
           <a:xfrm>
-            <a:off x="3212884" y="3824581"/>
-            <a:ext cx="621216" cy="215444"/>
+            <a:off x="2357929" y="5925375"/>
+            <a:ext cx="621216" cy="153888"/>
           </a:xfrm>
           <a:prstGeom prst="rect">
             <a:avLst/>
@@ -4491,7 +4582,7 @@
           </a:lstStyle>
           <a:p>
             <a:r>
-              <a:rPr lang="en-US" dirty="0"/>
+              <a:rPr lang="en-US" sz="1000" dirty="0"/>
               <a:t>result</a:t>
             </a:r>
           </a:p>
@@ -4505,8 +4596,8 @@
         </p:nvSpPr>
         <p:spPr>
           <a:xfrm>
-            <a:off x="585399" y="3979406"/>
-            <a:ext cx="762000" cy="215444"/>
+            <a:off x="306969" y="6079263"/>
+            <a:ext cx="762000" cy="153888"/>
           </a:xfrm>
           <a:prstGeom prst="rect">
             <a:avLst/>
@@ -4531,7 +4622,7 @@
           </a:lstStyle>
           <a:p>
             <a:r>
-              <a:rPr lang="en-US" dirty="0"/>
+              <a:rPr lang="en-US" sz="1000" dirty="0"/>
               <a:t>result</a:t>
             </a:r>
           </a:p>
@@ -4545,8 +4636,8 @@
         </p:nvSpPr>
         <p:spPr>
           <a:xfrm>
-            <a:off x="2664921" y="1939298"/>
-            <a:ext cx="220343" cy="215444"/>
+            <a:off x="1917785" y="1946546"/>
+            <a:ext cx="220343" cy="153888"/>
           </a:xfrm>
           <a:prstGeom prst="rect">
             <a:avLst/>
@@ -4571,7 +4662,7 @@
           </a:lstStyle>
           <a:p>
             <a:r>
-              <a:rPr lang="en-US" dirty="0"/>
+              <a:rPr lang="en-US" sz="1000" dirty="0"/>
               <a:t>i</a:t>
             </a:r>
           </a:p>
@@ -4585,7 +4676,7 @@
         </p:nvSpPr>
         <p:spPr>
           <a:xfrm>
-            <a:off x="6894904" y="2380637"/>
+            <a:off x="5008029" y="2063362"/>
             <a:ext cx="841636" cy="300180"/>
           </a:xfrm>
           <a:prstGeom prst="rect">
@@ -4621,7 +4712,7 @@
           <a:p>
             <a:pPr algn="ctr"/>
             <a:r>
-              <a:rPr lang="en-US" sz="1600" dirty="0">
+              <a:rPr lang="en-US" sz="1000" dirty="0">
                 <a:solidFill>
                   <a:schemeClr val="bg1"/>
                 </a:solidFill>
@@ -4629,14 +4720,14 @@
               <a:t>:</a:t>
             </a:r>
             <a:r>
-              <a:rPr lang="en-US" sz="1600" dirty="0" err="1">
+              <a:rPr lang="en-US" sz="1000" dirty="0" err="1">
                 <a:solidFill>
                   <a:schemeClr val="bg1"/>
                 </a:solidFill>
               </a:rPr>
               <a:t>IcsUtil</a:t>
             </a:r>
-            <a:endParaRPr lang="en-SG" sz="1600" dirty="0">
+            <a:endParaRPr lang="en-SG" sz="1000" dirty="0">
               <a:solidFill>
                 <a:schemeClr val="bg1"/>
               </a:solidFill>
@@ -4654,8 +4745,8 @@
         </p:nvCxnSpPr>
         <p:spPr>
           <a:xfrm flipH="1">
-            <a:off x="7288783" y="2705652"/>
-            <a:ext cx="3959" cy="1735710"/>
+            <a:off x="5380312" y="2388377"/>
+            <a:ext cx="25558" cy="3010502"/>
           </a:xfrm>
           <a:prstGeom prst="line">
             <a:avLst/>
@@ -4691,8 +4782,8 @@
         </p:nvSpPr>
         <p:spPr>
           <a:xfrm>
-            <a:off x="7232666" y="2976543"/>
-            <a:ext cx="126211" cy="893541"/>
+            <a:off x="5345792" y="2698824"/>
+            <a:ext cx="98790" cy="2365789"/>
           </a:xfrm>
           <a:prstGeom prst="rect">
             <a:avLst/>
@@ -4726,7 +4817,7 @@
           <a:lstStyle/>
           <a:p>
             <a:pPr algn="ctr"/>
-            <a:endParaRPr lang="en-SG" sz="1400"/>
+            <a:endParaRPr lang="en-SG" sz="1000"/>
           </a:p>
         </p:txBody>
       </p:sp>
@@ -4740,8 +4831,8 @@
         </p:nvCxnSpPr>
         <p:spPr>
           <a:xfrm>
-            <a:off x="5380281" y="3019735"/>
-            <a:ext cx="1847285" cy="0"/>
+            <a:off x="4019728" y="2702460"/>
+            <a:ext cx="1320963" cy="0"/>
           </a:xfrm>
           <a:prstGeom prst="straightConnector1">
             <a:avLst/>
@@ -4776,8 +4867,8 @@
         </p:nvSpPr>
         <p:spPr>
           <a:xfrm>
-            <a:off x="5167406" y="4268740"/>
-            <a:ext cx="258404" cy="261610"/>
+            <a:off x="3794669" y="6253452"/>
+            <a:ext cx="258404" cy="246221"/>
           </a:xfrm>
           <a:prstGeom prst="rect">
             <a:avLst/>
@@ -4785,13 +4876,13 @@
           <a:noFill/>
         </p:spPr>
         <p:txBody>
-          <a:bodyPr wrap="none" rtlCol="0">
+          <a:bodyPr wrap="square" rtlCol="0">
             <a:spAutoFit/>
           </a:bodyPr>
           <a:lstStyle/>
           <a:p>
             <a:r>
-              <a:rPr lang="en-SG" sz="1100" dirty="0">
+              <a:rPr lang="en-SG" sz="1000" dirty="0">
                 <a:solidFill>
                   <a:srgbClr val="002060"/>
                 </a:solidFill>
@@ -4809,7 +4900,7 @@
         </p:nvSpPr>
         <p:spPr>
           <a:xfrm>
-            <a:off x="4730502" y="1304659"/>
+            <a:off x="3356903" y="1336737"/>
             <a:ext cx="1093635" cy="461538"/>
           </a:xfrm>
           <a:prstGeom prst="rect">
@@ -4845,7 +4936,7 @@
           <a:p>
             <a:pPr algn="ctr"/>
             <a:r>
-              <a:rPr lang="en-US" sz="1600" dirty="0">
+              <a:rPr lang="en-US" sz="1000">
                 <a:solidFill>
                   <a:schemeClr val="bg1"/>
                 </a:solidFill>
@@ -4853,21 +4944,21 @@
               <a:t>i:Import</a:t>
             </a:r>
             <a:br>
-              <a:rPr lang="en-US" sz="1600" dirty="0">
+              <a:rPr lang="en-US" sz="1000">
                 <a:solidFill>
                   <a:schemeClr val="bg1"/>
                 </a:solidFill>
               </a:rPr>
             </a:br>
             <a:r>
-              <a:rPr lang="en-US" sz="1600" dirty="0">
+              <a:rPr lang="en-US" sz="1000">
                 <a:solidFill>
                   <a:schemeClr val="bg1"/>
                 </a:solidFill>
               </a:rPr>
               <a:t>Command</a:t>
             </a:r>
-            <a:endParaRPr lang="en-SG" sz="1600" dirty="0">
+            <a:endParaRPr lang="en-SG" sz="1000" dirty="0">
               <a:solidFill>
                 <a:schemeClr val="bg1"/>
               </a:solidFill>
@@ -4891,8 +4982,8 @@
         </p:nvCxnSpPr>
         <p:spPr>
           <a:xfrm>
-            <a:off x="1631480" y="2764819"/>
-            <a:ext cx="3832164" cy="1"/>
+            <a:off x="1389537" y="2492293"/>
+            <a:ext cx="2470871" cy="0"/>
           </a:xfrm>
           <a:prstGeom prst="straightConnector1">
             <a:avLst/>
@@ -4935,8 +5026,8 @@
         </p:nvCxnSpPr>
         <p:spPr>
           <a:xfrm>
-            <a:off x="1648374" y="1397423"/>
-            <a:ext cx="2256705" cy="1"/>
+            <a:off x="1392832" y="1429501"/>
+            <a:ext cx="1577846" cy="0"/>
           </a:xfrm>
           <a:prstGeom prst="straightConnector1">
             <a:avLst/>
@@ -4974,13 +5065,14 @@
           </p:cNvPr>
           <p:cNvCxnSpPr>
             <a:cxnSpLocks/>
+            <a:endCxn id="65" idx="2"/>
           </p:cNvCxnSpPr>
           <p:nvPr/>
         </p:nvCxnSpPr>
         <p:spPr>
           <a:xfrm>
-            <a:off x="1632127" y="4069967"/>
-            <a:ext cx="3831517" cy="0"/>
+            <a:off x="1367555" y="6165595"/>
+            <a:ext cx="2550294" cy="0"/>
           </a:xfrm>
           <a:prstGeom prst="straightConnector1">
             <a:avLst/>
@@ -5025,8 +5117,8 @@
         </p:nvCxnSpPr>
         <p:spPr>
           <a:xfrm>
-            <a:off x="5425810" y="3884215"/>
-            <a:ext cx="1891304" cy="0"/>
+            <a:off x="3993529" y="5068322"/>
+            <a:ext cx="1410511" cy="0"/>
           </a:xfrm>
           <a:prstGeom prst="straightConnector1">
             <a:avLst/>
@@ -5069,8 +5161,8 @@
         </p:nvSpPr>
         <p:spPr>
           <a:xfrm>
-            <a:off x="5601126" y="3614924"/>
-            <a:ext cx="1461481" cy="184666"/>
+            <a:off x="3358313" y="4852513"/>
+            <a:ext cx="1461481" cy="153888"/>
           </a:xfrm>
           <a:prstGeom prst="rect">
             <a:avLst/>
@@ -5095,45 +5187,225 @@
           </a:lstStyle>
           <a:p>
             <a:r>
-              <a:rPr lang="en-US" sz="1200" dirty="0">
+              <a:rPr lang="en-US" sz="1000" dirty="0" err="1">
                 <a:solidFill>
                   <a:schemeClr val="accent4">
                     <a:lumMod val="75000"/>
                   </a:schemeClr>
                 </a:solidFill>
               </a:rPr>
-              <a:t>Optional&lt;</a:t>
-            </a:r>
-            <a:r>
-              <a:rPr lang="en-US" sz="1200" dirty="0" err="1">
+              <a:t>TimeTable</a:t>
+            </a:r>
+            <a:endParaRPr lang="en-US" sz="1000" dirty="0"/>
+          </a:p>
+        </p:txBody>
+      </p:sp>
+      <p:cxnSp>
+        <p:nvCxnSpPr>
+          <p:cNvPr id="54" name="Straight Arrow Connector 53">
+            <a:extLst>
+              <a:ext uri="{FF2B5EF4-FFF2-40B4-BE49-F238E27FC236}">
+                <a16:creationId xmlns:a16="http://schemas.microsoft.com/office/drawing/2014/main" id="{24C06B4B-5D19-4BD2-A241-73FCC7080CEE}"/>
+              </a:ext>
+            </a:extLst>
+          </p:cNvPr>
+          <p:cNvCxnSpPr>
+            <a:cxnSpLocks/>
+          </p:cNvCxnSpPr>
+          <p:nvPr/>
+        </p:nvCxnSpPr>
+        <p:spPr>
+          <a:xfrm flipV="1">
+            <a:off x="5459584" y="4239926"/>
+            <a:ext cx="1204126" cy="5064"/>
+          </a:xfrm>
+          <a:prstGeom prst="straightConnector1">
+            <a:avLst/>
+          </a:prstGeom>
+          <a:ln>
+            <a:tailEnd type="arrow"/>
+          </a:ln>
+        </p:spPr>
+        <p:style>
+          <a:lnRef idx="2">
+            <a:schemeClr val="accent4"/>
+          </a:lnRef>
+          <a:fillRef idx="0">
+            <a:schemeClr val="accent4"/>
+          </a:fillRef>
+          <a:effectRef idx="1">
+            <a:schemeClr val="accent4"/>
+          </a:effectRef>
+          <a:fontRef idx="minor">
+            <a:schemeClr val="tx1"/>
+          </a:fontRef>
+        </p:style>
+      </p:cxnSp>
+      <p:sp>
+        <p:nvSpPr>
+          <p:cNvPr id="64" name="TextBox 63">
+            <a:extLst>
+              <a:ext uri="{FF2B5EF4-FFF2-40B4-BE49-F238E27FC236}">
+                <a16:creationId xmlns:a16="http://schemas.microsoft.com/office/drawing/2014/main" id="{161E14E9-15D9-4F17-9C2E-9D30A1E1F00F}"/>
+              </a:ext>
+            </a:extLst>
+          </p:cNvPr>
+          <p:cNvSpPr txBox="1"/>
+          <p:nvPr/>
+        </p:nvSpPr>
+        <p:spPr>
+          <a:xfrm>
+            <a:off x="5133312" y="3498302"/>
+            <a:ext cx="1100156" cy="153888"/>
+          </a:xfrm>
+          <a:prstGeom prst="rect">
+            <a:avLst/>
+          </a:prstGeom>
+          <a:noFill/>
+        </p:spPr>
+        <p:txBody>
+          <a:bodyPr wrap="square" lIns="0" tIns="0" rIns="0" bIns="0" rtlCol="0">
+            <a:spAutoFit/>
+          </a:bodyPr>
+          <a:lstStyle>
+            <a:defPPr>
+              <a:defRPr lang="en-US"/>
+            </a:defPPr>
+            <a:lvl1pPr algn="r">
+              <a:defRPr sz="1400">
+                <a:solidFill>
+                  <a:srgbClr val="0070C0"/>
+                </a:solidFill>
+              </a:defRPr>
+            </a:lvl1pPr>
+          </a:lstStyle>
+          <a:p>
+            <a:r>
+              <a:rPr lang="en-US" sz="1000" dirty="0">
+                <a:solidFill>
+                  <a:srgbClr val="00B050"/>
+                </a:solidFill>
+              </a:rPr>
+              <a:t>iCalendar</a:t>
+            </a:r>
+          </a:p>
+        </p:txBody>
+      </p:sp>
+      <p:cxnSp>
+        <p:nvCxnSpPr>
+          <p:cNvPr id="61" name="Straight Connector 60">
+            <a:extLst>
+              <a:ext uri="{FF2B5EF4-FFF2-40B4-BE49-F238E27FC236}">
+                <a16:creationId xmlns:a16="http://schemas.microsoft.com/office/drawing/2014/main" id="{665F269D-4FCA-41D3-9372-202CCFC9DA83}"/>
+              </a:ext>
+            </a:extLst>
+          </p:cNvPr>
+          <p:cNvCxnSpPr>
+            <a:cxnSpLocks/>
+          </p:cNvCxnSpPr>
+          <p:nvPr/>
+        </p:nvCxnSpPr>
+        <p:spPr>
+          <a:xfrm flipH="1">
+            <a:off x="6703923" y="2948040"/>
+            <a:ext cx="1" cy="667792"/>
+          </a:xfrm>
+          <a:prstGeom prst="line">
+            <a:avLst/>
+          </a:prstGeom>
+          <a:ln w="19050">
+            <a:solidFill>
+              <a:srgbClr val="92D050"/>
+            </a:solidFill>
+            <a:prstDash val="sysDash"/>
+          </a:ln>
+          <a:effectLst/>
+        </p:spPr>
+        <p:style>
+          <a:lnRef idx="1">
+            <a:schemeClr val="accent1"/>
+          </a:lnRef>
+          <a:fillRef idx="2">
+            <a:schemeClr val="accent1"/>
+          </a:fillRef>
+          <a:effectRef idx="1">
+            <a:schemeClr val="accent1"/>
+          </a:effectRef>
+          <a:fontRef idx="minor">
+            <a:schemeClr val="dk1"/>
+          </a:fontRef>
+        </p:style>
+      </p:cxnSp>
+      <p:sp>
+        <p:nvSpPr>
+          <p:cNvPr id="62" name="TextBox 61">
+            <a:extLst>
+              <a:ext uri="{FF2B5EF4-FFF2-40B4-BE49-F238E27FC236}">
+                <a16:creationId xmlns:a16="http://schemas.microsoft.com/office/drawing/2014/main" id="{C6FD2FB6-5135-4CC6-9ED0-96831A3E7ED0}"/>
+              </a:ext>
+            </a:extLst>
+          </p:cNvPr>
+          <p:cNvSpPr txBox="1"/>
+          <p:nvPr/>
+        </p:nvSpPr>
+        <p:spPr>
+          <a:xfrm>
+            <a:off x="5625399" y="4610327"/>
+            <a:ext cx="1234232" cy="153888"/>
+          </a:xfrm>
+          <a:prstGeom prst="rect">
+            <a:avLst/>
+          </a:prstGeom>
+          <a:noFill/>
+        </p:spPr>
+        <p:txBody>
+          <a:bodyPr wrap="square" lIns="0" tIns="0" rIns="0" bIns="0" rtlCol="0">
+            <a:spAutoFit/>
+          </a:bodyPr>
+          <a:lstStyle>
+            <a:defPPr>
+              <a:defRPr lang="en-US"/>
+            </a:defPPr>
+            <a:lvl1pPr algn="r">
+              <a:defRPr sz="1400">
+                <a:solidFill>
+                  <a:srgbClr val="0070C0"/>
+                </a:solidFill>
+              </a:defRPr>
+            </a:lvl1pPr>
+          </a:lstStyle>
+          <a:p>
+            <a:pPr algn="l"/>
+            <a:r>
+              <a:rPr lang="en-US" sz="1000" dirty="0" err="1">
                 <a:solidFill>
                   <a:schemeClr val="accent4">
                     <a:lumMod val="75000"/>
                   </a:schemeClr>
                 </a:solidFill>
               </a:rPr>
-              <a:t>TimeTable</a:t>
-            </a:r>
-            <a:r>
-              <a:rPr lang="en-US" sz="1200" dirty="0">
+              <a:t>iCalendarToTimeTable</a:t>
+            </a:r>
+            <a:r>
+              <a:rPr lang="en-US" sz="1000" dirty="0">
                 <a:solidFill>
                   <a:schemeClr val="accent4">
                     <a:lumMod val="75000"/>
                   </a:schemeClr>
                 </a:solidFill>
               </a:rPr>
-              <a:t>&gt;</a:t>
-            </a:r>
-            <a:endParaRPr lang="en-US" sz="1200" dirty="0"/>
-          </a:p>
-        </p:txBody>
-      </p:sp>
-      <p:sp>
-        <p:nvSpPr>
-          <p:cNvPr id="48" name="Rectangle 62">
+              <a:t>()</a:t>
+            </a:r>
+            <a:endParaRPr lang="en-US" sz="1000" dirty="0"/>
+          </a:p>
+        </p:txBody>
+      </p:sp>
+      <p:sp>
+        <p:nvSpPr>
+          <p:cNvPr id="51" name="Rectangle 50">
             <a:extLst>
               <a:ext uri="{FF2B5EF4-FFF2-40B4-BE49-F238E27FC236}">
-                <a16:creationId xmlns:a16="http://schemas.microsoft.com/office/drawing/2014/main" id="{B162C5E0-F1F8-4FC2-8C22-99FE25A22EB9}"/>
+                <a16:creationId xmlns:a16="http://schemas.microsoft.com/office/drawing/2014/main" id="{344ED7CF-94AA-4508-B87E-3854DCB91178}"/>
               </a:ext>
             </a:extLst>
           </p:cNvPr>
@@ -5142,8 +5414,8 @@
         </p:nvSpPr>
         <p:spPr>
           <a:xfrm>
-            <a:off x="8097489" y="2387339"/>
-            <a:ext cx="986640" cy="300180"/>
+            <a:off x="6647983" y="3436326"/>
+            <a:ext cx="128362" cy="803600"/>
           </a:xfrm>
           <a:prstGeom prst="rect">
             <a:avLst/>
@@ -5171,28 +5443,496 @@
           <a:lstStyle/>
           <a:p>
             <a:pPr algn="ctr"/>
-            <a:r>
-              <a:rPr lang="en-US" sz="1600" dirty="0">
-                <a:solidFill>
-                  <a:schemeClr val="bg1"/>
+            <a:endParaRPr lang="en-SG" sz="1000"/>
+          </a:p>
+        </p:txBody>
+      </p:sp>
+      <p:sp>
+        <p:nvSpPr>
+          <p:cNvPr id="87" name="TextBox 86">
+            <a:extLst>
+              <a:ext uri="{FF2B5EF4-FFF2-40B4-BE49-F238E27FC236}">
+                <a16:creationId xmlns:a16="http://schemas.microsoft.com/office/drawing/2014/main" id="{BBB34413-BBA5-46AB-B4ED-C1365B5A1C84}"/>
+              </a:ext>
+            </a:extLst>
+          </p:cNvPr>
+          <p:cNvSpPr txBox="1"/>
+          <p:nvPr/>
+        </p:nvSpPr>
+        <p:spPr>
+          <a:xfrm>
+            <a:off x="6603143" y="4142228"/>
+            <a:ext cx="135965" cy="246221"/>
+          </a:xfrm>
+          <a:prstGeom prst="rect">
+            <a:avLst/>
+          </a:prstGeom>
+          <a:noFill/>
+        </p:spPr>
+        <p:txBody>
+          <a:bodyPr wrap="square" rtlCol="0">
+            <a:spAutoFit/>
+          </a:bodyPr>
+          <a:lstStyle/>
+          <a:p>
+            <a:r>
+              <a:rPr lang="en-SG" sz="1000" dirty="0">
+                <a:solidFill>
+                  <a:srgbClr val="00B050"/>
                 </a:solidFill>
               </a:rPr>
-              <a:t>:Biweekly</a:t>
-            </a:r>
-            <a:endParaRPr lang="en-SG" sz="1600" dirty="0">
+              <a:t>X</a:t>
+            </a:r>
+          </a:p>
+        </p:txBody>
+      </p:sp>
+      <p:cxnSp>
+        <p:nvCxnSpPr>
+          <p:cNvPr id="123" name="Straight Arrow Connector 122">
+            <a:extLst>
+              <a:ext uri="{FF2B5EF4-FFF2-40B4-BE49-F238E27FC236}">
+                <a16:creationId xmlns:a16="http://schemas.microsoft.com/office/drawing/2014/main" id="{F2E32D0F-5B92-4A97-A8FE-1C6D3ED041AF}"/>
+              </a:ext>
+            </a:extLst>
+          </p:cNvPr>
+          <p:cNvCxnSpPr>
+            <a:cxnSpLocks/>
+          </p:cNvCxnSpPr>
+          <p:nvPr/>
+        </p:nvCxnSpPr>
+        <p:spPr>
+          <a:xfrm>
+            <a:off x="5496716" y="3690938"/>
+            <a:ext cx="1125606" cy="0"/>
+          </a:xfrm>
+          <a:prstGeom prst="straightConnector1">
+            <a:avLst/>
+          </a:prstGeom>
+          <a:ln w="19050">
+            <a:solidFill>
+              <a:srgbClr val="00B050"/>
+            </a:solidFill>
+            <a:prstDash val="sysDash"/>
+            <a:headEnd type="arrow" w="med" len="med"/>
+            <a:tailEnd type="none" w="med" len="med"/>
+          </a:ln>
+        </p:spPr>
+        <p:style>
+          <a:lnRef idx="1">
+            <a:schemeClr val="accent1"/>
+          </a:lnRef>
+          <a:fillRef idx="0">
+            <a:schemeClr val="accent1"/>
+          </a:fillRef>
+          <a:effectRef idx="0">
+            <a:schemeClr val="accent1"/>
+          </a:effectRef>
+          <a:fontRef idx="minor">
+            <a:schemeClr val="tx1"/>
+          </a:fontRef>
+        </p:style>
+      </p:cxnSp>
+      <p:cxnSp>
+        <p:nvCxnSpPr>
+          <p:cNvPr id="130" name="Straight Arrow Connector 129">
+            <a:extLst>
+              <a:ext uri="{FF2B5EF4-FFF2-40B4-BE49-F238E27FC236}">
+                <a16:creationId xmlns:a16="http://schemas.microsoft.com/office/drawing/2014/main" id="{7EB5B30B-319E-42A5-B7B2-05AEA54BB48D}"/>
+              </a:ext>
+            </a:extLst>
+          </p:cNvPr>
+          <p:cNvCxnSpPr>
+            <a:cxnSpLocks/>
+            <a:endCxn id="48" idx="1"/>
+          </p:cNvCxnSpPr>
+          <p:nvPr/>
+        </p:nvCxnSpPr>
+        <p:spPr>
+          <a:xfrm flipV="1">
+            <a:off x="5493582" y="2909798"/>
+            <a:ext cx="677234" cy="5025"/>
+          </a:xfrm>
+          <a:prstGeom prst="straightConnector1">
+            <a:avLst/>
+          </a:prstGeom>
+          <a:ln>
+            <a:tailEnd type="arrow"/>
+          </a:ln>
+        </p:spPr>
+        <p:style>
+          <a:lnRef idx="2">
+            <a:schemeClr val="accent4"/>
+          </a:lnRef>
+          <a:fillRef idx="0">
+            <a:schemeClr val="accent4"/>
+          </a:fillRef>
+          <a:effectRef idx="1">
+            <a:schemeClr val="accent4"/>
+          </a:effectRef>
+          <a:fontRef idx="minor">
+            <a:schemeClr val="tx1"/>
+          </a:fontRef>
+        </p:style>
+      </p:cxnSp>
+      <p:sp>
+        <p:nvSpPr>
+          <p:cNvPr id="132" name="TextBox 131">
+            <a:extLst>
+              <a:ext uri="{FF2B5EF4-FFF2-40B4-BE49-F238E27FC236}">
+                <a16:creationId xmlns:a16="http://schemas.microsoft.com/office/drawing/2014/main" id="{2706F72E-B125-4C99-A677-E915CE6DC291}"/>
+              </a:ext>
+            </a:extLst>
+          </p:cNvPr>
+          <p:cNvSpPr txBox="1"/>
+          <p:nvPr/>
+        </p:nvSpPr>
+        <p:spPr>
+          <a:xfrm>
+            <a:off x="5711170" y="4060625"/>
+            <a:ext cx="807111" cy="153888"/>
+          </a:xfrm>
+          <a:prstGeom prst="rect">
+            <a:avLst/>
+          </a:prstGeom>
+          <a:noFill/>
+        </p:spPr>
+        <p:txBody>
+          <a:bodyPr wrap="square" lIns="0" tIns="0" rIns="0" bIns="0" rtlCol="0">
+            <a:spAutoFit/>
+          </a:bodyPr>
+          <a:lstStyle>
+            <a:defPPr>
+              <a:defRPr lang="en-US"/>
+            </a:defPPr>
+            <a:lvl1pPr algn="r">
+              <a:defRPr sz="1400">
+                <a:solidFill>
+                  <a:srgbClr val="0070C0"/>
+                </a:solidFill>
+              </a:defRPr>
+            </a:lvl1pPr>
+          </a:lstStyle>
+          <a:p>
+            <a:r>
+              <a:rPr lang="en-US" sz="1000" dirty="0" err="1">
+                <a:solidFill>
+                  <a:srgbClr val="00B050"/>
+                </a:solidFill>
+              </a:rPr>
+              <a:t>Reader.close</a:t>
+            </a:r>
+            <a:r>
+              <a:rPr lang="en-US" sz="1000" dirty="0">
+                <a:solidFill>
+                  <a:srgbClr val="00B050"/>
+                </a:solidFill>
+              </a:rPr>
+              <a:t>()</a:t>
+            </a:r>
+          </a:p>
+        </p:txBody>
+      </p:sp>
+      <p:grpSp>
+        <p:nvGrpSpPr>
+          <p:cNvPr id="135" name="Group 134">
+            <a:extLst>
+              <a:ext uri="{FF2B5EF4-FFF2-40B4-BE49-F238E27FC236}">
+                <a16:creationId xmlns:a16="http://schemas.microsoft.com/office/drawing/2014/main" id="{7B6AC147-E8B6-4BCD-84D4-9D828AA76736}"/>
+              </a:ext>
+            </a:extLst>
+          </p:cNvPr>
+          <p:cNvGrpSpPr/>
+          <p:nvPr/>
+        </p:nvGrpSpPr>
+        <p:grpSpPr>
+          <a:xfrm>
+            <a:off x="4813529" y="3184816"/>
+            <a:ext cx="443540" cy="246221"/>
+            <a:chOff x="425947" y="3397974"/>
+            <a:chExt cx="642354" cy="283853"/>
+          </a:xfrm>
+        </p:grpSpPr>
+        <p:sp>
+          <p:nvSpPr>
+            <p:cNvPr id="136" name="Snip Single Corner Rectangle 174">
+              <a:extLst>
+                <a:ext uri="{FF2B5EF4-FFF2-40B4-BE49-F238E27FC236}">
+                  <a16:creationId xmlns:a16="http://schemas.microsoft.com/office/drawing/2014/main" id="{FF38DABF-8B03-4548-8065-E0BE4BA28490}"/>
+                </a:ext>
+              </a:extLst>
+            </p:cNvPr>
+            <p:cNvSpPr/>
+            <p:nvPr/>
+          </p:nvSpPr>
+          <p:spPr>
+            <a:xfrm flipV="1">
+              <a:off x="425947" y="3421793"/>
+              <a:ext cx="526428" cy="241818"/>
+            </a:xfrm>
+            <a:prstGeom prst="snip1Rect">
+              <a:avLst/>
+            </a:prstGeom>
+            <a:noFill/>
+            <a:ln>
               <a:solidFill>
-                <a:schemeClr val="bg1"/>
+                <a:schemeClr val="tx1"/>
+              </a:solidFill>
+            </a:ln>
+          </p:spPr>
+          <p:style>
+            <a:lnRef idx="2">
+              <a:schemeClr val="accent1">
+                <a:shade val="50000"/>
+              </a:schemeClr>
+            </a:lnRef>
+            <a:fillRef idx="1">
+              <a:schemeClr val="accent1"/>
+            </a:fillRef>
+            <a:effectRef idx="0">
+              <a:schemeClr val="accent1"/>
+            </a:effectRef>
+            <a:fontRef idx="minor">
+              <a:schemeClr val="lt1"/>
+            </a:fontRef>
+          </p:style>
+          <p:txBody>
+            <a:bodyPr rot="0" spcFirstLastPara="0" vertOverflow="overflow" horzOverflow="overflow" vert="horz" wrap="square" lIns="91440" tIns="45720" rIns="91440" bIns="45720" numCol="1" spcCol="0" rtlCol="0" fromWordArt="0" anchor="ctr" anchorCtr="0" forceAA="0" compatLnSpc="1">
+              <a:prstTxWarp prst="textNoShape">
+                <a:avLst/>
+              </a:prstTxWarp>
+              <a:noAutofit/>
+              <a:scene3d>
+                <a:camera prst="orthographicFront">
+                  <a:rot lat="0" lon="0" rev="10800000"/>
+                </a:camera>
+                <a:lightRig rig="threePt" dir="t"/>
+              </a:scene3d>
+            </a:bodyPr>
+            <a:lstStyle/>
+            <a:p>
+              <a:pPr algn="ctr"/>
+              <a:endParaRPr lang="en-SG" dirty="0">
+                <a:solidFill>
+                  <a:prstClr val="black"/>
+                </a:solidFill>
+              </a:endParaRPr>
+            </a:p>
+          </p:txBody>
+        </p:sp>
+        <p:sp>
+          <p:nvSpPr>
+            <p:cNvPr id="137" name="TextBox 136">
+              <a:extLst>
+                <a:ext uri="{FF2B5EF4-FFF2-40B4-BE49-F238E27FC236}">
+                  <a16:creationId xmlns:a16="http://schemas.microsoft.com/office/drawing/2014/main" id="{8E68B518-E0BF-4E1E-AD93-3BD7CBC3BE4A}"/>
+                </a:ext>
+              </a:extLst>
+            </p:cNvPr>
+            <p:cNvSpPr txBox="1"/>
+            <p:nvPr/>
+          </p:nvSpPr>
+          <p:spPr>
+            <a:xfrm>
+              <a:off x="426394" y="3397974"/>
+              <a:ext cx="641907" cy="283853"/>
+            </a:xfrm>
+            <a:prstGeom prst="rect">
+              <a:avLst/>
+            </a:prstGeom>
+            <a:noFill/>
+          </p:spPr>
+          <p:txBody>
+            <a:bodyPr wrap="square" rtlCol="0">
+              <a:spAutoFit/>
+            </a:bodyPr>
+            <a:lstStyle/>
+            <a:p>
+              <a:r>
+                <a:rPr lang="en-US" sz="1000" dirty="0">
+                  <a:solidFill>
+                    <a:prstClr val="black"/>
+                  </a:solidFill>
+                </a:rPr>
+                <a:t>loop</a:t>
+              </a:r>
+              <a:endParaRPr lang="en-SG" sz="1000" dirty="0">
+                <a:solidFill>
+                  <a:prstClr val="black"/>
+                </a:solidFill>
+              </a:endParaRPr>
+            </a:p>
+          </p:txBody>
+        </p:sp>
+      </p:grpSp>
+      <p:sp>
+        <p:nvSpPr>
+          <p:cNvPr id="138" name="TextBox 137">
+            <a:extLst>
+              <a:ext uri="{FF2B5EF4-FFF2-40B4-BE49-F238E27FC236}">
+                <a16:creationId xmlns:a16="http://schemas.microsoft.com/office/drawing/2014/main" id="{230CA9F9-2DDE-4BC7-8A97-406FE2ABCB4D}"/>
+              </a:ext>
+            </a:extLst>
+          </p:cNvPr>
+          <p:cNvSpPr txBox="1"/>
+          <p:nvPr/>
+        </p:nvSpPr>
+        <p:spPr>
+          <a:xfrm>
+            <a:off x="4743837" y="3437049"/>
+            <a:ext cx="714807" cy="553998"/>
+          </a:xfrm>
+          <a:prstGeom prst="rect">
+            <a:avLst/>
+          </a:prstGeom>
+          <a:noFill/>
+        </p:spPr>
+        <p:txBody>
+          <a:bodyPr wrap="square" rtlCol="0">
+            <a:spAutoFit/>
+          </a:bodyPr>
+          <a:lstStyle/>
+          <a:p>
+            <a:r>
+              <a:rPr lang="en-US" sz="1000" dirty="0">
+                <a:solidFill>
+                  <a:prstClr val="black"/>
+                </a:solidFill>
+              </a:rPr>
+              <a:t>[until all</a:t>
+            </a:r>
+          </a:p>
+          <a:p>
+            <a:r>
+              <a:rPr lang="en-US" sz="1000" dirty="0">
+                <a:solidFill>
+                  <a:prstClr val="black"/>
+                </a:solidFill>
+              </a:rPr>
+              <a:t>iCalendar</a:t>
+            </a:r>
+          </a:p>
+          <a:p>
+            <a:r>
+              <a:rPr lang="en-US" sz="1000" dirty="0">
+                <a:solidFill>
+                  <a:prstClr val="black"/>
+                </a:solidFill>
+              </a:rPr>
+              <a:t>are read]</a:t>
+            </a:r>
+            <a:endParaRPr lang="en-SG" sz="1000" dirty="0">
+              <a:solidFill>
+                <a:prstClr val="black"/>
               </a:solidFill>
             </a:endParaRPr>
           </a:p>
         </p:txBody>
       </p:sp>
-      <p:sp>
-        <p:nvSpPr>
-          <p:cNvPr id="51" name="Rectangle 50">
+      <p:cxnSp>
+        <p:nvCxnSpPr>
+          <p:cNvPr id="139" name="Straight Arrow Connector 138">
             <a:extLst>
               <a:ext uri="{FF2B5EF4-FFF2-40B4-BE49-F238E27FC236}">
-                <a16:creationId xmlns:a16="http://schemas.microsoft.com/office/drawing/2014/main" id="{344ED7CF-94AA-4508-B87E-3854DCB91178}"/>
+                <a16:creationId xmlns:a16="http://schemas.microsoft.com/office/drawing/2014/main" id="{0AA0C631-733D-481C-9EDD-C44165BE79B6}"/>
+              </a:ext>
+            </a:extLst>
+          </p:cNvPr>
+          <p:cNvCxnSpPr>
+            <a:cxnSpLocks/>
+          </p:cNvCxnSpPr>
+          <p:nvPr/>
+        </p:nvCxnSpPr>
+        <p:spPr>
+          <a:xfrm flipV="1">
+            <a:off x="5442900" y="3431262"/>
+            <a:ext cx="1204126" cy="5064"/>
+          </a:xfrm>
+          <a:prstGeom prst="straightConnector1">
+            <a:avLst/>
+          </a:prstGeom>
+          <a:ln>
+            <a:tailEnd type="arrow"/>
+          </a:ln>
+        </p:spPr>
+        <p:style>
+          <a:lnRef idx="2">
+            <a:schemeClr val="accent4"/>
+          </a:lnRef>
+          <a:fillRef idx="0">
+            <a:schemeClr val="accent4"/>
+          </a:fillRef>
+          <a:effectRef idx="1">
+            <a:schemeClr val="accent4"/>
+          </a:effectRef>
+          <a:fontRef idx="minor">
+            <a:schemeClr val="tx1"/>
+          </a:fontRef>
+        </p:style>
+      </p:cxnSp>
+      <p:sp>
+        <p:nvSpPr>
+          <p:cNvPr id="140" name="TextBox 139">
+            <a:extLst>
+              <a:ext uri="{FF2B5EF4-FFF2-40B4-BE49-F238E27FC236}">
+                <a16:creationId xmlns:a16="http://schemas.microsoft.com/office/drawing/2014/main" id="{7B002CEF-C0B8-4E46-A38F-FF82E67CFC10}"/>
+              </a:ext>
+            </a:extLst>
+          </p:cNvPr>
+          <p:cNvSpPr txBox="1"/>
+          <p:nvPr/>
+        </p:nvSpPr>
+        <p:spPr>
+          <a:xfrm>
+            <a:off x="5570068" y="3251961"/>
+            <a:ext cx="955173" cy="153888"/>
+          </a:xfrm>
+          <a:prstGeom prst="rect">
+            <a:avLst/>
+          </a:prstGeom>
+          <a:noFill/>
+        </p:spPr>
+        <p:txBody>
+          <a:bodyPr wrap="square" lIns="0" tIns="0" rIns="0" bIns="0" rtlCol="0">
+            <a:spAutoFit/>
+          </a:bodyPr>
+          <a:lstStyle>
+            <a:defPPr>
+              <a:defRPr lang="en-US"/>
+            </a:defPPr>
+            <a:lvl1pPr algn="r">
+              <a:defRPr sz="1400">
+                <a:solidFill>
+                  <a:srgbClr val="0070C0"/>
+                </a:solidFill>
+              </a:defRPr>
+            </a:lvl1pPr>
+          </a:lstStyle>
+          <a:p>
+            <a:r>
+              <a:rPr lang="en-US" sz="1000" dirty="0" err="1">
+                <a:solidFill>
+                  <a:srgbClr val="00B050"/>
+                </a:solidFill>
+              </a:rPr>
+              <a:t>reader.readNext</a:t>
+            </a:r>
+            <a:r>
+              <a:rPr lang="en-US" sz="1000" dirty="0">
+                <a:solidFill>
+                  <a:srgbClr val="00B050"/>
+                </a:solidFill>
+              </a:rPr>
+              <a:t>()</a:t>
+            </a:r>
+          </a:p>
+        </p:txBody>
+      </p:sp>
+      <p:sp>
+        <p:nvSpPr>
+          <p:cNvPr id="141" name="Rectangle 65">
+            <a:extLst>
+              <a:ext uri="{FF2B5EF4-FFF2-40B4-BE49-F238E27FC236}">
+                <a16:creationId xmlns:a16="http://schemas.microsoft.com/office/drawing/2014/main" id="{D2F4EB71-50DE-4B9E-A49B-B729F4019776}"/>
               </a:ext>
             </a:extLst>
           </p:cNvPr>
@@ -5201,8 +5941,604 @@
         </p:nvSpPr>
         <p:spPr>
           <a:xfrm>
-            <a:off x="8564584" y="3097937"/>
-            <a:ext cx="121889" cy="331063"/>
+            <a:off x="7678850" y="184476"/>
+            <a:ext cx="1333174" cy="6553198"/>
+          </a:xfrm>
+          <a:prstGeom prst="roundRect">
+            <a:avLst>
+              <a:gd name="adj" fmla="val 3484"/>
+            </a:avLst>
+          </a:prstGeom>
+          <a:solidFill>
+            <a:schemeClr val="accent4">
+              <a:lumMod val="20000"/>
+              <a:lumOff val="80000"/>
+            </a:schemeClr>
+          </a:solidFill>
+          <a:ln w="19050">
+            <a:noFill/>
+          </a:ln>
+          <a:effectLst/>
+        </p:spPr>
+        <p:style>
+          <a:lnRef idx="1">
+            <a:schemeClr val="accent2"/>
+          </a:lnRef>
+          <a:fillRef idx="2">
+            <a:schemeClr val="accent2"/>
+          </a:fillRef>
+          <a:effectRef idx="1">
+            <a:schemeClr val="accent2"/>
+          </a:effectRef>
+          <a:fontRef idx="minor">
+            <a:schemeClr val="dk1"/>
+          </a:fontRef>
+        </p:style>
+        <p:txBody>
+          <a:bodyPr rtlCol="0" anchor="t"/>
+          <a:lstStyle/>
+          <a:p>
+            <a:r>
+              <a:rPr lang="en-US" sz="1000" b="1" dirty="0">
+                <a:solidFill>
+                  <a:srgbClr val="7030A0"/>
+                </a:solidFill>
+              </a:rPr>
+              <a:t>Model</a:t>
+            </a:r>
+            <a:endParaRPr lang="en-SG" sz="1000" b="1" dirty="0">
+              <a:solidFill>
+                <a:srgbClr val="7030A0"/>
+              </a:solidFill>
+            </a:endParaRPr>
+          </a:p>
+        </p:txBody>
+      </p:sp>
+      <p:cxnSp>
+        <p:nvCxnSpPr>
+          <p:cNvPr id="142" name="Straight Connector 141">
+            <a:extLst>
+              <a:ext uri="{FF2B5EF4-FFF2-40B4-BE49-F238E27FC236}">
+                <a16:creationId xmlns:a16="http://schemas.microsoft.com/office/drawing/2014/main" id="{357F783F-8F6B-4A52-ADBF-5A0F7BA76E2E}"/>
+              </a:ext>
+            </a:extLst>
+          </p:cNvPr>
+          <p:cNvCxnSpPr>
+            <a:cxnSpLocks/>
+          </p:cNvCxnSpPr>
+          <p:nvPr/>
+        </p:nvCxnSpPr>
+        <p:spPr>
+          <a:xfrm>
+            <a:off x="8323945" y="3388790"/>
+            <a:ext cx="0" cy="3194996"/>
+          </a:xfrm>
+          <a:prstGeom prst="line">
+            <a:avLst/>
+          </a:prstGeom>
+          <a:ln w="19050">
+            <a:solidFill>
+              <a:srgbClr val="7030A0"/>
+            </a:solidFill>
+            <a:prstDash val="sysDash"/>
+          </a:ln>
+          <a:effectLst/>
+        </p:spPr>
+        <p:style>
+          <a:lnRef idx="1">
+            <a:schemeClr val="accent1"/>
+          </a:lnRef>
+          <a:fillRef idx="2">
+            <a:schemeClr val="accent1"/>
+          </a:fillRef>
+          <a:effectRef idx="1">
+            <a:schemeClr val="accent1"/>
+          </a:effectRef>
+          <a:fontRef idx="minor">
+            <a:schemeClr val="dk1"/>
+          </a:fontRef>
+        </p:style>
+      </p:cxnSp>
+      <p:sp>
+        <p:nvSpPr>
+          <p:cNvPr id="143" name="Rectangle 8">
+            <a:extLst>
+              <a:ext uri="{FF2B5EF4-FFF2-40B4-BE49-F238E27FC236}">
+                <a16:creationId xmlns:a16="http://schemas.microsoft.com/office/drawing/2014/main" id="{6FC4F704-7341-4E18-90D4-5CC27793B2F4}"/>
+              </a:ext>
+            </a:extLst>
+          </p:cNvPr>
+          <p:cNvSpPr/>
+          <p:nvPr/>
+        </p:nvSpPr>
+        <p:spPr>
+          <a:xfrm>
+            <a:off x="7892063" y="3039160"/>
+            <a:ext cx="967722" cy="303687"/>
+          </a:xfrm>
+          <a:prstGeom prst="rect">
+            <a:avLst/>
+          </a:prstGeom>
+          <a:solidFill>
+            <a:srgbClr val="7030A0"/>
+          </a:solidFill>
+          <a:ln w="19050">
+            <a:solidFill>
+              <a:srgbClr val="7030A0"/>
+            </a:solidFill>
+          </a:ln>
+          <a:effectLst/>
+        </p:spPr>
+        <p:style>
+          <a:lnRef idx="1">
+            <a:schemeClr val="accent2"/>
+          </a:lnRef>
+          <a:fillRef idx="2">
+            <a:schemeClr val="accent2"/>
+          </a:fillRef>
+          <a:effectRef idx="1">
+            <a:schemeClr val="accent2"/>
+          </a:effectRef>
+          <a:fontRef idx="minor">
+            <a:schemeClr val="dk1"/>
+          </a:fontRef>
+        </p:style>
+        <p:txBody>
+          <a:bodyPr rtlCol="0" anchor="ctr"/>
+          <a:lstStyle/>
+          <a:p>
+            <a:pPr algn="ctr"/>
+            <a:r>
+              <a:rPr lang="en-US" sz="1000" dirty="0">
+                <a:solidFill>
+                  <a:prstClr val="white"/>
+                </a:solidFill>
+              </a:rPr>
+              <a:t>:Model</a:t>
+            </a:r>
+          </a:p>
+        </p:txBody>
+      </p:sp>
+      <p:sp>
+        <p:nvSpPr>
+          <p:cNvPr id="144" name="Rectangle 143">
+            <a:extLst>
+              <a:ext uri="{FF2B5EF4-FFF2-40B4-BE49-F238E27FC236}">
+                <a16:creationId xmlns:a16="http://schemas.microsoft.com/office/drawing/2014/main" id="{DB1AF330-1091-41F2-89A1-78D84BD3A167}"/>
+              </a:ext>
+            </a:extLst>
+          </p:cNvPr>
+          <p:cNvSpPr/>
+          <p:nvPr/>
+        </p:nvSpPr>
+        <p:spPr>
+          <a:xfrm>
+            <a:off x="8240822" y="5569734"/>
+            <a:ext cx="162938" cy="595861"/>
+          </a:xfrm>
+          <a:prstGeom prst="rect">
+            <a:avLst/>
+          </a:prstGeom>
+          <a:solidFill>
+            <a:srgbClr val="7030A0"/>
+          </a:solidFill>
+          <a:ln>
+            <a:solidFill>
+              <a:srgbClr val="7030A0"/>
+            </a:solidFill>
+          </a:ln>
+          <a:effectLst/>
+        </p:spPr>
+        <p:style>
+          <a:lnRef idx="1">
+            <a:schemeClr val="accent3"/>
+          </a:lnRef>
+          <a:fillRef idx="2">
+            <a:schemeClr val="accent3"/>
+          </a:fillRef>
+          <a:effectRef idx="1">
+            <a:schemeClr val="accent3"/>
+          </a:effectRef>
+          <a:fontRef idx="minor">
+            <a:schemeClr val="dk1"/>
+          </a:fontRef>
+        </p:style>
+        <p:txBody>
+          <a:bodyPr rtlCol="0" anchor="ctr"/>
+          <a:lstStyle/>
+          <a:p>
+            <a:pPr algn="ctr"/>
+            <a:endParaRPr lang="en-SG" sz="1400">
+              <a:solidFill>
+                <a:prstClr val="black"/>
+              </a:solidFill>
+            </a:endParaRPr>
+          </a:p>
+        </p:txBody>
+      </p:sp>
+      <p:grpSp>
+        <p:nvGrpSpPr>
+          <p:cNvPr id="152" name="Group 151">
+            <a:extLst>
+              <a:ext uri="{FF2B5EF4-FFF2-40B4-BE49-F238E27FC236}">
+                <a16:creationId xmlns:a16="http://schemas.microsoft.com/office/drawing/2014/main" id="{1706E89A-3072-4C52-851E-AD6295AEBDC8}"/>
+              </a:ext>
+            </a:extLst>
+          </p:cNvPr>
+          <p:cNvGrpSpPr/>
+          <p:nvPr/>
+        </p:nvGrpSpPr>
+        <p:grpSpPr>
+          <a:xfrm flipH="1">
+            <a:off x="3955904" y="5227269"/>
+            <a:ext cx="217349" cy="270072"/>
+            <a:chOff x="1028134" y="5612032"/>
+            <a:chExt cx="217349" cy="270072"/>
+          </a:xfrm>
+          <a:noFill/>
+        </p:grpSpPr>
+        <p:sp>
+          <p:nvSpPr>
+            <p:cNvPr id="153" name="Freeform 58">
+              <a:extLst>
+                <a:ext uri="{FF2B5EF4-FFF2-40B4-BE49-F238E27FC236}">
+                  <a16:creationId xmlns:a16="http://schemas.microsoft.com/office/drawing/2014/main" id="{B01E7E39-064C-4B8D-A59F-61A5F0262F95}"/>
+                </a:ext>
+              </a:extLst>
+            </p:cNvPr>
+            <p:cNvSpPr/>
+            <p:nvPr/>
+          </p:nvSpPr>
+          <p:spPr>
+            <a:xfrm rot="2600998" flipH="1" flipV="1">
+              <a:off x="1028134" y="5612032"/>
+              <a:ext cx="167452" cy="116880"/>
+            </a:xfrm>
+            <a:custGeom>
+              <a:avLst/>
+              <a:gdLst>
+                <a:gd name="connsiteX0" fmla="*/ 0 w 226400"/>
+                <a:gd name="connsiteY0" fmla="*/ 32920 h 171466"/>
+                <a:gd name="connsiteX1" fmla="*/ 157018 w 226400"/>
+                <a:gd name="connsiteY1" fmla="*/ 5211 h 171466"/>
+                <a:gd name="connsiteX2" fmla="*/ 221673 w 226400"/>
+                <a:gd name="connsiteY2" fmla="*/ 125284 h 171466"/>
+                <a:gd name="connsiteX3" fmla="*/ 36945 w 226400"/>
+                <a:gd name="connsiteY3" fmla="*/ 171466 h 171466"/>
+              </a:gdLst>
+              <a:ahLst/>
+              <a:cxnLst>
+                <a:cxn ang="0">
+                  <a:pos x="connsiteX0" y="connsiteY0"/>
+                </a:cxn>
+                <a:cxn ang="0">
+                  <a:pos x="connsiteX1" y="connsiteY1"/>
+                </a:cxn>
+                <a:cxn ang="0">
+                  <a:pos x="connsiteX2" y="connsiteY2"/>
+                </a:cxn>
+                <a:cxn ang="0">
+                  <a:pos x="connsiteX3" y="connsiteY3"/>
+                </a:cxn>
+              </a:cxnLst>
+              <a:rect l="l" t="t" r="r" b="b"/>
+              <a:pathLst>
+                <a:path w="226400" h="171466">
+                  <a:moveTo>
+                    <a:pt x="0" y="32920"/>
+                  </a:moveTo>
+                  <a:cubicBezTo>
+                    <a:pt x="60036" y="11368"/>
+                    <a:pt x="120073" y="-10183"/>
+                    <a:pt x="157018" y="5211"/>
+                  </a:cubicBezTo>
+                  <a:cubicBezTo>
+                    <a:pt x="193963" y="20605"/>
+                    <a:pt x="241685" y="97575"/>
+                    <a:pt x="221673" y="125284"/>
+                  </a:cubicBezTo>
+                  <a:cubicBezTo>
+                    <a:pt x="201661" y="152993"/>
+                    <a:pt x="119303" y="162229"/>
+                    <a:pt x="36945" y="171466"/>
+                  </a:cubicBezTo>
+                </a:path>
+              </a:pathLst>
+            </a:custGeom>
+            <a:ln>
+              <a:headEnd type="arrow" w="med" len="med"/>
+              <a:tailEnd type="none" w="med" len="med"/>
+            </a:ln>
+          </p:spPr>
+          <p:style>
+            <a:lnRef idx="1">
+              <a:schemeClr val="accent5"/>
+            </a:lnRef>
+            <a:fillRef idx="0">
+              <a:schemeClr val="accent5"/>
+            </a:fillRef>
+            <a:effectRef idx="0">
+              <a:schemeClr val="accent5"/>
+            </a:effectRef>
+            <a:fontRef idx="minor">
+              <a:schemeClr val="tx1"/>
+            </a:fontRef>
+          </p:style>
+          <p:txBody>
+            <a:bodyPr rtlCol="0" anchor="ctr"/>
+            <a:lstStyle/>
+            <a:p>
+              <a:pPr algn="ctr"/>
+              <a:endParaRPr lang="en-SG" sz="1000"/>
+            </a:p>
+          </p:txBody>
+        </p:sp>
+        <p:sp>
+          <p:nvSpPr>
+            <p:cNvPr id="154" name="Rectangle 153">
+              <a:extLst>
+                <a:ext uri="{FF2B5EF4-FFF2-40B4-BE49-F238E27FC236}">
+                  <a16:creationId xmlns:a16="http://schemas.microsoft.com/office/drawing/2014/main" id="{02B8C23A-62D0-487C-8457-4AD46CDC89E9}"/>
+                </a:ext>
+              </a:extLst>
+            </p:cNvPr>
+            <p:cNvSpPr/>
+            <p:nvPr/>
+          </p:nvSpPr>
+          <p:spPr>
+            <a:xfrm>
+              <a:off x="1147403" y="5712513"/>
+              <a:ext cx="98080" cy="169591"/>
+            </a:xfrm>
+            <a:prstGeom prst="rect">
+              <a:avLst/>
+            </a:prstGeom>
+            <a:solidFill>
+              <a:schemeClr val="accent5"/>
+            </a:solidFill>
+            <a:ln>
+              <a:noFill/>
+            </a:ln>
+          </p:spPr>
+          <p:style>
+            <a:lnRef idx="0">
+              <a:scrgbClr r="0" g="0" b="0"/>
+            </a:lnRef>
+            <a:fillRef idx="0">
+              <a:scrgbClr r="0" g="0" b="0"/>
+            </a:fillRef>
+            <a:effectRef idx="0">
+              <a:scrgbClr r="0" g="0" b="0"/>
+            </a:effectRef>
+            <a:fontRef idx="minor">
+              <a:schemeClr val="lt1"/>
+            </a:fontRef>
+          </p:style>
+          <p:txBody>
+            <a:bodyPr rtlCol="0" anchor="ctr"/>
+            <a:lstStyle/>
+            <a:p>
+              <a:pPr algn="ctr"/>
+              <a:endParaRPr lang="en-SG" sz="1000">
+                <a:solidFill>
+                  <a:schemeClr val="dk1"/>
+                </a:solidFill>
+              </a:endParaRPr>
+            </a:p>
+          </p:txBody>
+        </p:sp>
+      </p:grpSp>
+      <p:sp>
+        <p:nvSpPr>
+          <p:cNvPr id="155" name="TextBox 154">
+            <a:extLst>
+              <a:ext uri="{FF2B5EF4-FFF2-40B4-BE49-F238E27FC236}">
+                <a16:creationId xmlns:a16="http://schemas.microsoft.com/office/drawing/2014/main" id="{245A92DE-274B-4ED6-9342-1A47DFF97BF8}"/>
+              </a:ext>
+            </a:extLst>
+          </p:cNvPr>
+          <p:cNvSpPr txBox="1"/>
+          <p:nvPr/>
+        </p:nvSpPr>
+        <p:spPr>
+          <a:xfrm>
+            <a:off x="4190731" y="5170942"/>
+            <a:ext cx="914894" cy="307777"/>
+          </a:xfrm>
+          <a:prstGeom prst="rect">
+            <a:avLst/>
+          </a:prstGeom>
+          <a:noFill/>
+        </p:spPr>
+        <p:txBody>
+          <a:bodyPr wrap="square" lIns="0" tIns="0" rIns="0" bIns="0" rtlCol="0">
+            <a:spAutoFit/>
+          </a:bodyPr>
+          <a:lstStyle>
+            <a:defPPr>
+              <a:defRPr lang="en-US"/>
+            </a:defPPr>
+            <a:lvl1pPr algn="r">
+              <a:defRPr sz="1400">
+                <a:solidFill>
+                  <a:srgbClr val="0070C0"/>
+                </a:solidFill>
+              </a:defRPr>
+            </a:lvl1pPr>
+          </a:lstStyle>
+          <a:p>
+            <a:pPr algn="l"/>
+            <a:r>
+              <a:rPr lang="en-US" sz="1000" dirty="0" err="1"/>
+              <a:t>createModified</a:t>
+            </a:r>
+            <a:endParaRPr lang="en-US" sz="1000" dirty="0"/>
+          </a:p>
+          <a:p>
+            <a:pPr algn="l"/>
+            <a:r>
+              <a:rPr lang="en-US" sz="1000" dirty="0"/>
+              <a:t>Person()</a:t>
+            </a:r>
+          </a:p>
+        </p:txBody>
+      </p:sp>
+      <p:cxnSp>
+        <p:nvCxnSpPr>
+          <p:cNvPr id="157" name="Straight Arrow Connector 156">
+            <a:extLst>
+              <a:ext uri="{FF2B5EF4-FFF2-40B4-BE49-F238E27FC236}">
+                <a16:creationId xmlns:a16="http://schemas.microsoft.com/office/drawing/2014/main" id="{4DF32891-3924-4666-B80C-215DEDB85CA0}"/>
+              </a:ext>
+            </a:extLst>
+          </p:cNvPr>
+          <p:cNvCxnSpPr>
+            <a:cxnSpLocks/>
+          </p:cNvCxnSpPr>
+          <p:nvPr/>
+        </p:nvCxnSpPr>
+        <p:spPr>
+          <a:xfrm>
+            <a:off x="3993133" y="5566768"/>
+            <a:ext cx="4241680" cy="2966"/>
+          </a:xfrm>
+          <a:prstGeom prst="straightConnector1">
+            <a:avLst/>
+          </a:prstGeom>
+          <a:ln>
+            <a:tailEnd type="arrow"/>
+          </a:ln>
+        </p:spPr>
+        <p:style>
+          <a:lnRef idx="2">
+            <a:schemeClr val="accent4"/>
+          </a:lnRef>
+          <a:fillRef idx="0">
+            <a:schemeClr val="accent4"/>
+          </a:fillRef>
+          <a:effectRef idx="1">
+            <a:schemeClr val="accent4"/>
+          </a:effectRef>
+          <a:fontRef idx="minor">
+            <a:schemeClr val="tx1"/>
+          </a:fontRef>
+        </p:style>
+      </p:cxnSp>
+      <p:sp>
+        <p:nvSpPr>
+          <p:cNvPr id="164" name="TextBox 163">
+            <a:extLst>
+              <a:ext uri="{FF2B5EF4-FFF2-40B4-BE49-F238E27FC236}">
+                <a16:creationId xmlns:a16="http://schemas.microsoft.com/office/drawing/2014/main" id="{FE7953E3-F0D2-4C37-A3FF-479F4079F896}"/>
+              </a:ext>
+            </a:extLst>
+          </p:cNvPr>
+          <p:cNvSpPr txBox="1"/>
+          <p:nvPr/>
+        </p:nvSpPr>
+        <p:spPr>
+          <a:xfrm>
+            <a:off x="5782985" y="5366235"/>
+            <a:ext cx="1986720" cy="153888"/>
+          </a:xfrm>
+          <a:prstGeom prst="rect">
+            <a:avLst/>
+          </a:prstGeom>
+          <a:noFill/>
+        </p:spPr>
+        <p:txBody>
+          <a:bodyPr wrap="square" lIns="0" tIns="0" rIns="0" bIns="0" rtlCol="0">
+            <a:spAutoFit/>
+          </a:bodyPr>
+          <a:lstStyle>
+            <a:defPPr>
+              <a:defRPr lang="en-US"/>
+            </a:defPPr>
+            <a:lvl1pPr algn="r">
+              <a:defRPr sz="1400">
+                <a:solidFill>
+                  <a:srgbClr val="0070C0"/>
+                </a:solidFill>
+              </a:defRPr>
+            </a:lvl1pPr>
+          </a:lstStyle>
+          <a:p>
+            <a:r>
+              <a:rPr lang="en-US" sz="1000" dirty="0" err="1">
+                <a:solidFill>
+                  <a:srgbClr val="7030A0"/>
+                </a:solidFill>
+              </a:rPr>
+              <a:t>updatePerson</a:t>
+            </a:r>
+            <a:r>
+              <a:rPr lang="en-US" sz="1000" dirty="0">
+                <a:solidFill>
+                  <a:srgbClr val="7030A0"/>
+                </a:solidFill>
+              </a:rPr>
+              <a:t>()</a:t>
+            </a:r>
+          </a:p>
+        </p:txBody>
+      </p:sp>
+      <p:cxnSp>
+        <p:nvCxnSpPr>
+          <p:cNvPr id="175" name="Straight Arrow Connector 174">
+            <a:extLst>
+              <a:ext uri="{FF2B5EF4-FFF2-40B4-BE49-F238E27FC236}">
+                <a16:creationId xmlns:a16="http://schemas.microsoft.com/office/drawing/2014/main" id="{A3350F5A-CA0E-487B-81B0-5F92D65764D1}"/>
+              </a:ext>
+            </a:extLst>
+          </p:cNvPr>
+          <p:cNvCxnSpPr>
+            <a:cxnSpLocks/>
+          </p:cNvCxnSpPr>
+          <p:nvPr/>
+        </p:nvCxnSpPr>
+        <p:spPr>
+          <a:xfrm>
+            <a:off x="3993133" y="5812382"/>
+            <a:ext cx="4241680" cy="2966"/>
+          </a:xfrm>
+          <a:prstGeom prst="straightConnector1">
+            <a:avLst/>
+          </a:prstGeom>
+          <a:ln>
+            <a:tailEnd type="arrow"/>
+          </a:ln>
+        </p:spPr>
+        <p:style>
+          <a:lnRef idx="2">
+            <a:schemeClr val="accent4"/>
+          </a:lnRef>
+          <a:fillRef idx="0">
+            <a:schemeClr val="accent4"/>
+          </a:fillRef>
+          <a:effectRef idx="1">
+            <a:schemeClr val="accent4"/>
+          </a:effectRef>
+          <a:fontRef idx="minor">
+            <a:schemeClr val="tx1"/>
+          </a:fontRef>
+        </p:style>
+      </p:cxnSp>
+      <p:sp>
+        <p:nvSpPr>
+          <p:cNvPr id="182" name="Rectangle 181">
+            <a:extLst>
+              <a:ext uri="{FF2B5EF4-FFF2-40B4-BE49-F238E27FC236}">
+                <a16:creationId xmlns:a16="http://schemas.microsoft.com/office/drawing/2014/main" id="{F4FDDDDA-E7ED-4EA6-8B6A-E184A398458F}"/>
+              </a:ext>
+            </a:extLst>
+          </p:cNvPr>
+          <p:cNvSpPr/>
+          <p:nvPr/>
+        </p:nvSpPr>
+        <p:spPr>
+          <a:xfrm>
+            <a:off x="6637912" y="2927068"/>
+            <a:ext cx="128362" cy="146397"/>
           </a:xfrm>
           <a:prstGeom prst="rect">
             <a:avLst/>
@@ -5230,16 +6566,74 @@
           <a:lstStyle/>
           <a:p>
             <a:pPr algn="ctr"/>
-            <a:endParaRPr lang="en-SG" sz="1400"/>
+            <a:endParaRPr lang="en-SG" sz="1000"/>
+          </a:p>
+        </p:txBody>
+      </p:sp>
+      <p:sp>
+        <p:nvSpPr>
+          <p:cNvPr id="176" name="TextBox 175">
+            <a:extLst>
+              <a:ext uri="{FF2B5EF4-FFF2-40B4-BE49-F238E27FC236}">
+                <a16:creationId xmlns:a16="http://schemas.microsoft.com/office/drawing/2014/main" id="{E706666A-A7CE-43A5-ABBE-0448B7D33BAE}"/>
+              </a:ext>
+            </a:extLst>
+          </p:cNvPr>
+          <p:cNvSpPr txBox="1"/>
+          <p:nvPr/>
+        </p:nvSpPr>
+        <p:spPr>
+          <a:xfrm>
+            <a:off x="5782985" y="5611849"/>
+            <a:ext cx="1986720" cy="153888"/>
+          </a:xfrm>
+          <a:prstGeom prst="rect">
+            <a:avLst/>
+          </a:prstGeom>
+          <a:noFill/>
+        </p:spPr>
+        <p:txBody>
+          <a:bodyPr wrap="square" lIns="0" tIns="0" rIns="0" bIns="0" rtlCol="0">
+            <a:spAutoFit/>
+          </a:bodyPr>
+          <a:lstStyle>
+            <a:defPPr>
+              <a:defRPr lang="en-US"/>
+            </a:defPPr>
+            <a:lvl1pPr algn="r">
+              <a:defRPr sz="1400">
+                <a:solidFill>
+                  <a:srgbClr val="0070C0"/>
+                </a:solidFill>
+              </a:defRPr>
+            </a:lvl1pPr>
+          </a:lstStyle>
+          <a:p>
+            <a:r>
+              <a:rPr lang="en-US" sz="1000" dirty="0" err="1">
+                <a:solidFill>
+                  <a:srgbClr val="7030A0"/>
+                </a:solidFill>
+              </a:rPr>
+              <a:t>commitAddressBook</a:t>
+            </a:r>
+            <a:r>
+              <a:rPr lang="en-US" sz="1000" dirty="0">
+                <a:solidFill>
+                  <a:srgbClr val="7030A0"/>
+                </a:solidFill>
+              </a:rPr>
+              <a:t>()</a:t>
+            </a:r>
           </a:p>
         </p:txBody>
       </p:sp>
       <p:cxnSp>
         <p:nvCxnSpPr>
-          <p:cNvPr id="53" name="Straight Arrow Connector 52">
+          <p:cNvPr id="177" name="Straight Arrow Connector 176">
             <a:extLst>
               <a:ext uri="{FF2B5EF4-FFF2-40B4-BE49-F238E27FC236}">
-                <a16:creationId xmlns:a16="http://schemas.microsoft.com/office/drawing/2014/main" id="{EDB49A64-92B4-4225-A4C8-53272C171545}"/>
+                <a16:creationId xmlns:a16="http://schemas.microsoft.com/office/drawing/2014/main" id="{95768217-B6A8-4CED-BC69-21D7B3B6EC18}"/>
               </a:ext>
             </a:extLst>
           </p:cNvPr>
@@ -5250,38 +6644,154 @@
         </p:nvCxnSpPr>
         <p:spPr>
           <a:xfrm>
-            <a:off x="7384045" y="3433699"/>
-            <a:ext cx="1207348" cy="0"/>
+            <a:off x="3976103" y="6056384"/>
+            <a:ext cx="4241680" cy="2966"/>
           </a:xfrm>
           <a:prstGeom prst="straightConnector1">
             <a:avLst/>
           </a:prstGeom>
           <a:ln>
-            <a:headEnd type="arrow" w="med" len="med"/>
-            <a:tailEnd type="none" w="med" len="med"/>
+            <a:tailEnd type="arrow"/>
           </a:ln>
         </p:spPr>
         <p:style>
-          <a:lnRef idx="1">
-            <a:schemeClr val="accent3"/>
+          <a:lnRef idx="2">
+            <a:schemeClr val="accent4"/>
           </a:lnRef>
           <a:fillRef idx="0">
+            <a:schemeClr val="accent4"/>
+          </a:fillRef>
+          <a:effectRef idx="1">
+            <a:schemeClr val="accent4"/>
+          </a:effectRef>
+          <a:fontRef idx="minor">
+            <a:schemeClr val="tx1"/>
+          </a:fontRef>
+        </p:style>
+      </p:cxnSp>
+      <p:sp>
+        <p:nvSpPr>
+          <p:cNvPr id="178" name="TextBox 177">
+            <a:extLst>
+              <a:ext uri="{FF2B5EF4-FFF2-40B4-BE49-F238E27FC236}">
+                <a16:creationId xmlns:a16="http://schemas.microsoft.com/office/drawing/2014/main" id="{5ED4752A-3CCE-48E8-A729-EA5D5E29C59E}"/>
+              </a:ext>
+            </a:extLst>
+          </p:cNvPr>
+          <p:cNvSpPr txBox="1"/>
+          <p:nvPr/>
+        </p:nvSpPr>
+        <p:spPr>
+          <a:xfrm>
+            <a:off x="5765955" y="5855851"/>
+            <a:ext cx="1986720" cy="153888"/>
+          </a:xfrm>
+          <a:prstGeom prst="rect">
+            <a:avLst/>
+          </a:prstGeom>
+          <a:noFill/>
+        </p:spPr>
+        <p:txBody>
+          <a:bodyPr wrap="square" lIns="0" tIns="0" rIns="0" bIns="0" rtlCol="0">
+            <a:spAutoFit/>
+          </a:bodyPr>
+          <a:lstStyle>
+            <a:defPPr>
+              <a:defRPr lang="en-US"/>
+            </a:defPPr>
+            <a:lvl1pPr algn="r">
+              <a:defRPr sz="1400">
+                <a:solidFill>
+                  <a:srgbClr val="0070C0"/>
+                </a:solidFill>
+              </a:defRPr>
+            </a:lvl1pPr>
+          </a:lstStyle>
+          <a:p>
+            <a:r>
+              <a:rPr lang="en-US" sz="1000" dirty="0" err="1">
+                <a:solidFill>
+                  <a:srgbClr val="7030A0"/>
+                </a:solidFill>
+              </a:rPr>
+              <a:t>updateTimeTable</a:t>
+            </a:r>
+            <a:r>
+              <a:rPr lang="en-US" sz="1000" dirty="0">
+                <a:solidFill>
+                  <a:srgbClr val="7030A0"/>
+                </a:solidFill>
+              </a:rPr>
+              <a:t>()</a:t>
+            </a:r>
+          </a:p>
+        </p:txBody>
+      </p:sp>
+      <p:sp>
+        <p:nvSpPr>
+          <p:cNvPr id="48" name="Rectangle 62">
+            <a:extLst>
+              <a:ext uri="{FF2B5EF4-FFF2-40B4-BE49-F238E27FC236}">
+                <a16:creationId xmlns:a16="http://schemas.microsoft.com/office/drawing/2014/main" id="{B162C5E0-F1F8-4FC2-8C22-99FE25A22EB9}"/>
+              </a:ext>
+            </a:extLst>
+          </p:cNvPr>
+          <p:cNvSpPr/>
+          <p:nvPr/>
+        </p:nvSpPr>
+        <p:spPr>
+          <a:xfrm>
+            <a:off x="6170816" y="2792480"/>
+            <a:ext cx="1125603" cy="234636"/>
+          </a:xfrm>
+          <a:prstGeom prst="rect">
+            <a:avLst/>
+          </a:prstGeom>
+          <a:ln/>
+        </p:spPr>
+        <p:style>
+          <a:lnRef idx="2">
+            <a:schemeClr val="accent3">
+              <a:shade val="50000"/>
+            </a:schemeClr>
+          </a:lnRef>
+          <a:fillRef idx="1">
             <a:schemeClr val="accent3"/>
           </a:fillRef>
           <a:effectRef idx="0">
             <a:schemeClr val="accent3"/>
           </a:effectRef>
           <a:fontRef idx="minor">
-            <a:schemeClr val="tx1"/>
+            <a:schemeClr val="lt1"/>
           </a:fontRef>
         </p:style>
-      </p:cxnSp>
+        <p:txBody>
+          <a:bodyPr rtlCol="0" anchor="ctr"/>
+          <a:lstStyle/>
+          <a:p>
+            <a:pPr algn="ctr"/>
+            <a:r>
+              <a:rPr lang="en-US" sz="1000" dirty="0" err="1">
+                <a:solidFill>
+                  <a:schemeClr val="bg1"/>
+                </a:solidFill>
+              </a:rPr>
+              <a:t>reader:ICalReader</a:t>
+            </a:r>
+            <a:endParaRPr lang="en-SG" sz="1000" dirty="0">
+              <a:solidFill>
+                <a:schemeClr val="bg1"/>
+              </a:solidFill>
+            </a:endParaRPr>
+          </a:p>
+        </p:txBody>
+      </p:sp>
       <p:cxnSp>
         <p:nvCxnSpPr>
-          <p:cNvPr id="54" name="Straight Arrow Connector 53">
+          <p:cNvPr id="183" name="Straight Arrow Connector 182">
             <a:extLst>
               <a:ext uri="{FF2B5EF4-FFF2-40B4-BE49-F238E27FC236}">
-                <a16:creationId xmlns:a16="http://schemas.microsoft.com/office/drawing/2014/main" id="{24C06B4B-5D19-4BD2-A241-73FCC7080CEE}"/>
+                <a16:creationId xmlns:a16="http://schemas.microsoft.com/office/drawing/2014/main" id="{921E88D8-30FC-46CA-BFF8-C2749419F242}"/>
               </a:ext>
             </a:extLst>
           </p:cNvPr>
@@ -5292,14 +6802,234 @@
         </p:nvCxnSpPr>
         <p:spPr>
           <a:xfrm>
-            <a:off x="7401562" y="3097937"/>
-            <a:ext cx="1082798" cy="0"/>
+            <a:off x="5496332" y="3078253"/>
+            <a:ext cx="1125606" cy="0"/>
           </a:xfrm>
           <a:prstGeom prst="straightConnector1">
             <a:avLst/>
           </a:prstGeom>
+          <a:ln w="19050">
+            <a:solidFill>
+              <a:srgbClr val="00B050"/>
+            </a:solidFill>
+            <a:prstDash val="sysDash"/>
+            <a:headEnd type="arrow" w="med" len="med"/>
+            <a:tailEnd type="none" w="med" len="med"/>
+          </a:ln>
+        </p:spPr>
+        <p:style>
+          <a:lnRef idx="1">
+            <a:schemeClr val="accent1"/>
+          </a:lnRef>
+          <a:fillRef idx="0">
+            <a:schemeClr val="accent1"/>
+          </a:fillRef>
+          <a:effectRef idx="0">
+            <a:schemeClr val="accent1"/>
+          </a:effectRef>
+          <a:fontRef idx="minor">
+            <a:schemeClr val="tx1"/>
+          </a:fontRef>
+        </p:style>
+      </p:cxnSp>
+      <p:sp>
+        <p:nvSpPr>
+          <p:cNvPr id="73" name="Rectangle 72">
+            <a:extLst>
+              <a:ext uri="{FF2B5EF4-FFF2-40B4-BE49-F238E27FC236}">
+                <a16:creationId xmlns:a16="http://schemas.microsoft.com/office/drawing/2014/main" id="{D3A06E0C-E5E8-4BBB-8758-850195761003}"/>
+              </a:ext>
+            </a:extLst>
+          </p:cNvPr>
+          <p:cNvSpPr/>
+          <p:nvPr/>
+        </p:nvSpPr>
+        <p:spPr>
+          <a:xfrm>
+            <a:off x="5392778" y="2846883"/>
+            <a:ext cx="91528" cy="1489818"/>
+          </a:xfrm>
+          <a:prstGeom prst="rect">
+            <a:avLst/>
+          </a:prstGeom>
+          <a:solidFill>
+            <a:srgbClr val="7030A0"/>
+          </a:solidFill>
           <a:ln>
-            <a:tailEnd type="arrow"/>
+            <a:solidFill>
+              <a:srgbClr val="7030A0"/>
+            </a:solidFill>
+          </a:ln>
+          <a:effectLst/>
+        </p:spPr>
+        <p:style>
+          <a:lnRef idx="1">
+            <a:schemeClr val="accent3"/>
+          </a:lnRef>
+          <a:fillRef idx="2">
+            <a:schemeClr val="accent3"/>
+          </a:fillRef>
+          <a:effectRef idx="1">
+            <a:schemeClr val="accent3"/>
+          </a:effectRef>
+          <a:fontRef idx="minor">
+            <a:schemeClr val="dk1"/>
+          </a:fontRef>
+        </p:style>
+        <p:txBody>
+          <a:bodyPr rtlCol="0" anchor="ctr"/>
+          <a:lstStyle/>
+          <a:p>
+            <a:pPr algn="ctr"/>
+            <a:endParaRPr lang="en-SG" sz="1000"/>
+          </a:p>
+        </p:txBody>
+      </p:sp>
+      <p:sp>
+        <p:nvSpPr>
+          <p:cNvPr id="78" name="TextBox 77">
+            <a:extLst>
+              <a:ext uri="{FF2B5EF4-FFF2-40B4-BE49-F238E27FC236}">
+                <a16:creationId xmlns:a16="http://schemas.microsoft.com/office/drawing/2014/main" id="{102EA1EC-C686-4BF8-A29A-C793FB71230E}"/>
+              </a:ext>
+            </a:extLst>
+          </p:cNvPr>
+          <p:cNvSpPr txBox="1"/>
+          <p:nvPr/>
+        </p:nvSpPr>
+        <p:spPr>
+          <a:xfrm>
+            <a:off x="5591587" y="2585297"/>
+            <a:ext cx="1301856" cy="153888"/>
+          </a:xfrm>
+          <a:prstGeom prst="rect">
+            <a:avLst/>
+          </a:prstGeom>
+          <a:noFill/>
+        </p:spPr>
+        <p:txBody>
+          <a:bodyPr wrap="square" lIns="0" tIns="0" rIns="0" bIns="0" rtlCol="0">
+            <a:spAutoFit/>
+          </a:bodyPr>
+          <a:lstStyle>
+            <a:defPPr>
+              <a:defRPr lang="en-US"/>
+            </a:defPPr>
+            <a:lvl1pPr algn="r">
+              <a:defRPr sz="1400">
+                <a:solidFill>
+                  <a:srgbClr val="0070C0"/>
+                </a:solidFill>
+              </a:defRPr>
+            </a:lvl1pPr>
+          </a:lstStyle>
+          <a:p>
+            <a:r>
+              <a:rPr lang="en-US" sz="1000" dirty="0" err="1">
+                <a:solidFill>
+                  <a:srgbClr val="7030A0"/>
+                </a:solidFill>
+              </a:rPr>
+              <a:t>readICalendarFromFile</a:t>
+            </a:r>
+            <a:r>
+              <a:rPr lang="en-US" sz="1000" dirty="0">
+                <a:solidFill>
+                  <a:srgbClr val="7030A0"/>
+                </a:solidFill>
+              </a:rPr>
+              <a:t>()</a:t>
+            </a:r>
+          </a:p>
+        </p:txBody>
+      </p:sp>
+      <p:sp>
+        <p:nvSpPr>
+          <p:cNvPr id="134" name="Rectangle 133">
+            <a:extLst>
+              <a:ext uri="{FF2B5EF4-FFF2-40B4-BE49-F238E27FC236}">
+                <a16:creationId xmlns:a16="http://schemas.microsoft.com/office/drawing/2014/main" id="{ED02A7EA-833A-4AC5-A4A7-29F2C285F701}"/>
+              </a:ext>
+            </a:extLst>
+          </p:cNvPr>
+          <p:cNvSpPr/>
+          <p:nvPr/>
+        </p:nvSpPr>
+        <p:spPr>
+          <a:xfrm>
+            <a:off x="4807019" y="3202754"/>
+            <a:ext cx="2245200" cy="760137"/>
+          </a:xfrm>
+          <a:prstGeom prst="rect">
+            <a:avLst/>
+          </a:prstGeom>
+          <a:noFill/>
+          <a:ln>
+            <a:solidFill>
+              <a:schemeClr val="tx1"/>
+            </a:solidFill>
+          </a:ln>
+        </p:spPr>
+        <p:style>
+          <a:lnRef idx="2">
+            <a:schemeClr val="accent1">
+              <a:shade val="50000"/>
+            </a:schemeClr>
+          </a:lnRef>
+          <a:fillRef idx="1">
+            <a:schemeClr val="accent1"/>
+          </a:fillRef>
+          <a:effectRef idx="0">
+            <a:schemeClr val="accent1"/>
+          </a:effectRef>
+          <a:fontRef idx="minor">
+            <a:schemeClr val="lt1"/>
+          </a:fontRef>
+        </p:style>
+        <p:txBody>
+          <a:bodyPr rot="0" spcFirstLastPara="0" vertOverflow="overflow" horzOverflow="overflow" vert="horz" wrap="square" lIns="91440" tIns="45720" rIns="91440" bIns="45720" numCol="1" spcCol="0" rtlCol="0" fromWordArt="0" anchor="ctr" anchorCtr="0" forceAA="0" compatLnSpc="1">
+            <a:prstTxWarp prst="textNoShape">
+              <a:avLst/>
+            </a:prstTxWarp>
+            <a:noAutofit/>
+          </a:bodyPr>
+          <a:lstStyle/>
+          <a:p>
+            <a:pPr algn="ctr"/>
+            <a:endParaRPr lang="en-SG">
+              <a:solidFill>
+                <a:prstClr val="white"/>
+              </a:solidFill>
+            </a:endParaRPr>
+          </a:p>
+        </p:txBody>
+      </p:sp>
+      <p:sp>
+        <p:nvSpPr>
+          <p:cNvPr id="84" name="Arc 83">
+            <a:extLst>
+              <a:ext uri="{FF2B5EF4-FFF2-40B4-BE49-F238E27FC236}">
+                <a16:creationId xmlns:a16="http://schemas.microsoft.com/office/drawing/2014/main" id="{92EED14A-EF5B-4A3A-9F3D-4E74BADD0D45}"/>
+              </a:ext>
+            </a:extLst>
+          </p:cNvPr>
+          <p:cNvSpPr/>
+          <p:nvPr/>
+        </p:nvSpPr>
+        <p:spPr>
+          <a:xfrm>
+            <a:off x="5372951" y="2722395"/>
+            <a:ext cx="216772" cy="124488"/>
+          </a:xfrm>
+          <a:prstGeom prst="arc">
+            <a:avLst>
+              <a:gd name="adj1" fmla="val 14866069"/>
+              <a:gd name="adj2" fmla="val 4776339"/>
+            </a:avLst>
+          </a:prstGeom>
+          <a:ln>
+            <a:headEnd type="none" w="med" len="med"/>
+            <a:tailEnd type="triangle" w="med" len="med"/>
           </a:ln>
         </p:spPr>
         <p:style>
@@ -5316,13 +7046,271 @@
             <a:schemeClr val="tx1"/>
           </a:fontRef>
         </p:style>
-      </p:cxnSp>
-      <p:sp>
-        <p:nvSpPr>
-          <p:cNvPr id="58" name="TextBox 57">
+        <p:txBody>
+          <a:bodyPr rot="0" spcFirstLastPara="0" vertOverflow="overflow" horzOverflow="overflow" vert="horz" wrap="square" lIns="91440" tIns="45720" rIns="91440" bIns="45720" numCol="1" spcCol="0" rtlCol="0" fromWordArt="0" anchor="ctr" anchorCtr="0" forceAA="0" compatLnSpc="1">
+            <a:prstTxWarp prst="textNoShape">
+              <a:avLst/>
+            </a:prstTxWarp>
+            <a:noAutofit/>
+          </a:bodyPr>
+          <a:lstStyle/>
+          <a:p>
+            <a:pPr algn="ctr" defTabSz="914357"/>
+            <a:endParaRPr lang="en-SG">
+              <a:solidFill>
+                <a:prstClr val="black"/>
+              </a:solidFill>
+            </a:endParaRPr>
+          </a:p>
+        </p:txBody>
+      </p:sp>
+      <p:sp>
+        <p:nvSpPr>
+          <p:cNvPr id="85" name="Arc 84">
             <a:extLst>
               <a:ext uri="{FF2B5EF4-FFF2-40B4-BE49-F238E27FC236}">
-                <a16:creationId xmlns:a16="http://schemas.microsoft.com/office/drawing/2014/main" id="{F366A85C-F670-4A59-B0D6-CDD556EA2E0F}"/>
+                <a16:creationId xmlns:a16="http://schemas.microsoft.com/office/drawing/2014/main" id="{D7E229E4-9C72-45A6-A4C8-0086C9C48396}"/>
+              </a:ext>
+            </a:extLst>
+          </p:cNvPr>
+          <p:cNvSpPr/>
+          <p:nvPr/>
+        </p:nvSpPr>
+        <p:spPr>
+          <a:xfrm>
+            <a:off x="5378690" y="4625027"/>
+            <a:ext cx="216772" cy="124488"/>
+          </a:xfrm>
+          <a:prstGeom prst="arc">
+            <a:avLst>
+              <a:gd name="adj1" fmla="val 14866069"/>
+              <a:gd name="adj2" fmla="val 4776339"/>
+            </a:avLst>
+          </a:prstGeom>
+          <a:ln>
+            <a:headEnd type="none" w="med" len="med"/>
+            <a:tailEnd type="triangle" w="med" len="med"/>
+          </a:ln>
+        </p:spPr>
+        <p:style>
+          <a:lnRef idx="1">
+            <a:schemeClr val="accent4"/>
+          </a:lnRef>
+          <a:fillRef idx="0">
+            <a:schemeClr val="accent4"/>
+          </a:fillRef>
+          <a:effectRef idx="0">
+            <a:schemeClr val="accent4"/>
+          </a:effectRef>
+          <a:fontRef idx="minor">
+            <a:schemeClr val="tx1"/>
+          </a:fontRef>
+        </p:style>
+        <p:txBody>
+          <a:bodyPr rot="0" spcFirstLastPara="0" vertOverflow="overflow" horzOverflow="overflow" vert="horz" wrap="square" lIns="91440" tIns="45720" rIns="91440" bIns="45720" numCol="1" spcCol="0" rtlCol="0" fromWordArt="0" anchor="ctr" anchorCtr="0" forceAA="0" compatLnSpc="1">
+            <a:prstTxWarp prst="textNoShape">
+              <a:avLst/>
+            </a:prstTxWarp>
+            <a:noAutofit/>
+          </a:bodyPr>
+          <a:lstStyle/>
+          <a:p>
+            <a:pPr algn="ctr" defTabSz="914357"/>
+            <a:endParaRPr lang="en-SG">
+              <a:solidFill>
+                <a:prstClr val="black"/>
+              </a:solidFill>
+            </a:endParaRPr>
+          </a:p>
+        </p:txBody>
+      </p:sp>
+      <p:sp>
+        <p:nvSpPr>
+          <p:cNvPr id="86" name="Rectangle 85">
+            <a:extLst>
+              <a:ext uri="{FF2B5EF4-FFF2-40B4-BE49-F238E27FC236}">
+                <a16:creationId xmlns:a16="http://schemas.microsoft.com/office/drawing/2014/main" id="{5561ECA8-14DF-41C7-B600-BB4FA6394BFE}"/>
+              </a:ext>
+            </a:extLst>
+          </p:cNvPr>
+          <p:cNvSpPr/>
+          <p:nvPr/>
+        </p:nvSpPr>
+        <p:spPr>
+          <a:xfrm>
+            <a:off x="5402537" y="4743435"/>
+            <a:ext cx="91528" cy="230533"/>
+          </a:xfrm>
+          <a:prstGeom prst="rect">
+            <a:avLst/>
+          </a:prstGeom>
+          <a:solidFill>
+            <a:srgbClr val="7030A0"/>
+          </a:solidFill>
+          <a:ln>
+            <a:solidFill>
+              <a:srgbClr val="7030A0"/>
+            </a:solidFill>
+          </a:ln>
+          <a:effectLst/>
+        </p:spPr>
+        <p:style>
+          <a:lnRef idx="1">
+            <a:schemeClr val="accent3"/>
+          </a:lnRef>
+          <a:fillRef idx="2">
+            <a:schemeClr val="accent3"/>
+          </a:fillRef>
+          <a:effectRef idx="1">
+            <a:schemeClr val="accent3"/>
+          </a:effectRef>
+          <a:fontRef idx="minor">
+            <a:schemeClr val="dk1"/>
+          </a:fontRef>
+        </p:style>
+        <p:txBody>
+          <a:bodyPr rtlCol="0" anchor="ctr"/>
+          <a:lstStyle/>
+          <a:p>
+            <a:pPr algn="ctr"/>
+            <a:endParaRPr lang="en-SG" sz="1000"/>
+          </a:p>
+        </p:txBody>
+      </p:sp>
+      <p:sp>
+        <p:nvSpPr>
+          <p:cNvPr id="88" name="Arc 87">
+            <a:extLst>
+              <a:ext uri="{FF2B5EF4-FFF2-40B4-BE49-F238E27FC236}">
+                <a16:creationId xmlns:a16="http://schemas.microsoft.com/office/drawing/2014/main" id="{BB96AD83-EE94-436C-B0D8-EF7559014B8E}"/>
+              </a:ext>
+            </a:extLst>
+          </p:cNvPr>
+          <p:cNvSpPr/>
+          <p:nvPr/>
+        </p:nvSpPr>
+        <p:spPr>
+          <a:xfrm flipV="1">
+            <a:off x="5322677" y="4900432"/>
+            <a:ext cx="292423" cy="119974"/>
+          </a:xfrm>
+          <a:prstGeom prst="arc">
+            <a:avLst>
+              <a:gd name="adj1" fmla="val 15156272"/>
+              <a:gd name="adj2" fmla="val 3736707"/>
+            </a:avLst>
+          </a:prstGeom>
+          <a:ln>
+            <a:solidFill>
+              <a:srgbClr val="7030A0"/>
+            </a:solidFill>
+            <a:prstDash val="dash"/>
+            <a:headEnd type="triangle" w="med" len="med"/>
+            <a:tailEnd type="none" w="med" len="med"/>
+          </a:ln>
+        </p:spPr>
+        <p:style>
+          <a:lnRef idx="1">
+            <a:schemeClr val="accent1"/>
+          </a:lnRef>
+          <a:fillRef idx="0">
+            <a:schemeClr val="accent1"/>
+          </a:fillRef>
+          <a:effectRef idx="0">
+            <a:schemeClr val="accent1"/>
+          </a:effectRef>
+          <a:fontRef idx="minor">
+            <a:schemeClr val="tx1"/>
+          </a:fontRef>
+        </p:style>
+        <p:txBody>
+          <a:bodyPr rot="0" spcFirstLastPara="0" vertOverflow="overflow" horzOverflow="overflow" vert="horz" wrap="square" lIns="91440" tIns="45720" rIns="91440" bIns="45720" numCol="1" spcCol="0" rtlCol="0" fromWordArt="0" anchor="ctr" anchorCtr="0" forceAA="0" compatLnSpc="1">
+            <a:prstTxWarp prst="textNoShape">
+              <a:avLst/>
+            </a:prstTxWarp>
+            <a:noAutofit/>
+          </a:bodyPr>
+          <a:lstStyle/>
+          <a:p>
+            <a:pPr algn="ctr" defTabSz="914357"/>
+            <a:endParaRPr lang="en-SG" dirty="0">
+              <a:solidFill>
+                <a:prstClr val="black"/>
+              </a:solidFill>
+            </a:endParaRPr>
+          </a:p>
+        </p:txBody>
+      </p:sp>
+      <p:sp>
+        <p:nvSpPr>
+          <p:cNvPr id="89" name="Arc 88">
+            <a:extLst>
+              <a:ext uri="{FF2B5EF4-FFF2-40B4-BE49-F238E27FC236}">
+                <a16:creationId xmlns:a16="http://schemas.microsoft.com/office/drawing/2014/main" id="{9260E25F-B6F3-4E28-AF8E-7775F564716C}"/>
+              </a:ext>
+            </a:extLst>
+          </p:cNvPr>
+          <p:cNvSpPr/>
+          <p:nvPr/>
+        </p:nvSpPr>
+        <p:spPr>
+          <a:xfrm flipV="1">
+            <a:off x="5322677" y="4334396"/>
+            <a:ext cx="292423" cy="131271"/>
+          </a:xfrm>
+          <a:prstGeom prst="arc">
+            <a:avLst>
+              <a:gd name="adj1" fmla="val 15156272"/>
+              <a:gd name="adj2" fmla="val 3736707"/>
+            </a:avLst>
+          </a:prstGeom>
+          <a:ln>
+            <a:solidFill>
+              <a:srgbClr val="7030A0"/>
+            </a:solidFill>
+            <a:prstDash val="dash"/>
+            <a:headEnd type="triangle" w="med" len="med"/>
+            <a:tailEnd type="none" w="med" len="med"/>
+          </a:ln>
+        </p:spPr>
+        <p:style>
+          <a:lnRef idx="1">
+            <a:schemeClr val="accent1"/>
+          </a:lnRef>
+          <a:fillRef idx="0">
+            <a:schemeClr val="accent1"/>
+          </a:fillRef>
+          <a:effectRef idx="0">
+            <a:schemeClr val="accent1"/>
+          </a:effectRef>
+          <a:fontRef idx="minor">
+            <a:schemeClr val="tx1"/>
+          </a:fontRef>
+        </p:style>
+        <p:txBody>
+          <a:bodyPr rot="0" spcFirstLastPara="0" vertOverflow="overflow" horzOverflow="overflow" vert="horz" wrap="square" lIns="91440" tIns="45720" rIns="91440" bIns="45720" numCol="1" spcCol="0" rtlCol="0" fromWordArt="0" anchor="ctr" anchorCtr="0" forceAA="0" compatLnSpc="1">
+            <a:prstTxWarp prst="textNoShape">
+              <a:avLst/>
+            </a:prstTxWarp>
+            <a:noAutofit/>
+          </a:bodyPr>
+          <a:lstStyle/>
+          <a:p>
+            <a:pPr algn="ctr" defTabSz="914357"/>
+            <a:endParaRPr lang="en-SG" dirty="0">
+              <a:solidFill>
+                <a:prstClr val="black"/>
+              </a:solidFill>
+            </a:endParaRPr>
+          </a:p>
+        </p:txBody>
+      </p:sp>
+      <p:sp>
+        <p:nvSpPr>
+          <p:cNvPr id="90" name="TextBox 89">
+            <a:extLst>
+              <a:ext uri="{FF2B5EF4-FFF2-40B4-BE49-F238E27FC236}">
+                <a16:creationId xmlns:a16="http://schemas.microsoft.com/office/drawing/2014/main" id="{7943AB66-08CE-417D-9251-51542AF5EB13}"/>
               </a:ext>
             </a:extLst>
           </p:cNvPr>
@@ -5331,8 +7319,8 @@
         </p:nvSpPr>
         <p:spPr>
           <a:xfrm>
-            <a:off x="7333839" y="2821318"/>
-            <a:ext cx="1268419" cy="184666"/>
+            <a:off x="5030878" y="4322672"/>
+            <a:ext cx="1100156" cy="153888"/>
           </a:xfrm>
           <a:prstGeom prst="rect">
             <a:avLst/>
@@ -5357,22 +7345,22 @@
           </a:lstStyle>
           <a:p>
             <a:r>
-              <a:rPr lang="en-US" sz="1200" dirty="0">
-                <a:solidFill>
-                  <a:srgbClr val="92D050"/>
+              <a:rPr lang="en-US" sz="1000" dirty="0">
+                <a:solidFill>
+                  <a:srgbClr val="7030A0"/>
                 </a:solidFill>
               </a:rPr>
-              <a:t>Parse(“path”).first()</a:t>
-            </a:r>
-          </a:p>
-        </p:txBody>
-      </p:sp>
-      <p:sp>
-        <p:nvSpPr>
-          <p:cNvPr id="64" name="TextBox 63">
+              <a:t>iCalendar</a:t>
+            </a:r>
+          </a:p>
+        </p:txBody>
+      </p:sp>
+      <p:sp>
+        <p:nvSpPr>
+          <p:cNvPr id="91" name="TextBox 90">
             <a:extLst>
               <a:ext uri="{FF2B5EF4-FFF2-40B4-BE49-F238E27FC236}">
-                <a16:creationId xmlns:a16="http://schemas.microsoft.com/office/drawing/2014/main" id="{161E14E9-15D9-4F17-9C2E-9D30A1E1F00F}"/>
+                <a16:creationId xmlns:a16="http://schemas.microsoft.com/office/drawing/2014/main" id="{E0CE4310-D0B9-447E-BFDC-B299C62A8ED9}"/>
               </a:ext>
             </a:extLst>
           </p:cNvPr>
@@ -5381,8 +7369,8 @@
         </p:nvSpPr>
         <p:spPr>
           <a:xfrm>
-            <a:off x="7709570" y="3218966"/>
-            <a:ext cx="706186" cy="183870"/>
+            <a:off x="5630975" y="4894600"/>
+            <a:ext cx="690789" cy="153888"/>
           </a:xfrm>
           <a:prstGeom prst="rect">
             <a:avLst/>
@@ -5406,17 +7394,1124 @@
             </a:lvl1pPr>
           </a:lstStyle>
           <a:p>
-            <a:r>
-              <a:rPr lang="en-US" sz="1200" dirty="0">
-                <a:solidFill>
-                  <a:srgbClr val="92D050"/>
+            <a:pPr algn="l"/>
+            <a:r>
+              <a:rPr lang="en-US" sz="1000" dirty="0" err="1">
+                <a:solidFill>
+                  <a:schemeClr val="accent4">
+                    <a:lumMod val="75000"/>
+                  </a:schemeClr>
                 </a:solidFill>
               </a:rPr>
-              <a:t>iCalendar</a:t>
-            </a:r>
-          </a:p>
-        </p:txBody>
-      </p:sp>
+              <a:t>timeTable</a:t>
+            </a:r>
+            <a:endParaRPr lang="en-US" sz="1000" dirty="0"/>
+          </a:p>
+        </p:txBody>
+      </p:sp>
+    </p:spTree>
+    <p:extLst>
+      <p:ext uri="{BB962C8B-B14F-4D97-AF65-F5344CB8AC3E}">
+        <p14:creationId xmlns:p14="http://schemas.microsoft.com/office/powerpoint/2010/main" val="3945898909"/>
+      </p:ext>
+    </p:extLst>
+  </p:cSld>
+  <p:clrMapOvr>
+    <a:masterClrMapping/>
+  </p:clrMapOvr>
+</p:sld>
+</file>
+
+<file path=ppt/slides/slide2.xml><?xml version="1.0" encoding="utf-8"?>
+<p:sld xmlns:a="http://schemas.openxmlformats.org/drawingml/2006/main" xmlns:r="http://schemas.openxmlformats.org/officeDocument/2006/relationships" xmlns:p="http://schemas.openxmlformats.org/presentationml/2006/main">
+  <p:cSld>
+    <p:spTree>
+      <p:nvGrpSpPr>
+        <p:cNvPr id="1" name=""/>
+        <p:cNvGrpSpPr/>
+        <p:nvPr/>
+      </p:nvGrpSpPr>
+      <p:grpSpPr>
+        <a:xfrm>
+          <a:off x="0" y="0"/>
+          <a:ext cx="0" cy="0"/>
+          <a:chOff x="0" y="0"/>
+          <a:chExt cx="0" cy="0"/>
+        </a:xfrm>
+      </p:grpSpPr>
+      <p:sp>
+        <p:nvSpPr>
+          <p:cNvPr id="52" name="Rectangle 65">
+            <a:extLst>
+              <a:ext uri="{FF2B5EF4-FFF2-40B4-BE49-F238E27FC236}">
+                <a16:creationId xmlns:a16="http://schemas.microsoft.com/office/drawing/2014/main" id="{2F435328-7A1C-413F-938B-9EBF85C73FD9}"/>
+              </a:ext>
+            </a:extLst>
+          </p:cNvPr>
+          <p:cNvSpPr/>
+          <p:nvPr/>
+        </p:nvSpPr>
+        <p:spPr>
+          <a:xfrm>
+            <a:off x="3064536" y="108278"/>
+            <a:ext cx="1453807" cy="5867396"/>
+          </a:xfrm>
+          <a:prstGeom prst="roundRect">
+            <a:avLst>
+              <a:gd name="adj" fmla="val 3484"/>
+            </a:avLst>
+          </a:prstGeom>
+          <a:solidFill>
+            <a:schemeClr val="accent3">
+              <a:lumMod val="20000"/>
+              <a:lumOff val="80000"/>
+            </a:schemeClr>
+          </a:solidFill>
+          <a:ln>
+            <a:noFill/>
+          </a:ln>
+        </p:spPr>
+        <p:style>
+          <a:lnRef idx="2">
+            <a:schemeClr val="accent3"/>
+          </a:lnRef>
+          <a:fillRef idx="1">
+            <a:schemeClr val="lt1"/>
+          </a:fillRef>
+          <a:effectRef idx="0">
+            <a:schemeClr val="accent3"/>
+          </a:effectRef>
+          <a:fontRef idx="minor">
+            <a:schemeClr val="dk1"/>
+          </a:fontRef>
+        </p:style>
+        <p:txBody>
+          <a:bodyPr rtlCol="0" anchor="t"/>
+          <a:lstStyle/>
+          <a:p>
+            <a:r>
+              <a:rPr lang="en-US" sz="1000" b="1" dirty="0">
+                <a:solidFill>
+                  <a:schemeClr val="accent3">
+                    <a:lumMod val="75000"/>
+                  </a:schemeClr>
+                </a:solidFill>
+              </a:rPr>
+              <a:t>Biweekly</a:t>
+            </a:r>
+          </a:p>
+          <a:p>
+            <a:r>
+              <a:rPr lang="en-US" sz="1000" b="1" dirty="0">
+                <a:solidFill>
+                  <a:schemeClr val="accent3">
+                    <a:lumMod val="75000"/>
+                  </a:schemeClr>
+                </a:solidFill>
+              </a:rPr>
+              <a:t>(external library)</a:t>
+            </a:r>
+            <a:endParaRPr lang="en-SG" sz="1000" b="1" dirty="0">
+              <a:solidFill>
+                <a:schemeClr val="accent3">
+                  <a:lumMod val="75000"/>
+                </a:schemeClr>
+              </a:solidFill>
+            </a:endParaRPr>
+          </a:p>
+        </p:txBody>
+      </p:sp>
+      <p:sp>
+        <p:nvSpPr>
+          <p:cNvPr id="56" name="Rectangle 65"/>
+          <p:cNvSpPr/>
+          <p:nvPr/>
+        </p:nvSpPr>
+        <p:spPr>
+          <a:xfrm>
+            <a:off x="1797842" y="108277"/>
+            <a:ext cx="1204338" cy="5867397"/>
+          </a:xfrm>
+          <a:prstGeom prst="roundRect">
+            <a:avLst>
+              <a:gd name="adj" fmla="val 3484"/>
+            </a:avLst>
+          </a:prstGeom>
+          <a:solidFill>
+            <a:schemeClr val="accent4">
+              <a:lumMod val="20000"/>
+              <a:lumOff val="80000"/>
+            </a:schemeClr>
+          </a:solidFill>
+          <a:ln w="19050">
+            <a:noFill/>
+          </a:ln>
+          <a:effectLst/>
+        </p:spPr>
+        <p:style>
+          <a:lnRef idx="1">
+            <a:schemeClr val="accent2"/>
+          </a:lnRef>
+          <a:fillRef idx="2">
+            <a:schemeClr val="accent2"/>
+          </a:fillRef>
+          <a:effectRef idx="1">
+            <a:schemeClr val="accent2"/>
+          </a:effectRef>
+          <a:fontRef idx="minor">
+            <a:schemeClr val="dk1"/>
+          </a:fontRef>
+        </p:style>
+        <p:txBody>
+          <a:bodyPr rtlCol="0" anchor="t"/>
+          <a:lstStyle/>
+          <a:p>
+            <a:r>
+              <a:rPr lang="en-US" sz="1000" b="1" dirty="0" err="1">
+                <a:solidFill>
+                  <a:srgbClr val="7030A0"/>
+                </a:solidFill>
+              </a:rPr>
+              <a:t>Util</a:t>
+            </a:r>
+            <a:endParaRPr lang="en-SG" sz="1000" b="1" dirty="0">
+              <a:solidFill>
+                <a:srgbClr val="7030A0"/>
+              </a:solidFill>
+            </a:endParaRPr>
+          </a:p>
+        </p:txBody>
+      </p:sp>
+      <p:sp>
+        <p:nvSpPr>
+          <p:cNvPr id="81" name="Rectangle 65"/>
+          <p:cNvSpPr/>
+          <p:nvPr/>
+        </p:nvSpPr>
+        <p:spPr>
+          <a:xfrm>
+            <a:off x="152400" y="152400"/>
+            <a:ext cx="1436456" cy="5823275"/>
+          </a:xfrm>
+          <a:prstGeom prst="roundRect">
+            <a:avLst>
+              <a:gd name="adj" fmla="val 3484"/>
+            </a:avLst>
+          </a:prstGeom>
+          <a:solidFill>
+            <a:schemeClr val="accent1">
+              <a:lumMod val="20000"/>
+              <a:lumOff val="80000"/>
+            </a:schemeClr>
+          </a:solidFill>
+          <a:ln w="19050">
+            <a:noFill/>
+          </a:ln>
+          <a:effectLst/>
+        </p:spPr>
+        <p:style>
+          <a:lnRef idx="1">
+            <a:schemeClr val="accent2"/>
+          </a:lnRef>
+          <a:fillRef idx="2">
+            <a:schemeClr val="accent2"/>
+          </a:fillRef>
+          <a:effectRef idx="1">
+            <a:schemeClr val="accent2"/>
+          </a:effectRef>
+          <a:fontRef idx="minor">
+            <a:schemeClr val="dk1"/>
+          </a:fontRef>
+        </p:style>
+        <p:txBody>
+          <a:bodyPr rtlCol="0" anchor="t"/>
+          <a:lstStyle/>
+          <a:p>
+            <a:r>
+              <a:rPr lang="en-US" sz="1000" b="1" dirty="0">
+                <a:solidFill>
+                  <a:srgbClr val="0070C0"/>
+                </a:solidFill>
+              </a:rPr>
+              <a:t>Logic</a:t>
+            </a:r>
+            <a:endParaRPr lang="en-SG" sz="1000" b="1" dirty="0">
+              <a:solidFill>
+                <a:srgbClr val="0070C0"/>
+              </a:solidFill>
+            </a:endParaRPr>
+          </a:p>
+        </p:txBody>
+      </p:sp>
+      <p:cxnSp>
+        <p:nvCxnSpPr>
+          <p:cNvPr id="20" name="Straight Connector 19"/>
+          <p:cNvCxnSpPr>
+            <a:cxnSpLocks/>
+            <a:stCxn id="21" idx="0"/>
+            <a:endCxn id="4" idx="0"/>
+          </p:cNvCxnSpPr>
+          <p:nvPr/>
+        </p:nvCxnSpPr>
+        <p:spPr>
+          <a:xfrm flipH="1">
+            <a:off x="898501" y="796401"/>
+            <a:ext cx="19289" cy="4597329"/>
+          </a:xfrm>
+          <a:prstGeom prst="line">
+            <a:avLst/>
+          </a:prstGeom>
+          <a:ln w="19050">
+            <a:solidFill>
+              <a:srgbClr val="0070C0"/>
+            </a:solidFill>
+            <a:prstDash val="sysDash"/>
+          </a:ln>
+          <a:effectLst/>
+        </p:spPr>
+        <p:style>
+          <a:lnRef idx="1">
+            <a:schemeClr val="accent1"/>
+          </a:lnRef>
+          <a:fillRef idx="2">
+            <a:schemeClr val="accent1"/>
+          </a:fillRef>
+          <a:effectRef idx="1">
+            <a:schemeClr val="accent1"/>
+          </a:effectRef>
+          <a:fontRef idx="minor">
+            <a:schemeClr val="dk1"/>
+          </a:fontRef>
+        </p:style>
+      </p:cxnSp>
+      <p:sp>
+        <p:nvSpPr>
+          <p:cNvPr id="21" name="Rectangle 20"/>
+          <p:cNvSpPr/>
+          <p:nvPr/>
+        </p:nvSpPr>
+        <p:spPr>
+          <a:xfrm>
+            <a:off x="841590" y="796401"/>
+            <a:ext cx="152400" cy="276003"/>
+          </a:xfrm>
+          <a:prstGeom prst="rect">
+            <a:avLst/>
+          </a:prstGeom>
+          <a:solidFill>
+            <a:srgbClr val="0070C0"/>
+          </a:solidFill>
+          <a:ln>
+            <a:solidFill>
+              <a:srgbClr val="0070C0"/>
+            </a:solidFill>
+          </a:ln>
+          <a:effectLst/>
+        </p:spPr>
+        <p:style>
+          <a:lnRef idx="1">
+            <a:schemeClr val="accent3"/>
+          </a:lnRef>
+          <a:fillRef idx="2">
+            <a:schemeClr val="accent3"/>
+          </a:fillRef>
+          <a:effectRef idx="1">
+            <a:schemeClr val="accent3"/>
+          </a:effectRef>
+          <a:fontRef idx="minor">
+            <a:schemeClr val="dk1"/>
+          </a:fontRef>
+        </p:style>
+        <p:txBody>
+          <a:bodyPr rtlCol="0" anchor="ctr"/>
+          <a:lstStyle/>
+          <a:p>
+            <a:pPr algn="ctr"/>
+            <a:endParaRPr lang="en-SG" sz="1000"/>
+          </a:p>
+        </p:txBody>
+      </p:sp>
+      <p:sp>
+        <p:nvSpPr>
+          <p:cNvPr id="29" name="TextBox 28"/>
+          <p:cNvSpPr txBox="1"/>
+          <p:nvPr/>
+        </p:nvSpPr>
+        <p:spPr>
+          <a:xfrm>
+            <a:off x="-143013" y="1152582"/>
+            <a:ext cx="855809" cy="153888"/>
+          </a:xfrm>
+          <a:prstGeom prst="rect">
+            <a:avLst/>
+          </a:prstGeom>
+          <a:noFill/>
+        </p:spPr>
+        <p:txBody>
+          <a:bodyPr wrap="square" lIns="0" tIns="0" rIns="0" bIns="0" rtlCol="0">
+            <a:spAutoFit/>
+          </a:bodyPr>
+          <a:lstStyle>
+            <a:defPPr>
+              <a:defRPr lang="en-US"/>
+            </a:defPPr>
+            <a:lvl1pPr algn="r">
+              <a:defRPr sz="1400">
+                <a:solidFill>
+                  <a:srgbClr val="0070C0"/>
+                </a:solidFill>
+              </a:defRPr>
+            </a:lvl1pPr>
+          </a:lstStyle>
+          <a:p>
+            <a:r>
+              <a:rPr lang="en-US" sz="1000" dirty="0"/>
+              <a:t>execute()</a:t>
+            </a:r>
+          </a:p>
+        </p:txBody>
+      </p:sp>
+      <p:sp>
+        <p:nvSpPr>
+          <p:cNvPr id="65" name="Rectangle 64"/>
+          <p:cNvSpPr/>
+          <p:nvPr/>
+        </p:nvSpPr>
+        <p:spPr>
+          <a:xfrm>
+            <a:off x="842745" y="1386674"/>
+            <a:ext cx="132427" cy="3966780"/>
+          </a:xfrm>
+          <a:prstGeom prst="rect">
+            <a:avLst/>
+          </a:prstGeom>
+          <a:solidFill>
+            <a:srgbClr val="0070C0"/>
+          </a:solidFill>
+          <a:ln>
+            <a:solidFill>
+              <a:srgbClr val="0070C0"/>
+            </a:solidFill>
+          </a:ln>
+          <a:effectLst/>
+        </p:spPr>
+        <p:style>
+          <a:lnRef idx="1">
+            <a:schemeClr val="accent3"/>
+          </a:lnRef>
+          <a:fillRef idx="2">
+            <a:schemeClr val="accent3"/>
+          </a:fillRef>
+          <a:effectRef idx="1">
+            <a:schemeClr val="accent3"/>
+          </a:effectRef>
+          <a:fontRef idx="minor">
+            <a:schemeClr val="dk1"/>
+          </a:fontRef>
+        </p:style>
+        <p:txBody>
+          <a:bodyPr rtlCol="0" anchor="ctr"/>
+          <a:lstStyle/>
+          <a:p>
+            <a:pPr algn="ctr"/>
+            <a:endParaRPr lang="en-SG" sz="1000"/>
+          </a:p>
+        </p:txBody>
+      </p:sp>
+      <p:sp>
+        <p:nvSpPr>
+          <p:cNvPr id="79" name="TextBox 78"/>
+          <p:cNvSpPr txBox="1"/>
+          <p:nvPr/>
+        </p:nvSpPr>
+        <p:spPr>
+          <a:xfrm>
+            <a:off x="339976" y="1346398"/>
+            <a:ext cx="1986720" cy="153888"/>
+          </a:xfrm>
+          <a:prstGeom prst="rect">
+            <a:avLst/>
+          </a:prstGeom>
+          <a:noFill/>
+        </p:spPr>
+        <p:txBody>
+          <a:bodyPr wrap="square" lIns="0" tIns="0" rIns="0" bIns="0" rtlCol="0">
+            <a:spAutoFit/>
+          </a:bodyPr>
+          <a:lstStyle>
+            <a:defPPr>
+              <a:defRPr lang="en-US"/>
+            </a:defPPr>
+            <a:lvl1pPr algn="r">
+              <a:defRPr sz="1400">
+                <a:solidFill>
+                  <a:srgbClr val="0070C0"/>
+                </a:solidFill>
+              </a:defRPr>
+            </a:lvl1pPr>
+          </a:lstStyle>
+          <a:p>
+            <a:r>
+              <a:rPr lang="en-US" sz="1000" dirty="0" err="1">
+                <a:solidFill>
+                  <a:srgbClr val="7030A0"/>
+                </a:solidFill>
+              </a:rPr>
+              <a:t>readTimeTableFromFile</a:t>
+            </a:r>
+            <a:r>
+              <a:rPr lang="en-US" sz="1000" dirty="0">
+                <a:solidFill>
+                  <a:srgbClr val="7030A0"/>
+                </a:solidFill>
+              </a:rPr>
+              <a:t>()</a:t>
+            </a:r>
+          </a:p>
+        </p:txBody>
+      </p:sp>
+      <p:sp>
+        <p:nvSpPr>
+          <p:cNvPr id="40" name="Rectangle 62"/>
+          <p:cNvSpPr/>
+          <p:nvPr/>
+        </p:nvSpPr>
+        <p:spPr>
+          <a:xfrm>
+            <a:off x="1966849" y="889666"/>
+            <a:ext cx="841636" cy="300180"/>
+          </a:xfrm>
+          <a:prstGeom prst="rect">
+            <a:avLst/>
+          </a:prstGeom>
+          <a:solidFill>
+            <a:srgbClr val="7030A0"/>
+          </a:solidFill>
+          <a:ln w="19050">
+            <a:solidFill>
+              <a:srgbClr val="7030A0"/>
+            </a:solidFill>
+          </a:ln>
+          <a:effectLst/>
+        </p:spPr>
+        <p:style>
+          <a:lnRef idx="1">
+            <a:schemeClr val="accent2"/>
+          </a:lnRef>
+          <a:fillRef idx="2">
+            <a:schemeClr val="accent2"/>
+          </a:fillRef>
+          <a:effectRef idx="1">
+            <a:schemeClr val="accent2"/>
+          </a:effectRef>
+          <a:fontRef idx="minor">
+            <a:schemeClr val="dk1"/>
+          </a:fontRef>
+        </p:style>
+        <p:txBody>
+          <a:bodyPr rtlCol="0" anchor="ctr"/>
+          <a:lstStyle/>
+          <a:p>
+            <a:pPr algn="ctr"/>
+            <a:r>
+              <a:rPr lang="en-US" sz="1000" dirty="0">
+                <a:solidFill>
+                  <a:schemeClr val="bg1"/>
+                </a:solidFill>
+              </a:rPr>
+              <a:t>:</a:t>
+            </a:r>
+            <a:r>
+              <a:rPr lang="en-US" sz="1000" dirty="0" err="1">
+                <a:solidFill>
+                  <a:schemeClr val="bg1"/>
+                </a:solidFill>
+              </a:rPr>
+              <a:t>IcsUtil</a:t>
+            </a:r>
+            <a:endParaRPr lang="en-SG" sz="1000" dirty="0">
+              <a:solidFill>
+                <a:schemeClr val="bg1"/>
+              </a:solidFill>
+            </a:endParaRPr>
+          </a:p>
+        </p:txBody>
+      </p:sp>
+      <p:cxnSp>
+        <p:nvCxnSpPr>
+          <p:cNvPr id="46" name="Straight Connector 45"/>
+          <p:cNvCxnSpPr>
+            <a:cxnSpLocks/>
+            <a:endCxn id="90" idx="0"/>
+          </p:cNvCxnSpPr>
+          <p:nvPr/>
+        </p:nvCxnSpPr>
+        <p:spPr>
+          <a:xfrm flipH="1">
+            <a:off x="2364687" y="1214681"/>
+            <a:ext cx="2" cy="4114555"/>
+          </a:xfrm>
+          <a:prstGeom prst="line">
+            <a:avLst/>
+          </a:prstGeom>
+          <a:ln w="19050">
+            <a:solidFill>
+              <a:srgbClr val="7030A0"/>
+            </a:solidFill>
+            <a:prstDash val="sysDash"/>
+          </a:ln>
+          <a:effectLst/>
+        </p:spPr>
+        <p:style>
+          <a:lnRef idx="1">
+            <a:schemeClr val="accent1"/>
+          </a:lnRef>
+          <a:fillRef idx="2">
+            <a:schemeClr val="accent1"/>
+          </a:fillRef>
+          <a:effectRef idx="1">
+            <a:schemeClr val="accent1"/>
+          </a:effectRef>
+          <a:fontRef idx="minor">
+            <a:schemeClr val="dk1"/>
+          </a:fontRef>
+        </p:style>
+      </p:cxnSp>
+      <p:sp>
+        <p:nvSpPr>
+          <p:cNvPr id="49" name="Rectangle 48"/>
+          <p:cNvSpPr/>
+          <p:nvPr/>
+        </p:nvSpPr>
+        <p:spPr>
+          <a:xfrm>
+            <a:off x="2304741" y="1520665"/>
+            <a:ext cx="124100" cy="2370832"/>
+          </a:xfrm>
+          <a:prstGeom prst="rect">
+            <a:avLst/>
+          </a:prstGeom>
+          <a:solidFill>
+            <a:srgbClr val="7030A0"/>
+          </a:solidFill>
+          <a:ln>
+            <a:solidFill>
+              <a:srgbClr val="7030A0"/>
+            </a:solidFill>
+          </a:ln>
+          <a:effectLst/>
+        </p:spPr>
+        <p:style>
+          <a:lnRef idx="1">
+            <a:schemeClr val="accent3"/>
+          </a:lnRef>
+          <a:fillRef idx="2">
+            <a:schemeClr val="accent3"/>
+          </a:fillRef>
+          <a:effectRef idx="1">
+            <a:schemeClr val="accent3"/>
+          </a:effectRef>
+          <a:fontRef idx="minor">
+            <a:schemeClr val="dk1"/>
+          </a:fontRef>
+        </p:style>
+        <p:txBody>
+          <a:bodyPr rtlCol="0" anchor="ctr"/>
+          <a:lstStyle/>
+          <a:p>
+            <a:pPr algn="ctr"/>
+            <a:endParaRPr lang="en-SG" sz="1000"/>
+          </a:p>
+        </p:txBody>
+      </p:sp>
+      <p:cxnSp>
+        <p:nvCxnSpPr>
+          <p:cNvPr id="50" name="Straight Arrow Connector 49"/>
+          <p:cNvCxnSpPr>
+            <a:cxnSpLocks/>
+          </p:cNvCxnSpPr>
+          <p:nvPr/>
+        </p:nvCxnSpPr>
+        <p:spPr>
+          <a:xfrm>
+            <a:off x="978548" y="1528764"/>
+            <a:ext cx="1320963" cy="0"/>
+          </a:xfrm>
+          <a:prstGeom prst="straightConnector1">
+            <a:avLst/>
+          </a:prstGeom>
+          <a:ln w="19050">
+            <a:solidFill>
+              <a:srgbClr val="0070C0"/>
+            </a:solidFill>
+            <a:tailEnd type="arrow"/>
+          </a:ln>
+        </p:spPr>
+        <p:style>
+          <a:lnRef idx="1">
+            <a:schemeClr val="accent1"/>
+          </a:lnRef>
+          <a:fillRef idx="0">
+            <a:schemeClr val="accent1"/>
+          </a:fillRef>
+          <a:effectRef idx="0">
+            <a:schemeClr val="accent1"/>
+          </a:effectRef>
+          <a:fontRef idx="minor">
+            <a:schemeClr val="tx1"/>
+          </a:fontRef>
+        </p:style>
+      </p:cxnSp>
+      <p:sp>
+        <p:nvSpPr>
+          <p:cNvPr id="4" name="TextBox 3"/>
+          <p:cNvSpPr txBox="1"/>
+          <p:nvPr/>
+        </p:nvSpPr>
+        <p:spPr>
+          <a:xfrm>
+            <a:off x="769299" y="5393730"/>
+            <a:ext cx="258404" cy="246221"/>
+          </a:xfrm>
+          <a:prstGeom prst="rect">
+            <a:avLst/>
+          </a:prstGeom>
+          <a:noFill/>
+        </p:spPr>
+        <p:txBody>
+          <a:bodyPr wrap="square" rtlCol="0">
+            <a:spAutoFit/>
+          </a:bodyPr>
+          <a:lstStyle/>
+          <a:p>
+            <a:r>
+              <a:rPr lang="en-SG" sz="1000" dirty="0">
+                <a:solidFill>
+                  <a:srgbClr val="002060"/>
+                </a:solidFill>
+              </a:rPr>
+              <a:t>X</a:t>
+            </a:r>
+          </a:p>
+        </p:txBody>
+      </p:sp>
+      <p:sp>
+        <p:nvSpPr>
+          <p:cNvPr id="19" name="Rectangle 62"/>
+          <p:cNvSpPr/>
+          <p:nvPr/>
+        </p:nvSpPr>
+        <p:spPr>
+          <a:xfrm>
+            <a:off x="351684" y="443036"/>
+            <a:ext cx="1093635" cy="461538"/>
+          </a:xfrm>
+          <a:prstGeom prst="rect">
+            <a:avLst/>
+          </a:prstGeom>
+          <a:solidFill>
+            <a:srgbClr val="0070C0"/>
+          </a:solidFill>
+          <a:ln w="19050">
+            <a:solidFill>
+              <a:srgbClr val="0070C0"/>
+            </a:solidFill>
+          </a:ln>
+          <a:effectLst/>
+        </p:spPr>
+        <p:style>
+          <a:lnRef idx="1">
+            <a:schemeClr val="accent2"/>
+          </a:lnRef>
+          <a:fillRef idx="2">
+            <a:schemeClr val="accent2"/>
+          </a:fillRef>
+          <a:effectRef idx="1">
+            <a:schemeClr val="accent2"/>
+          </a:effectRef>
+          <a:fontRef idx="minor">
+            <a:schemeClr val="dk1"/>
+          </a:fontRef>
+        </p:style>
+        <p:txBody>
+          <a:bodyPr rtlCol="0" anchor="ctr"/>
+          <a:lstStyle/>
+          <a:p>
+            <a:pPr algn="ctr"/>
+            <a:r>
+              <a:rPr lang="en-US" sz="1000" dirty="0">
+                <a:solidFill>
+                  <a:schemeClr val="bg1"/>
+                </a:solidFill>
+              </a:rPr>
+              <a:t>i:Import</a:t>
+            </a:r>
+            <a:br>
+              <a:rPr lang="en-US" sz="1000" dirty="0">
+                <a:solidFill>
+                  <a:schemeClr val="bg1"/>
+                </a:solidFill>
+              </a:rPr>
+            </a:br>
+            <a:r>
+              <a:rPr lang="en-US" sz="1000" dirty="0">
+                <a:solidFill>
+                  <a:schemeClr val="bg1"/>
+                </a:solidFill>
+              </a:rPr>
+              <a:t>Command</a:t>
+            </a:r>
+            <a:endParaRPr lang="en-SG" sz="1000" dirty="0">
+              <a:solidFill>
+                <a:schemeClr val="bg1"/>
+              </a:solidFill>
+            </a:endParaRPr>
+          </a:p>
+        </p:txBody>
+      </p:sp>
+      <p:cxnSp>
+        <p:nvCxnSpPr>
+          <p:cNvPr id="66" name="Straight Arrow Connector 65">
+            <a:extLst>
+              <a:ext uri="{FF2B5EF4-FFF2-40B4-BE49-F238E27FC236}">
+                <a16:creationId xmlns:a16="http://schemas.microsoft.com/office/drawing/2014/main" id="{39916E2E-195A-4DC8-B025-B05FA87E6796}"/>
+              </a:ext>
+            </a:extLst>
+          </p:cNvPr>
+          <p:cNvCxnSpPr>
+            <a:cxnSpLocks/>
+          </p:cNvCxnSpPr>
+          <p:nvPr/>
+        </p:nvCxnSpPr>
+        <p:spPr>
+          <a:xfrm>
+            <a:off x="-1645452" y="1386674"/>
+            <a:ext cx="2470871" cy="0"/>
+          </a:xfrm>
+          <a:prstGeom prst="straightConnector1">
+            <a:avLst/>
+          </a:prstGeom>
+          <a:ln w="19050">
+            <a:solidFill>
+              <a:srgbClr val="0070C0"/>
+            </a:solidFill>
+            <a:tailEnd type="arrow"/>
+          </a:ln>
+        </p:spPr>
+        <p:style>
+          <a:lnRef idx="1">
+            <a:schemeClr val="accent1"/>
+          </a:lnRef>
+          <a:fillRef idx="0">
+            <a:schemeClr val="accent1"/>
+          </a:fillRef>
+          <a:effectRef idx="0">
+            <a:schemeClr val="accent1"/>
+          </a:effectRef>
+          <a:fontRef idx="minor">
+            <a:schemeClr val="tx1"/>
+          </a:fontRef>
+        </p:style>
+      </p:cxnSp>
+      <p:cxnSp>
+        <p:nvCxnSpPr>
+          <p:cNvPr id="63" name="Straight Arrow Connector 62">
+            <a:extLst>
+              <a:ext uri="{FF2B5EF4-FFF2-40B4-BE49-F238E27FC236}">
+                <a16:creationId xmlns:a16="http://schemas.microsoft.com/office/drawing/2014/main" id="{7C9F21BC-13A9-471F-825A-2621FD36355F}"/>
+              </a:ext>
+            </a:extLst>
+          </p:cNvPr>
+          <p:cNvCxnSpPr>
+            <a:cxnSpLocks/>
+          </p:cNvCxnSpPr>
+          <p:nvPr/>
+        </p:nvCxnSpPr>
+        <p:spPr>
+          <a:xfrm>
+            <a:off x="931307" y="3891497"/>
+            <a:ext cx="1410511" cy="0"/>
+          </a:xfrm>
+          <a:prstGeom prst="straightConnector1">
+            <a:avLst/>
+          </a:prstGeom>
+          <a:ln w="19050">
+            <a:solidFill>
+              <a:srgbClr val="7030A0"/>
+            </a:solidFill>
+            <a:prstDash val="sysDash"/>
+            <a:headEnd type="arrow" w="med" len="med"/>
+            <a:tailEnd type="none" w="med" len="med"/>
+          </a:ln>
+        </p:spPr>
+        <p:style>
+          <a:lnRef idx="1">
+            <a:schemeClr val="accent1"/>
+          </a:lnRef>
+          <a:fillRef idx="0">
+            <a:schemeClr val="accent1"/>
+          </a:fillRef>
+          <a:effectRef idx="0">
+            <a:schemeClr val="accent1"/>
+          </a:effectRef>
+          <a:fontRef idx="minor">
+            <a:schemeClr val="tx1"/>
+          </a:fontRef>
+        </p:style>
+      </p:cxnSp>
+      <p:sp>
+        <p:nvSpPr>
+          <p:cNvPr id="47" name="TextBox 46">
+            <a:extLst>
+              <a:ext uri="{FF2B5EF4-FFF2-40B4-BE49-F238E27FC236}">
+                <a16:creationId xmlns:a16="http://schemas.microsoft.com/office/drawing/2014/main" id="{4E0763EA-F75D-4820-AA86-3AA4736053D6}"/>
+              </a:ext>
+            </a:extLst>
+          </p:cNvPr>
+          <p:cNvSpPr txBox="1"/>
+          <p:nvPr/>
+        </p:nvSpPr>
+        <p:spPr>
+          <a:xfrm>
+            <a:off x="272496" y="3712057"/>
+            <a:ext cx="1461481" cy="153888"/>
+          </a:xfrm>
+          <a:prstGeom prst="rect">
+            <a:avLst/>
+          </a:prstGeom>
+          <a:noFill/>
+        </p:spPr>
+        <p:txBody>
+          <a:bodyPr wrap="square" lIns="0" tIns="0" rIns="0" bIns="0" rtlCol="0">
+            <a:spAutoFit/>
+          </a:bodyPr>
+          <a:lstStyle>
+            <a:defPPr>
+              <a:defRPr lang="en-US"/>
+            </a:defPPr>
+            <a:lvl1pPr algn="r">
+              <a:defRPr sz="1400">
+                <a:solidFill>
+                  <a:srgbClr val="0070C0"/>
+                </a:solidFill>
+              </a:defRPr>
+            </a:lvl1pPr>
+          </a:lstStyle>
+          <a:p>
+            <a:r>
+              <a:rPr lang="en-US" sz="1000" dirty="0" err="1">
+                <a:solidFill>
+                  <a:schemeClr val="accent4">
+                    <a:lumMod val="75000"/>
+                  </a:schemeClr>
+                </a:solidFill>
+              </a:rPr>
+              <a:t>TimeTable</a:t>
+            </a:r>
+            <a:endParaRPr lang="en-US" sz="1000" dirty="0"/>
+          </a:p>
+        </p:txBody>
+      </p:sp>
+      <p:sp>
+        <p:nvSpPr>
+          <p:cNvPr id="48" name="Rectangle 62">
+            <a:extLst>
+              <a:ext uri="{FF2B5EF4-FFF2-40B4-BE49-F238E27FC236}">
+                <a16:creationId xmlns:a16="http://schemas.microsoft.com/office/drawing/2014/main" id="{B162C5E0-F1F8-4FC2-8C22-99FE25A22EB9}"/>
+              </a:ext>
+            </a:extLst>
+          </p:cNvPr>
+          <p:cNvSpPr/>
+          <p:nvPr/>
+        </p:nvSpPr>
+        <p:spPr>
+          <a:xfrm>
+            <a:off x="3139707" y="1427815"/>
+            <a:ext cx="1125603" cy="300180"/>
+          </a:xfrm>
+          <a:prstGeom prst="rect">
+            <a:avLst/>
+          </a:prstGeom>
+          <a:ln/>
+        </p:spPr>
+        <p:style>
+          <a:lnRef idx="2">
+            <a:schemeClr val="accent3">
+              <a:shade val="50000"/>
+            </a:schemeClr>
+          </a:lnRef>
+          <a:fillRef idx="1">
+            <a:schemeClr val="accent3"/>
+          </a:fillRef>
+          <a:effectRef idx="0">
+            <a:schemeClr val="accent3"/>
+          </a:effectRef>
+          <a:fontRef idx="minor">
+            <a:schemeClr val="lt1"/>
+          </a:fontRef>
+        </p:style>
+        <p:txBody>
+          <a:bodyPr rtlCol="0" anchor="ctr"/>
+          <a:lstStyle/>
+          <a:p>
+            <a:pPr algn="ctr"/>
+            <a:r>
+              <a:rPr lang="en-US" sz="1000" dirty="0" err="1">
+                <a:solidFill>
+                  <a:schemeClr val="bg1"/>
+                </a:solidFill>
+              </a:rPr>
+              <a:t>reader:ICalReader</a:t>
+            </a:r>
+            <a:endParaRPr lang="en-SG" sz="1000" dirty="0">
+              <a:solidFill>
+                <a:schemeClr val="bg1"/>
+              </a:solidFill>
+            </a:endParaRPr>
+          </a:p>
+        </p:txBody>
+      </p:sp>
+      <p:cxnSp>
+        <p:nvCxnSpPr>
+          <p:cNvPr id="54" name="Straight Arrow Connector 53">
+            <a:extLst>
+              <a:ext uri="{FF2B5EF4-FFF2-40B4-BE49-F238E27FC236}">
+                <a16:creationId xmlns:a16="http://schemas.microsoft.com/office/drawing/2014/main" id="{24C06B4B-5D19-4BD2-A241-73FCC7080CEE}"/>
+              </a:ext>
+            </a:extLst>
+          </p:cNvPr>
+          <p:cNvCxnSpPr>
+            <a:cxnSpLocks/>
+          </p:cNvCxnSpPr>
+          <p:nvPr/>
+        </p:nvCxnSpPr>
+        <p:spPr>
+          <a:xfrm flipV="1">
+            <a:off x="2432508" y="3283410"/>
+            <a:ext cx="1204126" cy="5064"/>
+          </a:xfrm>
+          <a:prstGeom prst="straightConnector1">
+            <a:avLst/>
+          </a:prstGeom>
+          <a:ln>
+            <a:tailEnd type="arrow"/>
+          </a:ln>
+        </p:spPr>
+        <p:style>
+          <a:lnRef idx="2">
+            <a:schemeClr val="accent4"/>
+          </a:lnRef>
+          <a:fillRef idx="0">
+            <a:schemeClr val="accent4"/>
+          </a:fillRef>
+          <a:effectRef idx="1">
+            <a:schemeClr val="accent4"/>
+          </a:effectRef>
+          <a:fontRef idx="minor">
+            <a:schemeClr val="tx1"/>
+          </a:fontRef>
+        </p:style>
+      </p:cxnSp>
+      <p:sp>
+        <p:nvSpPr>
+          <p:cNvPr id="64" name="TextBox 63">
+            <a:extLst>
+              <a:ext uri="{FF2B5EF4-FFF2-40B4-BE49-F238E27FC236}">
+                <a16:creationId xmlns:a16="http://schemas.microsoft.com/office/drawing/2014/main" id="{161E14E9-15D9-4F17-9C2E-9D30A1E1F00F}"/>
+              </a:ext>
+            </a:extLst>
+          </p:cNvPr>
+          <p:cNvSpPr txBox="1"/>
+          <p:nvPr/>
+        </p:nvSpPr>
+        <p:spPr>
+          <a:xfrm>
+            <a:off x="2085673" y="2215094"/>
+            <a:ext cx="1100156" cy="153888"/>
+          </a:xfrm>
+          <a:prstGeom prst="rect">
+            <a:avLst/>
+          </a:prstGeom>
+          <a:noFill/>
+        </p:spPr>
+        <p:txBody>
+          <a:bodyPr wrap="square" lIns="0" tIns="0" rIns="0" bIns="0" rtlCol="0">
+            <a:spAutoFit/>
+          </a:bodyPr>
+          <a:lstStyle>
+            <a:defPPr>
+              <a:defRPr lang="en-US"/>
+            </a:defPPr>
+            <a:lvl1pPr algn="r">
+              <a:defRPr sz="1400">
+                <a:solidFill>
+                  <a:srgbClr val="0070C0"/>
+                </a:solidFill>
+              </a:defRPr>
+            </a:lvl1pPr>
+          </a:lstStyle>
+          <a:p>
+            <a:r>
+              <a:rPr lang="en-US" sz="1000" dirty="0" err="1">
+                <a:solidFill>
+                  <a:srgbClr val="00B050"/>
+                </a:solidFill>
+              </a:rPr>
+              <a:t>ICalendar</a:t>
+            </a:r>
+            <a:endParaRPr lang="en-US" sz="1000" dirty="0">
+              <a:solidFill>
+                <a:srgbClr val="00B050"/>
+              </a:solidFill>
+            </a:endParaRPr>
+          </a:p>
+        </p:txBody>
+      </p:sp>
+      <p:cxnSp>
+        <p:nvCxnSpPr>
+          <p:cNvPr id="61" name="Straight Connector 60">
+            <a:extLst>
+              <a:ext uri="{FF2B5EF4-FFF2-40B4-BE49-F238E27FC236}">
+                <a16:creationId xmlns:a16="http://schemas.microsoft.com/office/drawing/2014/main" id="{665F269D-4FCA-41D3-9372-202CCFC9DA83}"/>
+              </a:ext>
+            </a:extLst>
+          </p:cNvPr>
+          <p:cNvCxnSpPr>
+            <a:cxnSpLocks/>
+          </p:cNvCxnSpPr>
+          <p:nvPr/>
+        </p:nvCxnSpPr>
+        <p:spPr>
+          <a:xfrm flipH="1">
+            <a:off x="3662743" y="1774344"/>
+            <a:ext cx="1" cy="667792"/>
+          </a:xfrm>
+          <a:prstGeom prst="line">
+            <a:avLst/>
+          </a:prstGeom>
+          <a:ln w="19050">
+            <a:solidFill>
+              <a:srgbClr val="92D050"/>
+            </a:solidFill>
+            <a:prstDash val="sysDash"/>
+          </a:ln>
+          <a:effectLst/>
+        </p:spPr>
+        <p:style>
+          <a:lnRef idx="1">
+            <a:schemeClr val="accent1"/>
+          </a:lnRef>
+          <a:fillRef idx="2">
+            <a:schemeClr val="accent1"/>
+          </a:fillRef>
+          <a:effectRef idx="1">
+            <a:schemeClr val="accent1"/>
+          </a:effectRef>
+          <a:fontRef idx="minor">
+            <a:schemeClr val="dk1"/>
+          </a:fontRef>
+        </p:style>
+      </p:cxnSp>
       <p:grpSp>
         <p:nvGrpSpPr>
           <p:cNvPr id="55" name="Group 54">
@@ -5431,7 +8526,7 @@
         </p:nvGrpSpPr>
         <p:grpSpPr>
           <a:xfrm flipH="1">
-            <a:off x="7338309" y="3565395"/>
+            <a:off x="2378382" y="3379941"/>
             <a:ext cx="217349" cy="270072"/>
             <a:chOff x="1028134" y="5612032"/>
             <a:chExt cx="217349" cy="270072"/>
@@ -5506,8 +8601,7 @@
                 </a:path>
               </a:pathLst>
             </a:custGeom>
-            <a:grpFill/>
-            <a:ln w="19050">
+            <a:ln>
               <a:solidFill>
                 <a:srgbClr val="7030A0"/>
               </a:solidFill>
@@ -5517,13 +8611,13 @@
           </p:spPr>
           <p:style>
             <a:lnRef idx="1">
-              <a:schemeClr val="accent1"/>
+              <a:schemeClr val="accent4"/>
             </a:lnRef>
             <a:fillRef idx="0">
-              <a:schemeClr val="accent1"/>
+              <a:schemeClr val="accent4"/>
             </a:fillRef>
             <a:effectRef idx="0">
-              <a:schemeClr val="accent1"/>
+              <a:schemeClr val="accent4"/>
             </a:effectRef>
             <a:fontRef idx="minor">
               <a:schemeClr val="tx1"/>
@@ -5534,7 +8628,7 @@
             <a:lstStyle/>
             <a:p>
               <a:pPr algn="ctr"/>
-              <a:endParaRPr lang="en-SG"/>
+              <a:endParaRPr lang="en-SG" sz="1000"/>
             </a:p>
           </p:txBody>
         </p:sp>
@@ -5558,26 +8652,27 @@
             <a:prstGeom prst="rect">
               <a:avLst/>
             </a:prstGeom>
-            <a:grpFill/>
+            <a:solidFill>
+              <a:schemeClr val="accent4"/>
+            </a:solidFill>
             <a:ln>
               <a:solidFill>
                 <a:srgbClr val="7030A0"/>
               </a:solidFill>
             </a:ln>
-            <a:effectLst/>
           </p:spPr>
           <p:style>
-            <a:lnRef idx="1">
-              <a:schemeClr val="accent3"/>
+            <a:lnRef idx="0">
+              <a:scrgbClr r="0" g="0" b="0"/>
             </a:lnRef>
-            <a:fillRef idx="2">
-              <a:schemeClr val="accent3"/>
+            <a:fillRef idx="0">
+              <a:scrgbClr r="0" g="0" b="0"/>
             </a:fillRef>
-            <a:effectRef idx="1">
-              <a:schemeClr val="accent3"/>
+            <a:effectRef idx="0">
+              <a:scrgbClr r="0" g="0" b="0"/>
             </a:effectRef>
             <a:fontRef idx="minor">
-              <a:schemeClr val="dk1"/>
+              <a:schemeClr val="lt1"/>
             </a:fontRef>
           </p:style>
           <p:txBody>
@@ -5585,7 +8680,7 @@
             <a:lstStyle/>
             <a:p>
               <a:pPr algn="ctr"/>
-              <a:endParaRPr lang="en-SG" sz="1400">
+              <a:endParaRPr lang="en-SG" sz="1000">
                 <a:solidFill>
                   <a:schemeClr val="dk1"/>
                 </a:solidFill>
@@ -5594,51 +8689,6 @@
           </p:txBody>
         </p:sp>
       </p:grpSp>
-      <p:cxnSp>
-        <p:nvCxnSpPr>
-          <p:cNvPr id="61" name="Straight Connector 60">
-            <a:extLst>
-              <a:ext uri="{FF2B5EF4-FFF2-40B4-BE49-F238E27FC236}">
-                <a16:creationId xmlns:a16="http://schemas.microsoft.com/office/drawing/2014/main" id="{665F269D-4FCA-41D3-9372-202CCFC9DA83}"/>
-              </a:ext>
-            </a:extLst>
-          </p:cNvPr>
-          <p:cNvCxnSpPr>
-            <a:cxnSpLocks/>
-          </p:cNvCxnSpPr>
-          <p:nvPr/>
-        </p:nvCxnSpPr>
-        <p:spPr>
-          <a:xfrm flipH="1">
-            <a:off x="8616561" y="2733868"/>
-            <a:ext cx="3959" cy="1735710"/>
-          </a:xfrm>
-          <a:prstGeom prst="line">
-            <a:avLst/>
-          </a:prstGeom>
-          <a:ln w="19050">
-            <a:solidFill>
-              <a:srgbClr val="92D050"/>
-            </a:solidFill>
-            <a:prstDash val="sysDash"/>
-          </a:ln>
-          <a:effectLst/>
-        </p:spPr>
-        <p:style>
-          <a:lnRef idx="1">
-            <a:schemeClr val="accent1"/>
-          </a:lnRef>
-          <a:fillRef idx="2">
-            <a:schemeClr val="accent1"/>
-          </a:fillRef>
-          <a:effectRef idx="1">
-            <a:schemeClr val="accent1"/>
-          </a:effectRef>
-          <a:fontRef idx="minor">
-            <a:schemeClr val="dk1"/>
-          </a:fontRef>
-        </p:style>
-      </p:cxnSp>
       <p:sp>
         <p:nvSpPr>
           <p:cNvPr id="62" name="TextBox 61">
@@ -5653,8 +8703,8 @@
         </p:nvSpPr>
         <p:spPr>
           <a:xfrm>
-            <a:off x="7622649" y="3516070"/>
-            <a:ext cx="844340" cy="738664"/>
+            <a:off x="2606670" y="3366925"/>
+            <a:ext cx="844340" cy="461665"/>
           </a:xfrm>
           <a:prstGeom prst="rect">
             <a:avLst/>
@@ -5680,7 +8730,7 @@
           <a:p>
             <a:pPr algn="l"/>
             <a:r>
-              <a:rPr lang="en-US" sz="1200" dirty="0">
+              <a:rPr lang="en-US" sz="1000" dirty="0">
                 <a:solidFill>
                   <a:schemeClr val="accent4">
                     <a:lumMod val="75000"/>
@@ -5693,30 +8743,30 @@
           <a:p>
             <a:pPr algn="l"/>
             <a:r>
-              <a:rPr lang="en-US" sz="1200" dirty="0">
+              <a:rPr lang="en-US" sz="1000" dirty="0" err="1">
                 <a:solidFill>
                   <a:schemeClr val="accent4">
                     <a:lumMod val="75000"/>
                   </a:schemeClr>
                 </a:solidFill>
               </a:rPr>
-              <a:t>iCalendar to</a:t>
-            </a:r>
-          </a:p>
-          <a:p>
-            <a:pPr algn="l"/>
-            <a:r>
-              <a:rPr lang="en-US" sz="1200" dirty="0">
+              <a:t>ICalendar</a:t>
+            </a:r>
+            <a:r>
+              <a:rPr lang="en-US" sz="1000" dirty="0">
                 <a:solidFill>
                   <a:schemeClr val="accent4">
                     <a:lumMod val="75000"/>
                   </a:schemeClr>
                 </a:solidFill>
               </a:rPr>
-              <a:t>Optional &lt;</a:t>
-            </a:r>
-            <a:r>
-              <a:rPr lang="en-US" sz="1200" dirty="0" err="1">
+              <a:t> to</a:t>
+            </a:r>
+          </a:p>
+          <a:p>
+            <a:pPr algn="l"/>
+            <a:r>
+              <a:rPr lang="en-US" sz="1000" dirty="0" err="1">
                 <a:solidFill>
                   <a:schemeClr val="accent4">
                     <a:lumMod val="75000"/>
@@ -5725,24 +8775,1189 @@
               </a:rPr>
               <a:t>TimeTable</a:t>
             </a:r>
-            <a:r>
-              <a:rPr lang="en-US" sz="1200" dirty="0">
+            <a:endParaRPr lang="en-US" sz="1000" dirty="0"/>
+          </a:p>
+        </p:txBody>
+      </p:sp>
+      <p:sp>
+        <p:nvSpPr>
+          <p:cNvPr id="51" name="Rectangle 50">
+            <a:extLst>
+              <a:ext uri="{FF2B5EF4-FFF2-40B4-BE49-F238E27FC236}">
+                <a16:creationId xmlns:a16="http://schemas.microsoft.com/office/drawing/2014/main" id="{344ED7CF-94AA-4508-B87E-3854DCB91178}"/>
+              </a:ext>
+            </a:extLst>
+          </p:cNvPr>
+          <p:cNvSpPr/>
+          <p:nvPr/>
+        </p:nvSpPr>
+        <p:spPr>
+          <a:xfrm>
+            <a:off x="3606803" y="1833231"/>
+            <a:ext cx="121889" cy="1450180"/>
+          </a:xfrm>
+          <a:prstGeom prst="rect">
+            <a:avLst/>
+          </a:prstGeom>
+          <a:ln/>
+        </p:spPr>
+        <p:style>
+          <a:lnRef idx="2">
+            <a:schemeClr val="accent3">
+              <a:shade val="50000"/>
+            </a:schemeClr>
+          </a:lnRef>
+          <a:fillRef idx="1">
+            <a:schemeClr val="accent3"/>
+          </a:fillRef>
+          <a:effectRef idx="0">
+            <a:schemeClr val="accent3"/>
+          </a:effectRef>
+          <a:fontRef idx="minor">
+            <a:schemeClr val="lt1"/>
+          </a:fontRef>
+        </p:style>
+        <p:txBody>
+          <a:bodyPr rtlCol="0" anchor="ctr"/>
+          <a:lstStyle/>
+          <a:p>
+            <a:pPr algn="ctr"/>
+            <a:endParaRPr lang="en-SG" sz="1000"/>
+          </a:p>
+        </p:txBody>
+      </p:sp>
+      <p:sp>
+        <p:nvSpPr>
+          <p:cNvPr id="87" name="TextBox 86">
+            <a:extLst>
+              <a:ext uri="{FF2B5EF4-FFF2-40B4-BE49-F238E27FC236}">
+                <a16:creationId xmlns:a16="http://schemas.microsoft.com/office/drawing/2014/main" id="{BBB34413-BBA5-46AB-B4ED-C1365B5A1C84}"/>
+              </a:ext>
+            </a:extLst>
+          </p:cNvPr>
+          <p:cNvSpPr txBox="1"/>
+          <p:nvPr/>
+        </p:nvSpPr>
+        <p:spPr>
+          <a:xfrm>
+            <a:off x="3570428" y="3167711"/>
+            <a:ext cx="135965" cy="246221"/>
+          </a:xfrm>
+          <a:prstGeom prst="rect">
+            <a:avLst/>
+          </a:prstGeom>
+          <a:noFill/>
+        </p:spPr>
+        <p:txBody>
+          <a:bodyPr wrap="square" rtlCol="0">
+            <a:spAutoFit/>
+          </a:bodyPr>
+          <a:lstStyle/>
+          <a:p>
+            <a:r>
+              <a:rPr lang="en-SG" sz="1000" dirty="0">
+                <a:solidFill>
+                  <a:srgbClr val="00B050"/>
+                </a:solidFill>
+              </a:rPr>
+              <a:t>X</a:t>
+            </a:r>
+          </a:p>
+        </p:txBody>
+      </p:sp>
+      <p:sp>
+        <p:nvSpPr>
+          <p:cNvPr id="90" name="TextBox 89">
+            <a:extLst>
+              <a:ext uri="{FF2B5EF4-FFF2-40B4-BE49-F238E27FC236}">
+                <a16:creationId xmlns:a16="http://schemas.microsoft.com/office/drawing/2014/main" id="{D6C7AB63-3457-465B-8778-9C931B143EB2}"/>
+              </a:ext>
+            </a:extLst>
+          </p:cNvPr>
+          <p:cNvSpPr txBox="1"/>
+          <p:nvPr/>
+        </p:nvSpPr>
+        <p:spPr>
+          <a:xfrm>
+            <a:off x="2235485" y="5329236"/>
+            <a:ext cx="258404" cy="246221"/>
+          </a:xfrm>
+          <a:prstGeom prst="rect">
+            <a:avLst/>
+          </a:prstGeom>
+          <a:noFill/>
+        </p:spPr>
+        <p:txBody>
+          <a:bodyPr wrap="square" rtlCol="0">
+            <a:spAutoFit/>
+          </a:bodyPr>
+          <a:lstStyle/>
+          <a:p>
+            <a:r>
+              <a:rPr lang="en-SG" sz="1000" dirty="0">
+                <a:solidFill>
+                  <a:srgbClr val="002060"/>
+                </a:solidFill>
+              </a:rPr>
+              <a:t>X</a:t>
+            </a:r>
+          </a:p>
+        </p:txBody>
+      </p:sp>
+      <p:sp>
+        <p:nvSpPr>
+          <p:cNvPr id="106" name="Rectangle 65">
+            <a:extLst>
+              <a:ext uri="{FF2B5EF4-FFF2-40B4-BE49-F238E27FC236}">
+                <a16:creationId xmlns:a16="http://schemas.microsoft.com/office/drawing/2014/main" id="{3E1DAF94-1D61-440D-BC9A-F1830FC5BB69}"/>
+              </a:ext>
+            </a:extLst>
+          </p:cNvPr>
+          <p:cNvSpPr/>
+          <p:nvPr/>
+        </p:nvSpPr>
+        <p:spPr>
+          <a:xfrm>
+            <a:off x="6161019" y="108278"/>
+            <a:ext cx="1453807" cy="5867396"/>
+          </a:xfrm>
+          <a:prstGeom prst="roundRect">
+            <a:avLst>
+              <a:gd name="adj" fmla="val 3484"/>
+            </a:avLst>
+          </a:prstGeom>
+          <a:solidFill>
+            <a:schemeClr val="bg1">
+              <a:lumMod val="95000"/>
+            </a:schemeClr>
+          </a:solidFill>
+          <a:ln>
+            <a:solidFill>
+              <a:srgbClr val="FFC000"/>
+            </a:solidFill>
+          </a:ln>
+        </p:spPr>
+        <p:style>
+          <a:lnRef idx="3">
+            <a:schemeClr val="lt1"/>
+          </a:lnRef>
+          <a:fillRef idx="1">
+            <a:schemeClr val="accent6"/>
+          </a:fillRef>
+          <a:effectRef idx="1">
+            <a:schemeClr val="accent6"/>
+          </a:effectRef>
+          <a:fontRef idx="minor">
+            <a:schemeClr val="lt1"/>
+          </a:fontRef>
+        </p:style>
+        <p:txBody>
+          <a:bodyPr rtlCol="0" anchor="t"/>
+          <a:lstStyle/>
+          <a:p>
+            <a:r>
+              <a:rPr lang="en-US" sz="1000" b="1" dirty="0" err="1">
+                <a:solidFill>
+                  <a:schemeClr val="accent6">
+                    <a:lumMod val="75000"/>
+                  </a:schemeClr>
+                </a:solidFill>
+              </a:rPr>
+              <a:t>ICalReader</a:t>
+            </a:r>
+            <a:endParaRPr lang="en-US" sz="1000" b="1" dirty="0">
+              <a:solidFill>
+                <a:schemeClr val="accent6">
+                  <a:lumMod val="75000"/>
+                </a:schemeClr>
+              </a:solidFill>
+            </a:endParaRPr>
+          </a:p>
+          <a:p>
+            <a:r>
+              <a:rPr lang="en-US" sz="1000" b="1" dirty="0">
+                <a:solidFill>
+                  <a:schemeClr val="accent6">
+                    <a:lumMod val="75000"/>
+                  </a:schemeClr>
+                </a:solidFill>
+              </a:rPr>
+              <a:t>(From Biweekly external library)</a:t>
+            </a:r>
+            <a:endParaRPr lang="en-SG" sz="1000" b="1" dirty="0">
+              <a:solidFill>
+                <a:schemeClr val="accent6">
+                  <a:lumMod val="75000"/>
+                </a:schemeClr>
+              </a:solidFill>
+            </a:endParaRPr>
+          </a:p>
+        </p:txBody>
+      </p:sp>
+      <p:sp>
+        <p:nvSpPr>
+          <p:cNvPr id="107" name="Rectangle 62">
+            <a:extLst>
+              <a:ext uri="{FF2B5EF4-FFF2-40B4-BE49-F238E27FC236}">
+                <a16:creationId xmlns:a16="http://schemas.microsoft.com/office/drawing/2014/main" id="{9FFF50BA-C6F9-4F2D-AD56-7D7E11632858}"/>
+              </a:ext>
+            </a:extLst>
+          </p:cNvPr>
+          <p:cNvSpPr/>
+          <p:nvPr/>
+        </p:nvSpPr>
+        <p:spPr>
+          <a:xfrm>
+            <a:off x="6271887" y="2874664"/>
+            <a:ext cx="986640" cy="300180"/>
+          </a:xfrm>
+          <a:prstGeom prst="rect">
+            <a:avLst/>
+          </a:prstGeom>
+          <a:solidFill>
+            <a:schemeClr val="accent6">
+              <a:lumMod val="75000"/>
+            </a:schemeClr>
+          </a:solidFill>
+          <a:ln>
+            <a:solidFill>
+              <a:srgbClr val="FFC000"/>
+            </a:solidFill>
+          </a:ln>
+        </p:spPr>
+        <p:style>
+          <a:lnRef idx="3">
+            <a:schemeClr val="lt1"/>
+          </a:lnRef>
+          <a:fillRef idx="1">
+            <a:schemeClr val="accent6"/>
+          </a:fillRef>
+          <a:effectRef idx="1">
+            <a:schemeClr val="accent6"/>
+          </a:effectRef>
+          <a:fontRef idx="minor">
+            <a:schemeClr val="lt1"/>
+          </a:fontRef>
+        </p:style>
+        <p:txBody>
+          <a:bodyPr rtlCol="0" anchor="ctr"/>
+          <a:lstStyle/>
+          <a:p>
+            <a:pPr algn="ctr"/>
+            <a:r>
+              <a:rPr lang="en-US" sz="1000" dirty="0">
+                <a:solidFill>
+                  <a:schemeClr val="bg1"/>
+                </a:solidFill>
+              </a:rPr>
+              <a:t>:Biweekly</a:t>
+            </a:r>
+            <a:endParaRPr lang="en-SG" sz="1000" dirty="0">
+              <a:solidFill>
+                <a:schemeClr val="bg1"/>
+              </a:solidFill>
+            </a:endParaRPr>
+          </a:p>
+        </p:txBody>
+      </p:sp>
+      <p:cxnSp>
+        <p:nvCxnSpPr>
+          <p:cNvPr id="108" name="Straight Connector 107">
+            <a:extLst>
+              <a:ext uri="{FF2B5EF4-FFF2-40B4-BE49-F238E27FC236}">
+                <a16:creationId xmlns:a16="http://schemas.microsoft.com/office/drawing/2014/main" id="{38159163-0F0B-40A4-AA34-018612B60B13}"/>
+              </a:ext>
+            </a:extLst>
+          </p:cNvPr>
+          <p:cNvCxnSpPr>
+            <a:cxnSpLocks/>
+          </p:cNvCxnSpPr>
+          <p:nvPr/>
+        </p:nvCxnSpPr>
+        <p:spPr>
+          <a:xfrm flipH="1">
+            <a:off x="6794921" y="3221193"/>
+            <a:ext cx="1" cy="250755"/>
+          </a:xfrm>
+          <a:prstGeom prst="line">
+            <a:avLst/>
+          </a:prstGeom>
+          <a:ln>
+            <a:solidFill>
+              <a:srgbClr val="FFC000"/>
+            </a:solidFill>
+          </a:ln>
+        </p:spPr>
+        <p:style>
+          <a:lnRef idx="3">
+            <a:schemeClr val="lt1"/>
+          </a:lnRef>
+          <a:fillRef idx="1">
+            <a:schemeClr val="accent6"/>
+          </a:fillRef>
+          <a:effectRef idx="1">
+            <a:schemeClr val="accent6"/>
+          </a:effectRef>
+          <a:fontRef idx="minor">
+            <a:schemeClr val="lt1"/>
+          </a:fontRef>
+        </p:style>
+      </p:cxnSp>
+      <p:sp>
+        <p:nvSpPr>
+          <p:cNvPr id="109" name="Rectangle 108">
+            <a:extLst>
+              <a:ext uri="{FF2B5EF4-FFF2-40B4-BE49-F238E27FC236}">
+                <a16:creationId xmlns:a16="http://schemas.microsoft.com/office/drawing/2014/main" id="{6107E978-7851-41F2-A7DE-BF40392185B3}"/>
+              </a:ext>
+            </a:extLst>
+          </p:cNvPr>
+          <p:cNvSpPr/>
+          <p:nvPr/>
+        </p:nvSpPr>
+        <p:spPr>
+          <a:xfrm>
+            <a:off x="6738982" y="3280080"/>
+            <a:ext cx="121889" cy="147370"/>
+          </a:xfrm>
+          <a:prstGeom prst="rect">
+            <a:avLst/>
+          </a:prstGeom>
+          <a:solidFill>
+            <a:schemeClr val="bg1">
+              <a:lumMod val="95000"/>
+            </a:schemeClr>
+          </a:solidFill>
+          <a:ln>
+            <a:solidFill>
+              <a:srgbClr val="FFC000"/>
+            </a:solidFill>
+          </a:ln>
+        </p:spPr>
+        <p:style>
+          <a:lnRef idx="3">
+            <a:schemeClr val="lt1"/>
+          </a:lnRef>
+          <a:fillRef idx="1">
+            <a:schemeClr val="accent6"/>
+          </a:fillRef>
+          <a:effectRef idx="1">
+            <a:schemeClr val="accent6"/>
+          </a:effectRef>
+          <a:fontRef idx="minor">
+            <a:schemeClr val="lt1"/>
+          </a:fontRef>
+        </p:style>
+        <p:txBody>
+          <a:bodyPr rtlCol="0" anchor="ctr"/>
+          <a:lstStyle/>
+          <a:p>
+            <a:pPr algn="ctr"/>
+            <a:endParaRPr lang="en-SG" sz="1000"/>
+          </a:p>
+        </p:txBody>
+      </p:sp>
+      <p:sp>
+        <p:nvSpPr>
+          <p:cNvPr id="111" name="TextBox 110">
+            <a:extLst>
+              <a:ext uri="{FF2B5EF4-FFF2-40B4-BE49-F238E27FC236}">
+                <a16:creationId xmlns:a16="http://schemas.microsoft.com/office/drawing/2014/main" id="{83DC9987-73B3-48A8-8ECD-E11BBCA1B085}"/>
+              </a:ext>
+            </a:extLst>
+          </p:cNvPr>
+          <p:cNvSpPr txBox="1"/>
+          <p:nvPr/>
+        </p:nvSpPr>
+        <p:spPr>
+          <a:xfrm>
+            <a:off x="6665719" y="3379191"/>
+            <a:ext cx="258404" cy="246221"/>
+          </a:xfrm>
+          <a:prstGeom prst="rect">
+            <a:avLst/>
+          </a:prstGeom>
+          <a:noFill/>
+        </p:spPr>
+        <p:txBody>
+          <a:bodyPr wrap="square" rtlCol="0">
+            <a:spAutoFit/>
+          </a:bodyPr>
+          <a:lstStyle/>
+          <a:p>
+            <a:r>
+              <a:rPr lang="en-SG" sz="1000" dirty="0">
+                <a:solidFill>
+                  <a:srgbClr val="00B050"/>
+                </a:solidFill>
+              </a:rPr>
+              <a:t>X</a:t>
+            </a:r>
+          </a:p>
+        </p:txBody>
+      </p:sp>
+      <p:cxnSp>
+        <p:nvCxnSpPr>
+          <p:cNvPr id="123" name="Straight Arrow Connector 122">
+            <a:extLst>
+              <a:ext uri="{FF2B5EF4-FFF2-40B4-BE49-F238E27FC236}">
+                <a16:creationId xmlns:a16="http://schemas.microsoft.com/office/drawing/2014/main" id="{F2E32D0F-5B92-4A97-A8FE-1C6D3ED041AF}"/>
+              </a:ext>
+            </a:extLst>
+          </p:cNvPr>
+          <p:cNvCxnSpPr>
+            <a:cxnSpLocks/>
+          </p:cNvCxnSpPr>
+          <p:nvPr/>
+        </p:nvCxnSpPr>
+        <p:spPr>
+          <a:xfrm>
+            <a:off x="2449077" y="2407730"/>
+            <a:ext cx="1125606" cy="0"/>
+          </a:xfrm>
+          <a:prstGeom prst="straightConnector1">
+            <a:avLst/>
+          </a:prstGeom>
+          <a:ln w="19050">
+            <a:solidFill>
+              <a:srgbClr val="00B050"/>
+            </a:solidFill>
+            <a:prstDash val="sysDash"/>
+            <a:headEnd type="arrow" w="med" len="med"/>
+            <a:tailEnd type="none" w="med" len="med"/>
+          </a:ln>
+        </p:spPr>
+        <p:style>
+          <a:lnRef idx="1">
+            <a:schemeClr val="accent1"/>
+          </a:lnRef>
+          <a:fillRef idx="0">
+            <a:schemeClr val="accent1"/>
+          </a:fillRef>
+          <a:effectRef idx="0">
+            <a:schemeClr val="accent1"/>
+          </a:effectRef>
+          <a:fontRef idx="minor">
+            <a:schemeClr val="tx1"/>
+          </a:fontRef>
+        </p:style>
+      </p:cxnSp>
+      <p:cxnSp>
+        <p:nvCxnSpPr>
+          <p:cNvPr id="130" name="Straight Arrow Connector 129">
+            <a:extLst>
+              <a:ext uri="{FF2B5EF4-FFF2-40B4-BE49-F238E27FC236}">
+                <a16:creationId xmlns:a16="http://schemas.microsoft.com/office/drawing/2014/main" id="{7EB5B30B-319E-42A5-B7B2-05AEA54BB48D}"/>
+              </a:ext>
+            </a:extLst>
+          </p:cNvPr>
+          <p:cNvCxnSpPr>
+            <a:cxnSpLocks/>
+          </p:cNvCxnSpPr>
+          <p:nvPr/>
+        </p:nvCxnSpPr>
+        <p:spPr>
+          <a:xfrm flipV="1">
+            <a:off x="2440639" y="1565225"/>
+            <a:ext cx="699068" cy="11764"/>
+          </a:xfrm>
+          <a:prstGeom prst="straightConnector1">
+            <a:avLst/>
+          </a:prstGeom>
+          <a:ln>
+            <a:tailEnd type="arrow"/>
+          </a:ln>
+        </p:spPr>
+        <p:style>
+          <a:lnRef idx="2">
+            <a:schemeClr val="accent4"/>
+          </a:lnRef>
+          <a:fillRef idx="0">
+            <a:schemeClr val="accent4"/>
+          </a:fillRef>
+          <a:effectRef idx="1">
+            <a:schemeClr val="accent4"/>
+          </a:effectRef>
+          <a:fontRef idx="minor">
+            <a:schemeClr val="tx1"/>
+          </a:fontRef>
+        </p:style>
+      </p:cxnSp>
+      <p:sp>
+        <p:nvSpPr>
+          <p:cNvPr id="132" name="TextBox 131">
+            <a:extLst>
+              <a:ext uri="{FF2B5EF4-FFF2-40B4-BE49-F238E27FC236}">
+                <a16:creationId xmlns:a16="http://schemas.microsoft.com/office/drawing/2014/main" id="{2706F72E-B125-4C99-A677-E915CE6DC291}"/>
+              </a:ext>
+            </a:extLst>
+          </p:cNvPr>
+          <p:cNvSpPr txBox="1"/>
+          <p:nvPr/>
+        </p:nvSpPr>
+        <p:spPr>
+          <a:xfrm>
+            <a:off x="2684094" y="3104109"/>
+            <a:ext cx="807111" cy="153888"/>
+          </a:xfrm>
+          <a:prstGeom prst="rect">
+            <a:avLst/>
+          </a:prstGeom>
+          <a:noFill/>
+        </p:spPr>
+        <p:txBody>
+          <a:bodyPr wrap="square" lIns="0" tIns="0" rIns="0" bIns="0" rtlCol="0">
+            <a:spAutoFit/>
+          </a:bodyPr>
+          <a:lstStyle>
+            <a:defPPr>
+              <a:defRPr lang="en-US"/>
+            </a:defPPr>
+            <a:lvl1pPr algn="r">
+              <a:defRPr sz="1400">
+                <a:solidFill>
+                  <a:srgbClr val="0070C0"/>
+                </a:solidFill>
+              </a:defRPr>
+            </a:lvl1pPr>
+          </a:lstStyle>
+          <a:p>
+            <a:r>
+              <a:rPr lang="en-US" sz="1000" dirty="0" err="1">
+                <a:solidFill>
+                  <a:srgbClr val="00B050"/>
+                </a:solidFill>
+              </a:rPr>
+              <a:t>Reader.close</a:t>
+            </a:r>
+            <a:r>
+              <a:rPr lang="en-US" sz="1000" dirty="0">
+                <a:solidFill>
+                  <a:srgbClr val="00B050"/>
+                </a:solidFill>
+              </a:rPr>
+              <a:t>()</a:t>
+            </a:r>
+          </a:p>
+        </p:txBody>
+      </p:sp>
+      <p:sp>
+        <p:nvSpPr>
+          <p:cNvPr id="134" name="Rectangle 133">
+            <a:extLst>
+              <a:ext uri="{FF2B5EF4-FFF2-40B4-BE49-F238E27FC236}">
+                <a16:creationId xmlns:a16="http://schemas.microsoft.com/office/drawing/2014/main" id="{ED02A7EA-833A-4AC5-A4A7-29F2C285F701}"/>
+              </a:ext>
+            </a:extLst>
+          </p:cNvPr>
+          <p:cNvSpPr/>
+          <p:nvPr/>
+        </p:nvSpPr>
+        <p:spPr>
+          <a:xfrm>
+            <a:off x="1421860" y="1919546"/>
+            <a:ext cx="2582720" cy="1181676"/>
+          </a:xfrm>
+          <a:prstGeom prst="rect">
+            <a:avLst/>
+          </a:prstGeom>
+          <a:noFill/>
+          <a:ln>
+            <a:solidFill>
+              <a:schemeClr val="tx1"/>
+            </a:solidFill>
+          </a:ln>
+        </p:spPr>
+        <p:style>
+          <a:lnRef idx="2">
+            <a:schemeClr val="accent1">
+              <a:shade val="50000"/>
+            </a:schemeClr>
+          </a:lnRef>
+          <a:fillRef idx="1">
+            <a:schemeClr val="accent1"/>
+          </a:fillRef>
+          <a:effectRef idx="0">
+            <a:schemeClr val="accent1"/>
+          </a:effectRef>
+          <a:fontRef idx="minor">
+            <a:schemeClr val="lt1"/>
+          </a:fontRef>
+        </p:style>
+        <p:txBody>
+          <a:bodyPr rot="0" spcFirstLastPara="0" vertOverflow="overflow" horzOverflow="overflow" vert="horz" wrap="square" lIns="91440" tIns="45720" rIns="91440" bIns="45720" numCol="1" spcCol="0" rtlCol="0" fromWordArt="0" anchor="ctr" anchorCtr="0" forceAA="0" compatLnSpc="1">
+            <a:prstTxWarp prst="textNoShape">
+              <a:avLst/>
+            </a:prstTxWarp>
+            <a:noAutofit/>
+          </a:bodyPr>
+          <a:lstStyle/>
+          <a:p>
+            <a:pPr algn="ctr"/>
+            <a:endParaRPr lang="en-SG">
+              <a:solidFill>
+                <a:prstClr val="white"/>
+              </a:solidFill>
+            </a:endParaRPr>
+          </a:p>
+        </p:txBody>
+      </p:sp>
+      <p:grpSp>
+        <p:nvGrpSpPr>
+          <p:cNvPr id="135" name="Group 134">
+            <a:extLst>
+              <a:ext uri="{FF2B5EF4-FFF2-40B4-BE49-F238E27FC236}">
+                <a16:creationId xmlns:a16="http://schemas.microsoft.com/office/drawing/2014/main" id="{7B6AC147-E8B6-4BCD-84D4-9D828AA76736}"/>
+              </a:ext>
+            </a:extLst>
+          </p:cNvPr>
+          <p:cNvGrpSpPr/>
+          <p:nvPr/>
+        </p:nvGrpSpPr>
+        <p:grpSpPr>
+          <a:xfrm>
+            <a:off x="1440993" y="1896005"/>
+            <a:ext cx="443540" cy="246221"/>
+            <a:chOff x="425947" y="3397974"/>
+            <a:chExt cx="642354" cy="283853"/>
+          </a:xfrm>
+        </p:grpSpPr>
+        <p:sp>
+          <p:nvSpPr>
+            <p:cNvPr id="136" name="Snip Single Corner Rectangle 174">
+              <a:extLst>
+                <a:ext uri="{FF2B5EF4-FFF2-40B4-BE49-F238E27FC236}">
+                  <a16:creationId xmlns:a16="http://schemas.microsoft.com/office/drawing/2014/main" id="{FF38DABF-8B03-4548-8065-E0BE4BA28490}"/>
+                </a:ext>
+              </a:extLst>
+            </p:cNvPr>
+            <p:cNvSpPr/>
+            <p:nvPr/>
+          </p:nvSpPr>
+          <p:spPr>
+            <a:xfrm flipV="1">
+              <a:off x="425947" y="3421793"/>
+              <a:ext cx="526428" cy="241818"/>
+            </a:xfrm>
+            <a:prstGeom prst="snip1Rect">
+              <a:avLst/>
+            </a:prstGeom>
+            <a:noFill/>
+            <a:ln>
+              <a:solidFill>
+                <a:schemeClr val="tx1"/>
+              </a:solidFill>
+            </a:ln>
+          </p:spPr>
+          <p:style>
+            <a:lnRef idx="2">
+              <a:schemeClr val="accent1">
+                <a:shade val="50000"/>
+              </a:schemeClr>
+            </a:lnRef>
+            <a:fillRef idx="1">
+              <a:schemeClr val="accent1"/>
+            </a:fillRef>
+            <a:effectRef idx="0">
+              <a:schemeClr val="accent1"/>
+            </a:effectRef>
+            <a:fontRef idx="minor">
+              <a:schemeClr val="lt1"/>
+            </a:fontRef>
+          </p:style>
+          <p:txBody>
+            <a:bodyPr rot="0" spcFirstLastPara="0" vertOverflow="overflow" horzOverflow="overflow" vert="horz" wrap="square" lIns="91440" tIns="45720" rIns="91440" bIns="45720" numCol="1" spcCol="0" rtlCol="0" fromWordArt="0" anchor="ctr" anchorCtr="0" forceAA="0" compatLnSpc="1">
+              <a:prstTxWarp prst="textNoShape">
+                <a:avLst/>
+              </a:prstTxWarp>
+              <a:noAutofit/>
+              <a:scene3d>
+                <a:camera prst="orthographicFront">
+                  <a:rot lat="0" lon="0" rev="10800000"/>
+                </a:camera>
+                <a:lightRig rig="threePt" dir="t"/>
+              </a:scene3d>
+            </a:bodyPr>
+            <a:lstStyle/>
+            <a:p>
+              <a:pPr algn="ctr"/>
+              <a:endParaRPr lang="en-SG" dirty="0">
+                <a:solidFill>
+                  <a:prstClr val="black"/>
+                </a:solidFill>
+              </a:endParaRPr>
+            </a:p>
+          </p:txBody>
+        </p:sp>
+        <p:sp>
+          <p:nvSpPr>
+            <p:cNvPr id="137" name="TextBox 136">
+              <a:extLst>
+                <a:ext uri="{FF2B5EF4-FFF2-40B4-BE49-F238E27FC236}">
+                  <a16:creationId xmlns:a16="http://schemas.microsoft.com/office/drawing/2014/main" id="{8E68B518-E0BF-4E1E-AD93-3BD7CBC3BE4A}"/>
+                </a:ext>
+              </a:extLst>
+            </p:cNvPr>
+            <p:cNvSpPr txBox="1"/>
+            <p:nvPr/>
+          </p:nvSpPr>
+          <p:spPr>
+            <a:xfrm>
+              <a:off x="426394" y="3397974"/>
+              <a:ext cx="641907" cy="283853"/>
+            </a:xfrm>
+            <a:prstGeom prst="rect">
+              <a:avLst/>
+            </a:prstGeom>
+            <a:noFill/>
+          </p:spPr>
+          <p:txBody>
+            <a:bodyPr wrap="square" rtlCol="0">
+              <a:spAutoFit/>
+            </a:bodyPr>
+            <a:lstStyle/>
+            <a:p>
+              <a:r>
+                <a:rPr lang="en-US" sz="1000" dirty="0">
+                  <a:solidFill>
+                    <a:prstClr val="black"/>
+                  </a:solidFill>
+                </a:rPr>
+                <a:t>loop</a:t>
+              </a:r>
+              <a:endParaRPr lang="en-SG" sz="1000" dirty="0">
+                <a:solidFill>
+                  <a:prstClr val="black"/>
+                </a:solidFill>
+              </a:endParaRPr>
+            </a:p>
+          </p:txBody>
+        </p:sp>
+      </p:grpSp>
+      <p:sp>
+        <p:nvSpPr>
+          <p:cNvPr id="138" name="TextBox 137">
+            <a:extLst>
+              <a:ext uri="{FF2B5EF4-FFF2-40B4-BE49-F238E27FC236}">
+                <a16:creationId xmlns:a16="http://schemas.microsoft.com/office/drawing/2014/main" id="{230CA9F9-2DDE-4BC7-8A97-406FE2ABCB4D}"/>
+              </a:ext>
+            </a:extLst>
+          </p:cNvPr>
+          <p:cNvSpPr txBox="1"/>
+          <p:nvPr/>
+        </p:nvSpPr>
+        <p:spPr>
+          <a:xfrm>
+            <a:off x="1416345" y="2165137"/>
+            <a:ext cx="898271" cy="707886"/>
+          </a:xfrm>
+          <a:prstGeom prst="rect">
+            <a:avLst/>
+          </a:prstGeom>
+          <a:noFill/>
+        </p:spPr>
+        <p:txBody>
+          <a:bodyPr wrap="square" rtlCol="0">
+            <a:spAutoFit/>
+          </a:bodyPr>
+          <a:lstStyle/>
+          <a:p>
+            <a:r>
+              <a:rPr lang="en-US" sz="1000" dirty="0">
+                <a:solidFill>
+                  <a:prstClr val="black"/>
+                </a:solidFill>
+              </a:rPr>
+              <a:t>[until all </a:t>
+            </a:r>
+            <a:r>
+              <a:rPr lang="en-US" sz="1000" dirty="0" err="1">
+                <a:solidFill>
+                  <a:prstClr val="black"/>
+                </a:solidFill>
+              </a:rPr>
+              <a:t>ICalendar</a:t>
+            </a:r>
+            <a:r>
+              <a:rPr lang="en-US" sz="1000" dirty="0">
+                <a:solidFill>
+                  <a:prstClr val="black"/>
+                </a:solidFill>
+              </a:rPr>
+              <a:t> objects are read]</a:t>
+            </a:r>
+            <a:endParaRPr lang="en-SG" sz="1000" dirty="0">
+              <a:solidFill>
+                <a:prstClr val="black"/>
+              </a:solidFill>
+            </a:endParaRPr>
+          </a:p>
+        </p:txBody>
+      </p:sp>
+      <p:cxnSp>
+        <p:nvCxnSpPr>
+          <p:cNvPr id="139" name="Straight Arrow Connector 138">
+            <a:extLst>
+              <a:ext uri="{FF2B5EF4-FFF2-40B4-BE49-F238E27FC236}">
+                <a16:creationId xmlns:a16="http://schemas.microsoft.com/office/drawing/2014/main" id="{0AA0C631-733D-481C-9EDD-C44165BE79B6}"/>
+              </a:ext>
+            </a:extLst>
+          </p:cNvPr>
+          <p:cNvCxnSpPr>
+            <a:cxnSpLocks/>
+          </p:cNvCxnSpPr>
+          <p:nvPr/>
+        </p:nvCxnSpPr>
+        <p:spPr>
+          <a:xfrm>
+            <a:off x="2449077" y="2136643"/>
+            <a:ext cx="1150310" cy="11411"/>
+          </a:xfrm>
+          <a:prstGeom prst="straightConnector1">
+            <a:avLst/>
+          </a:prstGeom>
+          <a:ln>
+            <a:tailEnd type="arrow"/>
+          </a:ln>
+        </p:spPr>
+        <p:style>
+          <a:lnRef idx="2">
+            <a:schemeClr val="accent4"/>
+          </a:lnRef>
+          <a:fillRef idx="0">
+            <a:schemeClr val="accent4"/>
+          </a:fillRef>
+          <a:effectRef idx="1">
+            <a:schemeClr val="accent4"/>
+          </a:effectRef>
+          <a:fontRef idx="minor">
+            <a:schemeClr val="tx1"/>
+          </a:fontRef>
+        </p:style>
+      </p:cxnSp>
+      <p:sp>
+        <p:nvSpPr>
+          <p:cNvPr id="140" name="TextBox 139">
+            <a:extLst>
+              <a:ext uri="{FF2B5EF4-FFF2-40B4-BE49-F238E27FC236}">
+                <a16:creationId xmlns:a16="http://schemas.microsoft.com/office/drawing/2014/main" id="{7B002CEF-C0B8-4E46-A38F-FF82E67CFC10}"/>
+              </a:ext>
+            </a:extLst>
+          </p:cNvPr>
+          <p:cNvSpPr txBox="1"/>
+          <p:nvPr/>
+        </p:nvSpPr>
+        <p:spPr>
+          <a:xfrm>
+            <a:off x="2522429" y="1968753"/>
+            <a:ext cx="955173" cy="153888"/>
+          </a:xfrm>
+          <a:prstGeom prst="rect">
+            <a:avLst/>
+          </a:prstGeom>
+          <a:noFill/>
+        </p:spPr>
+        <p:txBody>
+          <a:bodyPr wrap="square" lIns="0" tIns="0" rIns="0" bIns="0" rtlCol="0">
+            <a:spAutoFit/>
+          </a:bodyPr>
+          <a:lstStyle>
+            <a:defPPr>
+              <a:defRPr lang="en-US"/>
+            </a:defPPr>
+            <a:lvl1pPr algn="r">
+              <a:defRPr sz="1400">
+                <a:solidFill>
+                  <a:srgbClr val="0070C0"/>
+                </a:solidFill>
+              </a:defRPr>
+            </a:lvl1pPr>
+          </a:lstStyle>
+          <a:p>
+            <a:r>
+              <a:rPr lang="en-US" sz="1000" dirty="0" err="1">
+                <a:solidFill>
+                  <a:srgbClr val="00B050"/>
+                </a:solidFill>
+              </a:rPr>
+              <a:t>reader.readNext</a:t>
+            </a:r>
+            <a:r>
+              <a:rPr lang="en-US" sz="1000" dirty="0">
+                <a:solidFill>
+                  <a:srgbClr val="00B050"/>
+                </a:solidFill>
+              </a:rPr>
+              <a:t>()</a:t>
+            </a:r>
+          </a:p>
+        </p:txBody>
+      </p:sp>
+      <p:grpSp>
+        <p:nvGrpSpPr>
+          <p:cNvPr id="77" name="Group 76">
+            <a:extLst>
+              <a:ext uri="{FF2B5EF4-FFF2-40B4-BE49-F238E27FC236}">
+                <a16:creationId xmlns:a16="http://schemas.microsoft.com/office/drawing/2014/main" id="{B0AEAE9A-0C9F-47E4-9983-830B033E297A}"/>
+              </a:ext>
+            </a:extLst>
+          </p:cNvPr>
+          <p:cNvGrpSpPr/>
+          <p:nvPr/>
+        </p:nvGrpSpPr>
+        <p:grpSpPr>
+          <a:xfrm flipH="1">
+            <a:off x="2393957" y="2517436"/>
+            <a:ext cx="217349" cy="270072"/>
+            <a:chOff x="1028134" y="5612032"/>
+            <a:chExt cx="217349" cy="270072"/>
+          </a:xfrm>
+          <a:noFill/>
+        </p:grpSpPr>
+        <p:sp>
+          <p:nvSpPr>
+            <p:cNvPr id="78" name="Freeform 58">
+              <a:extLst>
+                <a:ext uri="{FF2B5EF4-FFF2-40B4-BE49-F238E27FC236}">
+                  <a16:creationId xmlns:a16="http://schemas.microsoft.com/office/drawing/2014/main" id="{D76C460A-6744-4B9A-994D-CD1634827EAE}"/>
+                </a:ext>
+              </a:extLst>
+            </p:cNvPr>
+            <p:cNvSpPr/>
+            <p:nvPr/>
+          </p:nvSpPr>
+          <p:spPr>
+            <a:xfrm rot="2600998" flipH="1" flipV="1">
+              <a:off x="1028134" y="5612032"/>
+              <a:ext cx="167452" cy="116880"/>
+            </a:xfrm>
+            <a:custGeom>
+              <a:avLst/>
+              <a:gdLst>
+                <a:gd name="connsiteX0" fmla="*/ 0 w 226400"/>
+                <a:gd name="connsiteY0" fmla="*/ 32920 h 171466"/>
+                <a:gd name="connsiteX1" fmla="*/ 157018 w 226400"/>
+                <a:gd name="connsiteY1" fmla="*/ 5211 h 171466"/>
+                <a:gd name="connsiteX2" fmla="*/ 221673 w 226400"/>
+                <a:gd name="connsiteY2" fmla="*/ 125284 h 171466"/>
+                <a:gd name="connsiteX3" fmla="*/ 36945 w 226400"/>
+                <a:gd name="connsiteY3" fmla="*/ 171466 h 171466"/>
+              </a:gdLst>
+              <a:ahLst/>
+              <a:cxnLst>
+                <a:cxn ang="0">
+                  <a:pos x="connsiteX0" y="connsiteY0"/>
+                </a:cxn>
+                <a:cxn ang="0">
+                  <a:pos x="connsiteX1" y="connsiteY1"/>
+                </a:cxn>
+                <a:cxn ang="0">
+                  <a:pos x="connsiteX2" y="connsiteY2"/>
+                </a:cxn>
+                <a:cxn ang="0">
+                  <a:pos x="connsiteX3" y="connsiteY3"/>
+                </a:cxn>
+              </a:cxnLst>
+              <a:rect l="l" t="t" r="r" b="b"/>
+              <a:pathLst>
+                <a:path w="226400" h="171466">
+                  <a:moveTo>
+                    <a:pt x="0" y="32920"/>
+                  </a:moveTo>
+                  <a:cubicBezTo>
+                    <a:pt x="60036" y="11368"/>
+                    <a:pt x="120073" y="-10183"/>
+                    <a:pt x="157018" y="5211"/>
+                  </a:cubicBezTo>
+                  <a:cubicBezTo>
+                    <a:pt x="193963" y="20605"/>
+                    <a:pt x="241685" y="97575"/>
+                    <a:pt x="221673" y="125284"/>
+                  </a:cubicBezTo>
+                  <a:cubicBezTo>
+                    <a:pt x="201661" y="152993"/>
+                    <a:pt x="119303" y="162229"/>
+                    <a:pt x="36945" y="171466"/>
+                  </a:cubicBezTo>
+                </a:path>
+              </a:pathLst>
+            </a:custGeom>
+            <a:ln>
+              <a:solidFill>
+                <a:srgbClr val="7030A0"/>
+              </a:solidFill>
+              <a:headEnd type="arrow" w="med" len="med"/>
+              <a:tailEnd type="none" w="med" len="med"/>
+            </a:ln>
+          </p:spPr>
+          <p:style>
+            <a:lnRef idx="1">
+              <a:schemeClr val="accent4"/>
+            </a:lnRef>
+            <a:fillRef idx="0">
+              <a:schemeClr val="accent4"/>
+            </a:fillRef>
+            <a:effectRef idx="0">
+              <a:schemeClr val="accent4"/>
+            </a:effectRef>
+            <a:fontRef idx="minor">
+              <a:schemeClr val="tx1"/>
+            </a:fontRef>
+          </p:style>
+          <p:txBody>
+            <a:bodyPr rtlCol="0" anchor="ctr"/>
+            <a:lstStyle/>
+            <a:p>
+              <a:pPr algn="ctr"/>
+              <a:endParaRPr lang="en-SG" sz="1000"/>
+            </a:p>
+          </p:txBody>
+        </p:sp>
+        <p:sp>
+          <p:nvSpPr>
+            <p:cNvPr id="84" name="Rectangle 83">
+              <a:extLst>
+                <a:ext uri="{FF2B5EF4-FFF2-40B4-BE49-F238E27FC236}">
+                  <a16:creationId xmlns:a16="http://schemas.microsoft.com/office/drawing/2014/main" id="{3A70F3D9-D9C2-488D-A8BD-108171520565}"/>
+                </a:ext>
+              </a:extLst>
+            </p:cNvPr>
+            <p:cNvSpPr/>
+            <p:nvPr/>
+          </p:nvSpPr>
+          <p:spPr>
+            <a:xfrm>
+              <a:off x="1147403" y="5712513"/>
+              <a:ext cx="98080" cy="169591"/>
+            </a:xfrm>
+            <a:prstGeom prst="rect">
+              <a:avLst/>
+            </a:prstGeom>
+            <a:solidFill>
+              <a:schemeClr val="accent4"/>
+            </a:solidFill>
+            <a:ln>
+              <a:solidFill>
+                <a:srgbClr val="7030A0"/>
+              </a:solidFill>
+            </a:ln>
+          </p:spPr>
+          <p:style>
+            <a:lnRef idx="0">
+              <a:scrgbClr r="0" g="0" b="0"/>
+            </a:lnRef>
+            <a:fillRef idx="0">
+              <a:scrgbClr r="0" g="0" b="0"/>
+            </a:fillRef>
+            <a:effectRef idx="0">
+              <a:scrgbClr r="0" g="0" b="0"/>
+            </a:effectRef>
+            <a:fontRef idx="minor">
+              <a:schemeClr val="lt1"/>
+            </a:fontRef>
+          </p:style>
+          <p:txBody>
+            <a:bodyPr rtlCol="0" anchor="ctr"/>
+            <a:lstStyle/>
+            <a:p>
+              <a:pPr algn="ctr"/>
+              <a:endParaRPr lang="en-SG" sz="1000">
+                <a:solidFill>
+                  <a:schemeClr val="dk1"/>
+                </a:solidFill>
+              </a:endParaRPr>
+            </a:p>
+          </p:txBody>
+        </p:sp>
+      </p:grpSp>
+      <p:sp>
+        <p:nvSpPr>
+          <p:cNvPr id="85" name="TextBox 84">
+            <a:extLst>
+              <a:ext uri="{FF2B5EF4-FFF2-40B4-BE49-F238E27FC236}">
+                <a16:creationId xmlns:a16="http://schemas.microsoft.com/office/drawing/2014/main" id="{B6338A26-D7FF-427C-93AF-918576CCB0AA}"/>
+              </a:ext>
+            </a:extLst>
+          </p:cNvPr>
+          <p:cNvSpPr txBox="1"/>
+          <p:nvPr/>
+        </p:nvSpPr>
+        <p:spPr>
+          <a:xfrm>
+            <a:off x="2619747" y="2505301"/>
+            <a:ext cx="935803" cy="246221"/>
+          </a:xfrm>
+          <a:prstGeom prst="rect">
+            <a:avLst/>
+          </a:prstGeom>
+          <a:noFill/>
+        </p:spPr>
+        <p:txBody>
+          <a:bodyPr wrap="square" lIns="0" tIns="0" rIns="0" bIns="0" rtlCol="0">
+            <a:spAutoFit/>
+          </a:bodyPr>
+          <a:lstStyle>
+            <a:defPPr>
+              <a:defRPr lang="en-US"/>
+            </a:defPPr>
+            <a:lvl1pPr algn="r">
+              <a:defRPr sz="1400">
+                <a:solidFill>
+                  <a:srgbClr val="0070C0"/>
+                </a:solidFill>
+              </a:defRPr>
+            </a:lvl1pPr>
+          </a:lstStyle>
+          <a:p>
+            <a:pPr algn="l"/>
+            <a:r>
+              <a:rPr lang="en-US" sz="800" dirty="0">
                 <a:solidFill>
                   <a:schemeClr val="accent4">
                     <a:lumMod val="75000"/>
                   </a:schemeClr>
                 </a:solidFill>
               </a:rPr>
-              <a:t>&gt;</a:t>
-            </a:r>
-            <a:endParaRPr lang="en-US" sz="1200" dirty="0"/>
+              <a:t>Collate the </a:t>
+            </a:r>
+            <a:r>
+              <a:rPr lang="en-US" sz="800" dirty="0" err="1">
+                <a:solidFill>
+                  <a:schemeClr val="accent4">
+                    <a:lumMod val="75000"/>
+                  </a:schemeClr>
+                </a:solidFill>
+              </a:rPr>
+              <a:t>ICalendar’s</a:t>
+            </a:r>
+            <a:r>
+              <a:rPr lang="en-US" sz="800" dirty="0">
+                <a:solidFill>
+                  <a:schemeClr val="accent4">
+                    <a:lumMod val="75000"/>
+                  </a:schemeClr>
+                </a:solidFill>
+              </a:rPr>
+              <a:t> into a single </a:t>
+            </a:r>
+            <a:r>
+              <a:rPr lang="en-US" sz="800" dirty="0" err="1">
+                <a:solidFill>
+                  <a:schemeClr val="accent4">
+                    <a:lumMod val="75000"/>
+                  </a:schemeClr>
+                </a:solidFill>
+              </a:rPr>
+              <a:t>ICalendar</a:t>
+            </a:r>
+            <a:endParaRPr lang="en-US" sz="800" dirty="0"/>
           </a:p>
         </p:txBody>
       </p:sp>
     </p:spTree>
     <p:extLst>
       <p:ext uri="{BB962C8B-B14F-4D97-AF65-F5344CB8AC3E}">
-        <p14:creationId xmlns:p14="http://schemas.microsoft.com/office/powerpoint/2010/main" val="3945898909"/>
+        <p14:creationId xmlns:p14="http://schemas.microsoft.com/office/powerpoint/2010/main" val="1730115754"/>
       </p:ext>
     </p:extLst>
   </p:cSld>

--- a/docs/diagrams/ImportSequenceDiagram.pptx
+++ b/docs/diagrams/ImportSequenceDiagram.pptx
@@ -3852,7 +3852,7 @@
         <p:spPr>
           <a:xfrm>
             <a:off x="1223538" y="1323893"/>
-            <a:ext cx="142960" cy="5000699"/>
+            <a:ext cx="101610" cy="5140380"/>
           </a:xfrm>
           <a:prstGeom prst="rect">
             <a:avLst/>
@@ -4375,7 +4375,7 @@
         </p:nvCxnSpPr>
         <p:spPr>
           <a:xfrm>
-            <a:off x="42698" y="6324362"/>
+            <a:off x="15911" y="6478319"/>
             <a:ext cx="1196051" cy="0"/>
           </a:xfrm>
           <a:prstGeom prst="straightConnector1">
@@ -4413,8 +4413,8 @@
         </p:nvSpPr>
         <p:spPr>
           <a:xfrm>
-            <a:off x="3848230" y="2458428"/>
-            <a:ext cx="139238" cy="3707167"/>
+            <a:off x="3848229" y="2458428"/>
+            <a:ext cx="148459" cy="3774721"/>
           </a:xfrm>
           <a:prstGeom prst="rect">
             <a:avLst/>
@@ -4556,7 +4556,7 @@
         </p:nvSpPr>
         <p:spPr>
           <a:xfrm>
-            <a:off x="2357929" y="5925375"/>
+            <a:off x="2375932" y="5987979"/>
             <a:ext cx="621216" cy="153888"/>
           </a:xfrm>
           <a:prstGeom prst="rect">
@@ -4596,7 +4596,7 @@
         </p:nvSpPr>
         <p:spPr>
           <a:xfrm>
-            <a:off x="306969" y="6079263"/>
+            <a:off x="321524" y="6253452"/>
             <a:ext cx="762000" cy="153888"/>
           </a:xfrm>
           <a:prstGeom prst="rect">
@@ -5071,8 +5071,8 @@
         </p:nvCxnSpPr>
         <p:spPr>
           <a:xfrm>
-            <a:off x="1367555" y="6165595"/>
-            <a:ext cx="2550294" cy="0"/>
+            <a:off x="1325148" y="6219103"/>
+            <a:ext cx="2597311" cy="14046"/>
           </a:xfrm>
           <a:prstGeom prst="straightConnector1">
             <a:avLst/>
@@ -5216,7 +5216,7 @@
         </p:nvCxnSpPr>
         <p:spPr>
           <a:xfrm flipV="1">
-            <a:off x="5459584" y="4239926"/>
+            <a:off x="5455357" y="4163074"/>
             <a:ext cx="1204126" cy="5064"/>
           </a:xfrm>
           <a:prstGeom prst="straightConnector1">
@@ -5588,7 +5588,7 @@
         </p:nvSpPr>
         <p:spPr>
           <a:xfrm>
-            <a:off x="5711170" y="4060625"/>
+            <a:off x="5664664" y="3973646"/>
             <a:ext cx="807111" cy="153888"/>
           </a:xfrm>
           <a:prstGeom prst="rect">
@@ -5619,7 +5619,7 @@
                   <a:srgbClr val="00B050"/>
                 </a:solidFill>
               </a:rPr>
-              <a:t>Reader.close</a:t>
+              <a:t>reader.close</a:t>
             </a:r>
             <a:r>
               <a:rPr lang="en-US" sz="1000" dirty="0">
@@ -7409,6 +7409,98 @@
           </a:p>
         </p:txBody>
       </p:sp>
+      <p:cxnSp>
+        <p:nvCxnSpPr>
+          <p:cNvPr id="92" name="Straight Arrow Connector 91">
+            <a:extLst>
+              <a:ext uri="{FF2B5EF4-FFF2-40B4-BE49-F238E27FC236}">
+                <a16:creationId xmlns:a16="http://schemas.microsoft.com/office/drawing/2014/main" id="{F56751EE-7EC3-46B7-8FB3-6173546A6993}"/>
+              </a:ext>
+            </a:extLst>
+          </p:cNvPr>
+          <p:cNvCxnSpPr>
+            <a:cxnSpLocks/>
+          </p:cNvCxnSpPr>
+          <p:nvPr/>
+        </p:nvCxnSpPr>
+        <p:spPr>
+          <a:xfrm>
+            <a:off x="3999209" y="6165595"/>
+            <a:ext cx="4198055" cy="0"/>
+          </a:xfrm>
+          <a:prstGeom prst="straightConnector1">
+            <a:avLst/>
+          </a:prstGeom>
+          <a:ln w="19050">
+            <a:solidFill>
+              <a:srgbClr val="7030A0"/>
+            </a:solidFill>
+            <a:prstDash val="sysDash"/>
+            <a:headEnd type="arrow" w="med" len="med"/>
+            <a:tailEnd type="none" w="med" len="med"/>
+          </a:ln>
+        </p:spPr>
+        <p:style>
+          <a:lnRef idx="1">
+            <a:schemeClr val="accent1"/>
+          </a:lnRef>
+          <a:fillRef idx="0">
+            <a:schemeClr val="accent1"/>
+          </a:fillRef>
+          <a:effectRef idx="0">
+            <a:schemeClr val="accent1"/>
+          </a:effectRef>
+          <a:fontRef idx="minor">
+            <a:schemeClr val="tx1"/>
+          </a:fontRef>
+        </p:style>
+      </p:cxnSp>
+      <p:cxnSp>
+        <p:nvCxnSpPr>
+          <p:cNvPr id="94" name="Straight Arrow Connector 93">
+            <a:extLst>
+              <a:ext uri="{FF2B5EF4-FFF2-40B4-BE49-F238E27FC236}">
+                <a16:creationId xmlns:a16="http://schemas.microsoft.com/office/drawing/2014/main" id="{DCDCB2EA-2B49-40CB-87EF-D6BC965257F2}"/>
+              </a:ext>
+            </a:extLst>
+          </p:cNvPr>
+          <p:cNvCxnSpPr>
+            <a:cxnSpLocks/>
+          </p:cNvCxnSpPr>
+          <p:nvPr/>
+        </p:nvCxnSpPr>
+        <p:spPr>
+          <a:xfrm>
+            <a:off x="5484306" y="4239926"/>
+            <a:ext cx="1125606" cy="0"/>
+          </a:xfrm>
+          <a:prstGeom prst="straightConnector1">
+            <a:avLst/>
+          </a:prstGeom>
+          <a:ln w="19050">
+            <a:solidFill>
+              <a:srgbClr val="00B050"/>
+            </a:solidFill>
+            <a:prstDash val="sysDash"/>
+            <a:headEnd type="arrow" w="med" len="med"/>
+            <a:tailEnd type="none" w="med" len="med"/>
+          </a:ln>
+        </p:spPr>
+        <p:style>
+          <a:lnRef idx="1">
+            <a:schemeClr val="accent1"/>
+          </a:lnRef>
+          <a:fillRef idx="0">
+            <a:schemeClr val="accent1"/>
+          </a:fillRef>
+          <a:effectRef idx="0">
+            <a:schemeClr val="accent1"/>
+          </a:effectRef>
+          <a:fontRef idx="minor">
+            <a:schemeClr val="tx1"/>
+          </a:fontRef>
+        </p:style>
+      </p:cxnSp>
     </p:spTree>
     <p:extLst>
       <p:ext uri="{BB962C8B-B14F-4D97-AF65-F5344CB8AC3E}">
